--- a/99. Lecture note in ppt/8. Python4, ES6.pptx
+++ b/99. Lecture note in ppt/8. Python4, ES6.pptx
@@ -30,14 +30,23 @@
     <p:sldId id="456" r:id="rId24"/>
     <p:sldId id="458" r:id="rId25"/>
     <p:sldId id="457" r:id="rId26"/>
-    <p:sldId id="466" r:id="rId27"/>
-    <p:sldId id="459" r:id="rId28"/>
-    <p:sldId id="461" r:id="rId29"/>
-    <p:sldId id="462" r:id="rId30"/>
-    <p:sldId id="463" r:id="rId31"/>
-    <p:sldId id="467" r:id="rId32"/>
-    <p:sldId id="464" r:id="rId33"/>
-    <p:sldId id="465" r:id="rId34"/>
+    <p:sldId id="484" r:id="rId27"/>
+    <p:sldId id="466" r:id="rId28"/>
+    <p:sldId id="485" r:id="rId29"/>
+    <p:sldId id="489" r:id="rId30"/>
+    <p:sldId id="459" r:id="rId31"/>
+    <p:sldId id="461" r:id="rId32"/>
+    <p:sldId id="462" r:id="rId33"/>
+    <p:sldId id="463" r:id="rId34"/>
+    <p:sldId id="490" r:id="rId35"/>
+    <p:sldId id="491" r:id="rId36"/>
+    <p:sldId id="492" r:id="rId37"/>
+    <p:sldId id="486" r:id="rId38"/>
+    <p:sldId id="488" r:id="rId39"/>
+    <p:sldId id="487" r:id="rId40"/>
+    <p:sldId id="467" r:id="rId41"/>
+    <p:sldId id="464" r:id="rId42"/>
+    <p:sldId id="465" r:id="rId43"/>
   </p:sldIdLst>
   <p:sldSz cx="12192000" cy="6858000"/>
   <p:notesSz cx="6858000" cy="9144000"/>
@@ -202,10 +211,9 @@
           </a:lstStyle>
           <a:p>
             <a:r>
-              <a:rPr lang="ko-KR" altLang="en-US" smtClean="0"/>
+              <a:rPr lang="ko-KR" altLang="en-US"/>
               <a:t>마스터 제목 스타일 편집</a:t>
             </a:r>
-            <a:endParaRPr lang="ko-KR" altLang="en-US"/>
           </a:p>
         </p:txBody>
       </p:sp>
@@ -267,10 +275,9 @@
           </a:lstStyle>
           <a:p>
             <a:r>
-              <a:rPr lang="ko-KR" altLang="en-US" smtClean="0"/>
+              <a:rPr lang="ko-KR" altLang="en-US"/>
               <a:t>클릭하여 마스터 부제목 스타일 편집</a:t>
             </a:r>
-            <a:endParaRPr lang="ko-KR" altLang="en-US"/>
           </a:p>
         </p:txBody>
       </p:sp>
@@ -291,7 +298,7 @@
           <a:p>
             <a:fld id="{B2970B56-F379-468E-8C04-AC3274656B30}" type="datetimeFigureOut">
               <a:rPr lang="ko-KR" altLang="en-US" smtClean="0"/>
-              <a:t>2023-04-06</a:t>
+              <a:t>2023-04-09</a:t>
             </a:fld>
             <a:endParaRPr lang="ko-KR" altLang="en-US"/>
           </a:p>
@@ -385,10 +392,9 @@
           <a:lstStyle/>
           <a:p>
             <a:r>
-              <a:rPr lang="ko-KR" altLang="en-US" smtClean="0"/>
+              <a:rPr lang="ko-KR" altLang="en-US"/>
               <a:t>마스터 제목 스타일 편집</a:t>
             </a:r>
-            <a:endParaRPr lang="ko-KR" altLang="en-US"/>
           </a:p>
         </p:txBody>
       </p:sp>
@@ -409,38 +415,37 @@
           <a:p>
             <a:pPr lvl="0"/>
             <a:r>
-              <a:rPr lang="ko-KR" altLang="en-US" smtClean="0"/>
+              <a:rPr lang="ko-KR" altLang="en-US"/>
               <a:t>마스터 텍스트 스타일 편집</a:t>
             </a:r>
           </a:p>
           <a:p>
             <a:pPr lvl="1"/>
             <a:r>
-              <a:rPr lang="ko-KR" altLang="en-US" smtClean="0"/>
+              <a:rPr lang="ko-KR" altLang="en-US"/>
               <a:t>둘째 수준</a:t>
             </a:r>
           </a:p>
           <a:p>
             <a:pPr lvl="2"/>
             <a:r>
-              <a:rPr lang="ko-KR" altLang="en-US" smtClean="0"/>
+              <a:rPr lang="ko-KR" altLang="en-US"/>
               <a:t>셋째 수준</a:t>
             </a:r>
           </a:p>
           <a:p>
             <a:pPr lvl="3"/>
             <a:r>
-              <a:rPr lang="ko-KR" altLang="en-US" smtClean="0"/>
+              <a:rPr lang="ko-KR" altLang="en-US"/>
               <a:t>넷째 수준</a:t>
             </a:r>
           </a:p>
           <a:p>
             <a:pPr lvl="4"/>
             <a:r>
-              <a:rPr lang="ko-KR" altLang="en-US" smtClean="0"/>
+              <a:rPr lang="ko-KR" altLang="en-US"/>
               <a:t>다섯째 수준</a:t>
             </a:r>
-            <a:endParaRPr lang="ko-KR" altLang="en-US"/>
           </a:p>
         </p:txBody>
       </p:sp>
@@ -461,7 +466,7 @@
           <a:p>
             <a:fld id="{B2970B56-F379-468E-8C04-AC3274656B30}" type="datetimeFigureOut">
               <a:rPr lang="ko-KR" altLang="en-US" smtClean="0"/>
-              <a:t>2023-04-06</a:t>
+              <a:t>2023-04-09</a:t>
             </a:fld>
             <a:endParaRPr lang="ko-KR" altLang="en-US"/>
           </a:p>
@@ -560,10 +565,9 @@
           <a:lstStyle/>
           <a:p>
             <a:r>
-              <a:rPr lang="ko-KR" altLang="en-US" smtClean="0"/>
+              <a:rPr lang="ko-KR" altLang="en-US"/>
               <a:t>마스터 제목 스타일 편집</a:t>
             </a:r>
-            <a:endParaRPr lang="ko-KR" altLang="en-US"/>
           </a:p>
         </p:txBody>
       </p:sp>
@@ -589,38 +593,37 @@
           <a:p>
             <a:pPr lvl="0"/>
             <a:r>
-              <a:rPr lang="ko-KR" altLang="en-US" smtClean="0"/>
+              <a:rPr lang="ko-KR" altLang="en-US"/>
               <a:t>마스터 텍스트 스타일 편집</a:t>
             </a:r>
           </a:p>
           <a:p>
             <a:pPr lvl="1"/>
             <a:r>
-              <a:rPr lang="ko-KR" altLang="en-US" smtClean="0"/>
+              <a:rPr lang="ko-KR" altLang="en-US"/>
               <a:t>둘째 수준</a:t>
             </a:r>
           </a:p>
           <a:p>
             <a:pPr lvl="2"/>
             <a:r>
-              <a:rPr lang="ko-KR" altLang="en-US" smtClean="0"/>
+              <a:rPr lang="ko-KR" altLang="en-US"/>
               <a:t>셋째 수준</a:t>
             </a:r>
           </a:p>
           <a:p>
             <a:pPr lvl="3"/>
             <a:r>
-              <a:rPr lang="ko-KR" altLang="en-US" smtClean="0"/>
+              <a:rPr lang="ko-KR" altLang="en-US"/>
               <a:t>넷째 수준</a:t>
             </a:r>
           </a:p>
           <a:p>
             <a:pPr lvl="4"/>
             <a:r>
-              <a:rPr lang="ko-KR" altLang="en-US" smtClean="0"/>
+              <a:rPr lang="ko-KR" altLang="en-US"/>
               <a:t>다섯째 수준</a:t>
             </a:r>
-            <a:endParaRPr lang="ko-KR" altLang="en-US"/>
           </a:p>
         </p:txBody>
       </p:sp>
@@ -641,7 +644,7 @@
           <a:p>
             <a:fld id="{B2970B56-F379-468E-8C04-AC3274656B30}" type="datetimeFigureOut">
               <a:rPr lang="ko-KR" altLang="en-US" smtClean="0"/>
-              <a:t>2023-04-06</a:t>
+              <a:t>2023-04-09</a:t>
             </a:fld>
             <a:endParaRPr lang="ko-KR" altLang="en-US"/>
           </a:p>
@@ -735,10 +738,9 @@
           <a:lstStyle/>
           <a:p>
             <a:r>
-              <a:rPr lang="ko-KR" altLang="en-US" smtClean="0"/>
+              <a:rPr lang="ko-KR" altLang="en-US"/>
               <a:t>마스터 제목 스타일 편집</a:t>
             </a:r>
-            <a:endParaRPr lang="ko-KR" altLang="en-US"/>
           </a:p>
         </p:txBody>
       </p:sp>
@@ -759,38 +761,37 @@
           <a:p>
             <a:pPr lvl="0"/>
             <a:r>
-              <a:rPr lang="ko-KR" altLang="en-US" smtClean="0"/>
+              <a:rPr lang="ko-KR" altLang="en-US"/>
               <a:t>마스터 텍스트 스타일 편집</a:t>
             </a:r>
           </a:p>
           <a:p>
             <a:pPr lvl="1"/>
             <a:r>
-              <a:rPr lang="ko-KR" altLang="en-US" smtClean="0"/>
+              <a:rPr lang="ko-KR" altLang="en-US"/>
               <a:t>둘째 수준</a:t>
             </a:r>
           </a:p>
           <a:p>
             <a:pPr lvl="2"/>
             <a:r>
-              <a:rPr lang="ko-KR" altLang="en-US" smtClean="0"/>
+              <a:rPr lang="ko-KR" altLang="en-US"/>
               <a:t>셋째 수준</a:t>
             </a:r>
           </a:p>
           <a:p>
             <a:pPr lvl="3"/>
             <a:r>
-              <a:rPr lang="ko-KR" altLang="en-US" smtClean="0"/>
+              <a:rPr lang="ko-KR" altLang="en-US"/>
               <a:t>넷째 수준</a:t>
             </a:r>
           </a:p>
           <a:p>
             <a:pPr lvl="4"/>
             <a:r>
-              <a:rPr lang="ko-KR" altLang="en-US" smtClean="0"/>
+              <a:rPr lang="ko-KR" altLang="en-US"/>
               <a:t>다섯째 수준</a:t>
             </a:r>
-            <a:endParaRPr lang="ko-KR" altLang="en-US"/>
           </a:p>
         </p:txBody>
       </p:sp>
@@ -811,7 +812,7 @@
           <a:p>
             <a:fld id="{B2970B56-F379-468E-8C04-AC3274656B30}" type="datetimeFigureOut">
               <a:rPr lang="ko-KR" altLang="en-US" smtClean="0"/>
-              <a:t>2023-04-06</a:t>
+              <a:t>2023-04-09</a:t>
             </a:fld>
             <a:endParaRPr lang="ko-KR" altLang="en-US"/>
           </a:p>
@@ -914,10 +915,9 @@
           </a:lstStyle>
           <a:p>
             <a:r>
-              <a:rPr lang="ko-KR" altLang="en-US" smtClean="0"/>
+              <a:rPr lang="ko-KR" altLang="en-US"/>
               <a:t>마스터 제목 스타일 편집</a:t>
             </a:r>
-            <a:endParaRPr lang="ko-KR" altLang="en-US"/>
           </a:p>
         </p:txBody>
       </p:sp>
@@ -1034,7 +1034,7 @@
           <a:p>
             <a:pPr lvl="0"/>
             <a:r>
-              <a:rPr lang="ko-KR" altLang="en-US" smtClean="0"/>
+              <a:rPr lang="ko-KR" altLang="en-US"/>
               <a:t>마스터 텍스트 스타일 편집</a:t>
             </a:r>
           </a:p>
@@ -1057,7 +1057,7 @@
           <a:p>
             <a:fld id="{B2970B56-F379-468E-8C04-AC3274656B30}" type="datetimeFigureOut">
               <a:rPr lang="ko-KR" altLang="en-US" smtClean="0"/>
-              <a:t>2023-04-06</a:t>
+              <a:t>2023-04-09</a:t>
             </a:fld>
             <a:endParaRPr lang="ko-KR" altLang="en-US"/>
           </a:p>
@@ -1151,10 +1151,9 @@
           <a:lstStyle/>
           <a:p>
             <a:r>
-              <a:rPr lang="ko-KR" altLang="en-US" smtClean="0"/>
+              <a:rPr lang="ko-KR" altLang="en-US"/>
               <a:t>마스터 제목 스타일 편집</a:t>
             </a:r>
-            <a:endParaRPr lang="ko-KR" altLang="en-US"/>
           </a:p>
         </p:txBody>
       </p:sp>
@@ -1180,38 +1179,37 @@
           <a:p>
             <a:pPr lvl="0"/>
             <a:r>
-              <a:rPr lang="ko-KR" altLang="en-US" smtClean="0"/>
+              <a:rPr lang="ko-KR" altLang="en-US"/>
               <a:t>마스터 텍스트 스타일 편집</a:t>
             </a:r>
           </a:p>
           <a:p>
             <a:pPr lvl="1"/>
             <a:r>
-              <a:rPr lang="ko-KR" altLang="en-US" smtClean="0"/>
+              <a:rPr lang="ko-KR" altLang="en-US"/>
               <a:t>둘째 수준</a:t>
             </a:r>
           </a:p>
           <a:p>
             <a:pPr lvl="2"/>
             <a:r>
-              <a:rPr lang="ko-KR" altLang="en-US" smtClean="0"/>
+              <a:rPr lang="ko-KR" altLang="en-US"/>
               <a:t>셋째 수준</a:t>
             </a:r>
           </a:p>
           <a:p>
             <a:pPr lvl="3"/>
             <a:r>
-              <a:rPr lang="ko-KR" altLang="en-US" smtClean="0"/>
+              <a:rPr lang="ko-KR" altLang="en-US"/>
               <a:t>넷째 수준</a:t>
             </a:r>
           </a:p>
           <a:p>
             <a:pPr lvl="4"/>
             <a:r>
-              <a:rPr lang="ko-KR" altLang="en-US" smtClean="0"/>
+              <a:rPr lang="ko-KR" altLang="en-US"/>
               <a:t>다섯째 수준</a:t>
             </a:r>
-            <a:endParaRPr lang="ko-KR" altLang="en-US"/>
           </a:p>
         </p:txBody>
       </p:sp>
@@ -1237,38 +1235,37 @@
           <a:p>
             <a:pPr lvl="0"/>
             <a:r>
-              <a:rPr lang="ko-KR" altLang="en-US" smtClean="0"/>
+              <a:rPr lang="ko-KR" altLang="en-US"/>
               <a:t>마스터 텍스트 스타일 편집</a:t>
             </a:r>
           </a:p>
           <a:p>
             <a:pPr lvl="1"/>
             <a:r>
-              <a:rPr lang="ko-KR" altLang="en-US" smtClean="0"/>
+              <a:rPr lang="ko-KR" altLang="en-US"/>
               <a:t>둘째 수준</a:t>
             </a:r>
           </a:p>
           <a:p>
             <a:pPr lvl="2"/>
             <a:r>
-              <a:rPr lang="ko-KR" altLang="en-US" smtClean="0"/>
+              <a:rPr lang="ko-KR" altLang="en-US"/>
               <a:t>셋째 수준</a:t>
             </a:r>
           </a:p>
           <a:p>
             <a:pPr lvl="3"/>
             <a:r>
-              <a:rPr lang="ko-KR" altLang="en-US" smtClean="0"/>
+              <a:rPr lang="ko-KR" altLang="en-US"/>
               <a:t>넷째 수준</a:t>
             </a:r>
           </a:p>
           <a:p>
             <a:pPr lvl="4"/>
             <a:r>
-              <a:rPr lang="ko-KR" altLang="en-US" smtClean="0"/>
+              <a:rPr lang="ko-KR" altLang="en-US"/>
               <a:t>다섯째 수준</a:t>
             </a:r>
-            <a:endParaRPr lang="ko-KR" altLang="en-US"/>
           </a:p>
         </p:txBody>
       </p:sp>
@@ -1289,7 +1286,7 @@
           <a:p>
             <a:fld id="{B2970B56-F379-468E-8C04-AC3274656B30}" type="datetimeFigureOut">
               <a:rPr lang="ko-KR" altLang="en-US" smtClean="0"/>
-              <a:t>2023-04-06</a:t>
+              <a:t>2023-04-09</a:t>
             </a:fld>
             <a:endParaRPr lang="ko-KR" altLang="en-US"/>
           </a:p>
@@ -1388,10 +1385,9 @@
           <a:lstStyle/>
           <a:p>
             <a:r>
-              <a:rPr lang="ko-KR" altLang="en-US" smtClean="0"/>
+              <a:rPr lang="ko-KR" altLang="en-US"/>
               <a:t>마스터 제목 스타일 편집</a:t>
             </a:r>
-            <a:endParaRPr lang="ko-KR" altLang="en-US"/>
           </a:p>
         </p:txBody>
       </p:sp>
@@ -1454,7 +1450,7 @@
           <a:p>
             <a:pPr lvl="0"/>
             <a:r>
-              <a:rPr lang="ko-KR" altLang="en-US" smtClean="0"/>
+              <a:rPr lang="ko-KR" altLang="en-US"/>
               <a:t>마스터 텍스트 스타일 편집</a:t>
             </a:r>
           </a:p>
@@ -1482,38 +1478,37 @@
           <a:p>
             <a:pPr lvl="0"/>
             <a:r>
-              <a:rPr lang="ko-KR" altLang="en-US" smtClean="0"/>
+              <a:rPr lang="ko-KR" altLang="en-US"/>
               <a:t>마스터 텍스트 스타일 편집</a:t>
             </a:r>
           </a:p>
           <a:p>
             <a:pPr lvl="1"/>
             <a:r>
-              <a:rPr lang="ko-KR" altLang="en-US" smtClean="0"/>
+              <a:rPr lang="ko-KR" altLang="en-US"/>
               <a:t>둘째 수준</a:t>
             </a:r>
           </a:p>
           <a:p>
             <a:pPr lvl="2"/>
             <a:r>
-              <a:rPr lang="ko-KR" altLang="en-US" smtClean="0"/>
+              <a:rPr lang="ko-KR" altLang="en-US"/>
               <a:t>셋째 수준</a:t>
             </a:r>
           </a:p>
           <a:p>
             <a:pPr lvl="3"/>
             <a:r>
-              <a:rPr lang="ko-KR" altLang="en-US" smtClean="0"/>
+              <a:rPr lang="ko-KR" altLang="en-US"/>
               <a:t>넷째 수준</a:t>
             </a:r>
           </a:p>
           <a:p>
             <a:pPr lvl="4"/>
             <a:r>
-              <a:rPr lang="ko-KR" altLang="en-US" smtClean="0"/>
+              <a:rPr lang="ko-KR" altLang="en-US"/>
               <a:t>다섯째 수준</a:t>
             </a:r>
-            <a:endParaRPr lang="ko-KR" altLang="en-US"/>
           </a:p>
         </p:txBody>
       </p:sp>
@@ -1576,7 +1571,7 @@
           <a:p>
             <a:pPr lvl="0"/>
             <a:r>
-              <a:rPr lang="ko-KR" altLang="en-US" smtClean="0"/>
+              <a:rPr lang="ko-KR" altLang="en-US"/>
               <a:t>마스터 텍스트 스타일 편집</a:t>
             </a:r>
           </a:p>
@@ -1604,38 +1599,37 @@
           <a:p>
             <a:pPr lvl="0"/>
             <a:r>
-              <a:rPr lang="ko-KR" altLang="en-US" smtClean="0"/>
+              <a:rPr lang="ko-KR" altLang="en-US"/>
               <a:t>마스터 텍스트 스타일 편집</a:t>
             </a:r>
           </a:p>
           <a:p>
             <a:pPr lvl="1"/>
             <a:r>
-              <a:rPr lang="ko-KR" altLang="en-US" smtClean="0"/>
+              <a:rPr lang="ko-KR" altLang="en-US"/>
               <a:t>둘째 수준</a:t>
             </a:r>
           </a:p>
           <a:p>
             <a:pPr lvl="2"/>
             <a:r>
-              <a:rPr lang="ko-KR" altLang="en-US" smtClean="0"/>
+              <a:rPr lang="ko-KR" altLang="en-US"/>
               <a:t>셋째 수준</a:t>
             </a:r>
           </a:p>
           <a:p>
             <a:pPr lvl="3"/>
             <a:r>
-              <a:rPr lang="ko-KR" altLang="en-US" smtClean="0"/>
+              <a:rPr lang="ko-KR" altLang="en-US"/>
               <a:t>넷째 수준</a:t>
             </a:r>
           </a:p>
           <a:p>
             <a:pPr lvl="4"/>
             <a:r>
-              <a:rPr lang="ko-KR" altLang="en-US" smtClean="0"/>
+              <a:rPr lang="ko-KR" altLang="en-US"/>
               <a:t>다섯째 수준</a:t>
             </a:r>
-            <a:endParaRPr lang="ko-KR" altLang="en-US"/>
           </a:p>
         </p:txBody>
       </p:sp>
@@ -1656,7 +1650,7 @@
           <a:p>
             <a:fld id="{B2970B56-F379-468E-8C04-AC3274656B30}" type="datetimeFigureOut">
               <a:rPr lang="ko-KR" altLang="en-US" smtClean="0"/>
-              <a:t>2023-04-06</a:t>
+              <a:t>2023-04-09</a:t>
             </a:fld>
             <a:endParaRPr lang="ko-KR" altLang="en-US"/>
           </a:p>
@@ -1750,10 +1744,9 @@
           <a:lstStyle/>
           <a:p>
             <a:r>
-              <a:rPr lang="ko-KR" altLang="en-US" smtClean="0"/>
+              <a:rPr lang="ko-KR" altLang="en-US"/>
               <a:t>마스터 제목 스타일 편집</a:t>
             </a:r>
-            <a:endParaRPr lang="ko-KR" altLang="en-US"/>
           </a:p>
         </p:txBody>
       </p:sp>
@@ -1774,7 +1767,7 @@
           <a:p>
             <a:fld id="{B2970B56-F379-468E-8C04-AC3274656B30}" type="datetimeFigureOut">
               <a:rPr lang="ko-KR" altLang="en-US" smtClean="0"/>
-              <a:t>2023-04-06</a:t>
+              <a:t>2023-04-09</a:t>
             </a:fld>
             <a:endParaRPr lang="ko-KR" altLang="en-US"/>
           </a:p>
@@ -1869,7 +1862,7 @@
           <a:p>
             <a:fld id="{B2970B56-F379-468E-8C04-AC3274656B30}" type="datetimeFigureOut">
               <a:rPr lang="ko-KR" altLang="en-US" smtClean="0"/>
-              <a:t>2023-04-06</a:t>
+              <a:t>2023-04-09</a:t>
             </a:fld>
             <a:endParaRPr lang="ko-KR" altLang="en-US"/>
           </a:p>
@@ -1972,10 +1965,9 @@
           </a:lstStyle>
           <a:p>
             <a:r>
-              <a:rPr lang="ko-KR" altLang="en-US" smtClean="0"/>
+              <a:rPr lang="ko-KR" altLang="en-US"/>
               <a:t>마스터 제목 스타일 편집</a:t>
             </a:r>
-            <a:endParaRPr lang="ko-KR" altLang="en-US"/>
           </a:p>
         </p:txBody>
       </p:sp>
@@ -2029,38 +2021,37 @@
           <a:p>
             <a:pPr lvl="0"/>
             <a:r>
-              <a:rPr lang="ko-KR" altLang="en-US" smtClean="0"/>
+              <a:rPr lang="ko-KR" altLang="en-US"/>
               <a:t>마스터 텍스트 스타일 편집</a:t>
             </a:r>
           </a:p>
           <a:p>
             <a:pPr lvl="1"/>
             <a:r>
-              <a:rPr lang="ko-KR" altLang="en-US" smtClean="0"/>
+              <a:rPr lang="ko-KR" altLang="en-US"/>
               <a:t>둘째 수준</a:t>
             </a:r>
           </a:p>
           <a:p>
             <a:pPr lvl="2"/>
             <a:r>
-              <a:rPr lang="ko-KR" altLang="en-US" smtClean="0"/>
+              <a:rPr lang="ko-KR" altLang="en-US"/>
               <a:t>셋째 수준</a:t>
             </a:r>
           </a:p>
           <a:p>
             <a:pPr lvl="3"/>
             <a:r>
-              <a:rPr lang="ko-KR" altLang="en-US" smtClean="0"/>
+              <a:rPr lang="ko-KR" altLang="en-US"/>
               <a:t>넷째 수준</a:t>
             </a:r>
           </a:p>
           <a:p>
             <a:pPr lvl="4"/>
             <a:r>
-              <a:rPr lang="ko-KR" altLang="en-US" smtClean="0"/>
+              <a:rPr lang="ko-KR" altLang="en-US"/>
               <a:t>다섯째 수준</a:t>
             </a:r>
-            <a:endParaRPr lang="ko-KR" altLang="en-US"/>
           </a:p>
         </p:txBody>
       </p:sp>
@@ -2123,7 +2114,7 @@
           <a:p>
             <a:pPr lvl="0"/>
             <a:r>
-              <a:rPr lang="ko-KR" altLang="en-US" smtClean="0"/>
+              <a:rPr lang="ko-KR" altLang="en-US"/>
               <a:t>마스터 텍스트 스타일 편집</a:t>
             </a:r>
           </a:p>
@@ -2146,7 +2137,7 @@
           <a:p>
             <a:fld id="{B2970B56-F379-468E-8C04-AC3274656B30}" type="datetimeFigureOut">
               <a:rPr lang="ko-KR" altLang="en-US" smtClean="0"/>
-              <a:t>2023-04-06</a:t>
+              <a:t>2023-04-09</a:t>
             </a:fld>
             <a:endParaRPr lang="ko-KR" altLang="en-US"/>
           </a:p>
@@ -2249,10 +2240,9 @@
           </a:lstStyle>
           <a:p>
             <a:r>
-              <a:rPr lang="ko-KR" altLang="en-US" smtClean="0"/>
+              <a:rPr lang="ko-KR" altLang="en-US"/>
               <a:t>마스터 제목 스타일 편집</a:t>
             </a:r>
-            <a:endParaRPr lang="ko-KR" altLang="en-US"/>
           </a:p>
         </p:txBody>
       </p:sp>
@@ -2376,7 +2366,7 @@
           <a:p>
             <a:pPr lvl="0"/>
             <a:r>
-              <a:rPr lang="ko-KR" altLang="en-US" smtClean="0"/>
+              <a:rPr lang="ko-KR" altLang="en-US"/>
               <a:t>마스터 텍스트 스타일 편집</a:t>
             </a:r>
           </a:p>
@@ -2399,7 +2389,7 @@
           <a:p>
             <a:fld id="{B2970B56-F379-468E-8C04-AC3274656B30}" type="datetimeFigureOut">
               <a:rPr lang="ko-KR" altLang="en-US" smtClean="0"/>
-              <a:t>2023-04-06</a:t>
+              <a:t>2023-04-09</a:t>
             </a:fld>
             <a:endParaRPr lang="ko-KR" altLang="en-US"/>
           </a:p>
@@ -2508,10 +2498,9 @@
           <a:lstStyle/>
           <a:p>
             <a:r>
-              <a:rPr lang="ko-KR" altLang="en-US" smtClean="0"/>
+              <a:rPr lang="ko-KR" altLang="en-US"/>
               <a:t>마스터 제목 스타일 편집</a:t>
             </a:r>
-            <a:endParaRPr lang="ko-KR" altLang="en-US"/>
           </a:p>
         </p:txBody>
       </p:sp>
@@ -2542,38 +2531,37 @@
           <a:p>
             <a:pPr lvl="0"/>
             <a:r>
-              <a:rPr lang="ko-KR" altLang="en-US" smtClean="0"/>
+              <a:rPr lang="ko-KR" altLang="en-US"/>
               <a:t>마스터 텍스트 스타일 편집</a:t>
             </a:r>
           </a:p>
           <a:p>
             <a:pPr lvl="1"/>
             <a:r>
-              <a:rPr lang="ko-KR" altLang="en-US" smtClean="0"/>
+              <a:rPr lang="ko-KR" altLang="en-US"/>
               <a:t>둘째 수준</a:t>
             </a:r>
           </a:p>
           <a:p>
             <a:pPr lvl="2"/>
             <a:r>
-              <a:rPr lang="ko-KR" altLang="en-US" smtClean="0"/>
+              <a:rPr lang="ko-KR" altLang="en-US"/>
               <a:t>셋째 수준</a:t>
             </a:r>
           </a:p>
           <a:p>
             <a:pPr lvl="3"/>
             <a:r>
-              <a:rPr lang="ko-KR" altLang="en-US" smtClean="0"/>
+              <a:rPr lang="ko-KR" altLang="en-US"/>
               <a:t>넷째 수준</a:t>
             </a:r>
           </a:p>
           <a:p>
             <a:pPr lvl="4"/>
             <a:r>
-              <a:rPr lang="ko-KR" altLang="en-US" smtClean="0"/>
+              <a:rPr lang="ko-KR" altLang="en-US"/>
               <a:t>다섯째 수준</a:t>
             </a:r>
-            <a:endParaRPr lang="ko-KR" altLang="en-US"/>
           </a:p>
         </p:txBody>
       </p:sp>
@@ -2612,7 +2600,7 @@
           <a:p>
             <a:fld id="{B2970B56-F379-468E-8C04-AC3274656B30}" type="datetimeFigureOut">
               <a:rPr lang="ko-KR" altLang="en-US" smtClean="0"/>
-              <a:t>2023-04-06</a:t>
+              <a:t>2023-04-09</a:t>
             </a:fld>
             <a:endParaRPr lang="ko-KR" altLang="en-US"/>
           </a:p>
@@ -3062,7 +3050,7 @@
           <a:p>
             <a:pPr algn="ctr"/>
             <a:r>
-              <a:rPr lang="en-US" altLang="ko-KR" dirty="0" smtClean="0">
+              <a:rPr lang="en-US" altLang="ko-KR" dirty="0">
                 <a:solidFill>
                   <a:schemeClr val="tx1"/>
                 </a:solidFill>
@@ -3152,7 +3140,7 @@
           <a:p>
             <a:pPr algn="ctr"/>
             <a:r>
-              <a:rPr lang="en-US" altLang="ko-KR" dirty="0" smtClean="0">
+              <a:rPr lang="en-US" altLang="ko-KR" dirty="0">
                 <a:solidFill>
                   <a:schemeClr val="tx1"/>
                 </a:solidFill>
@@ -3314,30 +3302,14 @@
           <a:p>
             <a:pPr algn="ctr"/>
             <a:r>
-              <a:rPr lang="ko-KR" altLang="en-US" sz="1600" smtClean="0">
-                <a:solidFill>
-                  <a:schemeClr val="tx1"/>
-                </a:solidFill>
-              </a:rPr>
-              <a:t>함수에 추가적인 기능을 </a:t>
-            </a:r>
-            <a:r>
-              <a:rPr lang="ko-KR" altLang="en-US" sz="1600" dirty="0" err="1" smtClean="0">
-                <a:solidFill>
-                  <a:schemeClr val="tx1"/>
-                </a:solidFill>
-              </a:rPr>
-              <a:t>덧데는</a:t>
-            </a:r>
-            <a:r>
-              <a:rPr lang="ko-KR" altLang="en-US" sz="1600" dirty="0" smtClean="0">
-                <a:solidFill>
-                  <a:schemeClr val="tx1"/>
-                </a:solidFill>
-              </a:rPr>
-              <a:t> 것</a:t>
-            </a:r>
-            <a:endParaRPr lang="en-US" altLang="ko-KR" sz="1600" dirty="0" smtClean="0">
+              <a:rPr lang="ko-KR" altLang="en-US" sz="1600" dirty="0">
+                <a:solidFill>
+                  <a:schemeClr val="tx1"/>
+                </a:solidFill>
+              </a:rPr>
+              <a:t>함수에 추가적인 기능을 덧대는 것</a:t>
+            </a:r>
+            <a:endParaRPr lang="en-US" altLang="ko-KR" sz="1600" dirty="0">
               <a:solidFill>
                 <a:schemeClr val="tx1"/>
               </a:solidFill>
@@ -3390,7 +3362,7 @@
           <a:p>
             <a:pPr algn="ctr"/>
             <a:r>
-              <a:rPr lang="ko-KR" altLang="en-US" sz="1600" dirty="0" smtClean="0">
+              <a:rPr lang="ko-KR" altLang="en-US" sz="1600" dirty="0">
                 <a:solidFill>
                   <a:schemeClr val="tx1"/>
                 </a:solidFill>
@@ -3398,7 +3370,7 @@
               <a:t>반복해서 실행하기보다 </a:t>
             </a:r>
             <a:r>
-              <a:rPr lang="en-US" altLang="ko-KR" sz="1600" dirty="0" smtClean="0">
+              <a:rPr lang="en-US" altLang="ko-KR" sz="1600" dirty="0">
                 <a:solidFill>
                   <a:schemeClr val="tx1"/>
                 </a:solidFill>
@@ -3406,7 +3378,7 @@
               <a:t>addon </a:t>
             </a:r>
             <a:r>
-              <a:rPr lang="ko-KR" altLang="en-US" sz="1600" dirty="0" smtClean="0">
+              <a:rPr lang="ko-KR" altLang="en-US" sz="1600" dirty="0">
                 <a:solidFill>
                   <a:schemeClr val="tx1"/>
                 </a:solidFill>
@@ -3414,7 +3386,7 @@
               <a:t>역할을 하는 함수를 덧붙여서 처리를 간단하게 한다</a:t>
             </a:r>
             <a:r>
-              <a:rPr lang="en-US" altLang="ko-KR" sz="1600" dirty="0" smtClean="0">
+              <a:rPr lang="en-US" altLang="ko-KR" sz="1600" dirty="0">
                 <a:solidFill>
                   <a:schemeClr val="tx1"/>
                 </a:solidFill>
@@ -3499,18 +3471,13 @@
           <a:p>
             <a:pPr algn="ctr"/>
             <a:r>
-              <a:rPr lang="ko-KR" altLang="en-US" dirty="0" smtClean="0">
+              <a:rPr lang="ko-KR" altLang="en-US" dirty="0">
                 <a:solidFill>
                   <a:schemeClr val="tx1"/>
                 </a:solidFill>
               </a:rPr>
               <a:t>상속</a:t>
             </a:r>
-            <a:endParaRPr lang="ko-KR" altLang="en-US" dirty="0">
-              <a:solidFill>
-                <a:schemeClr val="tx1"/>
-              </a:solidFill>
-            </a:endParaRPr>
           </a:p>
         </p:txBody>
       </p:sp>
@@ -3661,18 +3628,13 @@
           <a:p>
             <a:pPr algn="ctr"/>
             <a:r>
-              <a:rPr lang="ko-KR" altLang="en-US" dirty="0" smtClean="0">
+              <a:rPr lang="ko-KR" altLang="en-US" dirty="0">
                 <a:solidFill>
                   <a:schemeClr val="tx1"/>
                 </a:solidFill>
               </a:rPr>
               <a:t>부모</a:t>
             </a:r>
-            <a:endParaRPr lang="ko-KR" altLang="en-US" dirty="0">
-              <a:solidFill>
-                <a:schemeClr val="tx1"/>
-              </a:solidFill>
-            </a:endParaRPr>
           </a:p>
         </p:txBody>
       </p:sp>
@@ -3721,18 +3683,13 @@
           <a:p>
             <a:pPr algn="ctr"/>
             <a:r>
-              <a:rPr lang="ko-KR" altLang="en-US" dirty="0" smtClean="0">
+              <a:rPr lang="ko-KR" altLang="en-US" dirty="0">
                 <a:solidFill>
                   <a:schemeClr val="tx1"/>
                 </a:solidFill>
               </a:rPr>
               <a:t>자식</a:t>
             </a:r>
-            <a:endParaRPr lang="ko-KR" altLang="en-US" dirty="0">
-              <a:solidFill>
-                <a:schemeClr val="tx1"/>
-              </a:solidFill>
-            </a:endParaRPr>
           </a:p>
         </p:txBody>
       </p:sp>
@@ -3781,7 +3738,7 @@
           <a:p>
             <a:pPr algn="ctr"/>
             <a:r>
-              <a:rPr lang="ko-KR" altLang="en-US" dirty="0" err="1" smtClean="0">
+              <a:rPr lang="ko-KR" altLang="en-US" dirty="0" err="1">
                 <a:solidFill>
                   <a:schemeClr val="tx1"/>
                 </a:solidFill>
@@ -3871,7 +3828,7 @@
           <a:p>
             <a:pPr algn="ctr"/>
             <a:r>
-              <a:rPr lang="ko-KR" altLang="en-US" smtClean="0">
+              <a:rPr lang="ko-KR" altLang="en-US">
                 <a:solidFill>
                   <a:schemeClr val="tx1"/>
                 </a:solidFill>
@@ -3931,7 +3888,7 @@
           <a:p>
             <a:pPr algn="ctr"/>
             <a:r>
-              <a:rPr lang="ko-KR" altLang="en-US" dirty="0" smtClean="0">
+              <a:rPr lang="ko-KR" altLang="en-US" dirty="0">
                 <a:solidFill>
                   <a:schemeClr val="tx1"/>
                 </a:solidFill>
@@ -3939,7 +3896,7 @@
               <a:t>자식 클래스</a:t>
             </a:r>
             <a:r>
-              <a:rPr lang="en-US" altLang="ko-KR" dirty="0" smtClean="0">
+              <a:rPr lang="en-US" altLang="ko-KR" dirty="0">
                 <a:solidFill>
                   <a:schemeClr val="tx1"/>
                 </a:solidFill>
@@ -3999,7 +3956,7 @@
           <a:p>
             <a:pPr algn="ctr"/>
             <a:r>
-              <a:rPr lang="ko-KR" altLang="en-US" dirty="0" smtClean="0">
+              <a:rPr lang="ko-KR" altLang="en-US" dirty="0">
                 <a:solidFill>
                   <a:schemeClr val="tx1"/>
                 </a:solidFill>
@@ -4007,7 +3964,7 @@
               <a:t>자식 클래스</a:t>
             </a:r>
             <a:r>
-              <a:rPr lang="en-US" altLang="ko-KR" dirty="0" smtClean="0">
+              <a:rPr lang="en-US" altLang="ko-KR" dirty="0">
                 <a:solidFill>
                   <a:schemeClr val="tx1"/>
                 </a:solidFill>
@@ -4119,7 +4076,7 @@
           <a:p>
             <a:pPr algn="ctr"/>
             <a:r>
-              <a:rPr lang="ko-KR" altLang="en-US" sz="1600" dirty="0" smtClean="0">
+              <a:rPr lang="ko-KR" altLang="en-US" sz="1600" dirty="0">
                 <a:solidFill>
                   <a:schemeClr val="tx1"/>
                 </a:solidFill>
@@ -4127,7 +4084,7 @@
               <a:t>부모가 가진 속성과 기능을 자식 클래스에서 그대로 가질 수 있다</a:t>
             </a:r>
             <a:r>
-              <a:rPr lang="en-US" altLang="ko-KR" sz="1600" dirty="0" smtClean="0">
+              <a:rPr lang="en-US" altLang="ko-KR" sz="1600" dirty="0">
                 <a:solidFill>
                   <a:schemeClr val="tx1"/>
                 </a:solidFill>
@@ -4187,26 +4144,13 @@
           <a:p>
             <a:pPr algn="ctr"/>
             <a:r>
-              <a:rPr lang="ko-KR" altLang="en-US" sz="1600" dirty="0" smtClean="0">
-                <a:solidFill>
-                  <a:schemeClr val="tx1"/>
-                </a:solidFill>
-              </a:rPr>
-              <a:t>상속 받은 객체는 </a:t>
-            </a:r>
-            <a:r>
-              <a:rPr lang="ko-KR" altLang="en-US" sz="1600" dirty="0" smtClean="0">
-                <a:solidFill>
-                  <a:schemeClr val="tx1"/>
-                </a:solidFill>
-              </a:rPr>
-              <a:t>자식 클래스에서 다시 선언하지 않아도 됨</a:t>
-            </a:r>
-            <a:endParaRPr lang="ko-KR" altLang="en-US" sz="1600" dirty="0">
-              <a:solidFill>
-                <a:schemeClr val="tx1"/>
-              </a:solidFill>
-            </a:endParaRPr>
+              <a:rPr lang="ko-KR" altLang="en-US" sz="1600" dirty="0">
+                <a:solidFill>
+                  <a:schemeClr val="tx1"/>
+                </a:solidFill>
+              </a:rPr>
+              <a:t>상속 받은 객체는 자식 클래스에서 다시 선언하지 않아도 됨</a:t>
+            </a:r>
           </a:p>
         </p:txBody>
       </p:sp>
@@ -4255,7 +4199,7 @@
           <a:p>
             <a:pPr algn="ctr"/>
             <a:r>
-              <a:rPr lang="ko-KR" altLang="en-US" sz="1600" err="1" smtClean="0">
+              <a:rPr lang="ko-KR" altLang="en-US" sz="1600" err="1">
                 <a:solidFill>
                   <a:schemeClr val="tx1"/>
                 </a:solidFill>
@@ -4263,18 +4207,13 @@
               <a:t>재활용성의</a:t>
             </a:r>
             <a:r>
-              <a:rPr lang="ko-KR" altLang="en-US" sz="1600" dirty="0" smtClean="0">
+              <a:rPr lang="ko-KR" altLang="en-US" sz="1600" dirty="0">
                 <a:solidFill>
                   <a:schemeClr val="tx1"/>
                 </a:solidFill>
               </a:rPr>
               <a:t> 극대화가 가능</a:t>
             </a:r>
-            <a:endParaRPr lang="ko-KR" altLang="en-US" sz="1600" dirty="0">
-              <a:solidFill>
-                <a:schemeClr val="tx1"/>
-              </a:solidFill>
-            </a:endParaRPr>
           </a:p>
         </p:txBody>
       </p:sp>
@@ -4323,7 +4262,7 @@
           <a:p>
             <a:pPr algn="ctr"/>
             <a:r>
-              <a:rPr lang="ko-KR" altLang="en-US" sz="1600" dirty="0" smtClean="0">
+              <a:rPr lang="ko-KR" altLang="en-US" sz="1600" dirty="0">
                 <a:solidFill>
                   <a:schemeClr val="tx1"/>
                 </a:solidFill>
@@ -4331,31 +4270,55 @@
               <a:t>다만 </a:t>
             </a:r>
             <a:r>
-              <a:rPr lang="en-US" altLang="ko-KR" sz="1600" dirty="0" smtClean="0">
-                <a:solidFill>
-                  <a:schemeClr val="tx1"/>
+              <a:rPr lang="en-US" altLang="ko-KR" sz="1600" b="1" dirty="0">
+                <a:solidFill>
+                  <a:srgbClr val="FF0000"/>
                 </a:solidFill>
               </a:rPr>
               <a:t>5</a:t>
             </a:r>
             <a:r>
-              <a:rPr lang="ko-KR" altLang="en-US" sz="1600" dirty="0" err="1" smtClean="0">
-                <a:solidFill>
-                  <a:schemeClr val="tx1"/>
+              <a:rPr lang="ko-KR" altLang="en-US" sz="1600" b="1" dirty="0" err="1">
+                <a:solidFill>
+                  <a:srgbClr val="FF0000"/>
                 </a:solidFill>
               </a:rPr>
               <a:t>중상속</a:t>
             </a:r>
             <a:r>
-              <a:rPr lang="ko-KR" altLang="en-US" sz="1600" dirty="0" smtClean="0">
-                <a:solidFill>
-                  <a:schemeClr val="tx1"/>
-                </a:solidFill>
-              </a:rPr>
-              <a:t> 같은 만행을 </a:t>
-            </a:r>
-            <a:r>
-              <a:rPr lang="ko-KR" altLang="en-US" sz="1600" dirty="0" err="1" smtClean="0">
+              <a:rPr lang="ko-KR" altLang="en-US" sz="1600" b="1" dirty="0">
+                <a:solidFill>
+                  <a:srgbClr val="FF0000"/>
+                </a:solidFill>
+              </a:rPr>
+              <a:t> </a:t>
+            </a:r>
+            <a:r>
+              <a:rPr lang="ko-KR" altLang="en-US" sz="1600" dirty="0">
+                <a:solidFill>
+                  <a:schemeClr val="tx1"/>
+                </a:solidFill>
+              </a:rPr>
+              <a:t>같은 </a:t>
+            </a:r>
+            <a:r>
+              <a:rPr lang="ko-KR" altLang="en-US" sz="1600" b="1" dirty="0">
+                <a:solidFill>
+                  <a:srgbClr val="FF0000"/>
+                </a:solidFill>
+              </a:rPr>
+              <a:t>만행</a:t>
+            </a:r>
+            <a:r>
+              <a:rPr lang="ko-KR" altLang="en-US" sz="1600" dirty="0">
+                <a:solidFill>
+                  <a:schemeClr val="tx1"/>
+                </a:solidFill>
+              </a:rPr>
+              <a:t>을 </a:t>
+            </a:r>
+            <a:r>
+              <a:rPr lang="ko-KR" altLang="en-US" sz="1600" dirty="0" err="1">
                 <a:solidFill>
                   <a:schemeClr val="tx1"/>
                 </a:solidFill>
@@ -4363,7 +4326,7 @@
               <a:t>저질렀다간</a:t>
             </a:r>
             <a:r>
-              <a:rPr lang="ko-KR" altLang="en-US" sz="1600" dirty="0" smtClean="0">
+              <a:rPr lang="ko-KR" altLang="en-US" sz="1600" dirty="0">
                 <a:solidFill>
                   <a:schemeClr val="tx1"/>
                 </a:solidFill>
@@ -4371,7 +4334,7 @@
               <a:t> </a:t>
             </a:r>
             <a:r>
-              <a:rPr lang="ko-KR" altLang="en-US" sz="1600" dirty="0" err="1" smtClean="0">
+              <a:rPr lang="ko-KR" altLang="en-US" sz="1600" dirty="0" err="1">
                 <a:solidFill>
                   <a:schemeClr val="tx1"/>
                 </a:solidFill>
@@ -4379,18 +4342,13 @@
               <a:t>버그나도</a:t>
             </a:r>
             <a:r>
-              <a:rPr lang="ko-KR" altLang="en-US" sz="1600" dirty="0" smtClean="0">
+              <a:rPr lang="ko-KR" altLang="en-US" sz="1600" dirty="0">
                 <a:solidFill>
                   <a:schemeClr val="tx1"/>
                 </a:solidFill>
               </a:rPr>
               <a:t> 수습 어려우니 되도록이면 자제</a:t>
             </a:r>
-            <a:endParaRPr lang="ko-KR" altLang="en-US" sz="1600" dirty="0">
-              <a:solidFill>
-                <a:schemeClr val="tx1"/>
-              </a:solidFill>
-            </a:endParaRPr>
           </a:p>
         </p:txBody>
       </p:sp>
@@ -4493,7 +4451,7 @@
           <a:p>
             <a:pPr algn="ctr"/>
             <a:r>
-              <a:rPr lang="ko-KR" altLang="en-US" dirty="0" err="1" smtClean="0">
+              <a:rPr lang="ko-KR" altLang="en-US" dirty="0" err="1">
                 <a:solidFill>
                   <a:schemeClr val="tx1"/>
                 </a:solidFill>
@@ -4577,18 +4535,13 @@
           <a:p>
             <a:pPr algn="ctr"/>
             <a:r>
-              <a:rPr lang="ko-KR" altLang="en-US" sz="1600" dirty="0" smtClean="0">
+              <a:rPr lang="ko-KR" altLang="en-US" sz="1600" dirty="0">
                 <a:solidFill>
                   <a:schemeClr val="tx1"/>
                 </a:solidFill>
               </a:rPr>
               <a:t>부모에서 선언한 메서드를 자식 클래스에서 재정의 하는 것</a:t>
             </a:r>
-            <a:endParaRPr lang="ko-KR" altLang="en-US" sz="1600" dirty="0">
-              <a:solidFill>
-                <a:schemeClr val="tx1"/>
-              </a:solidFill>
-            </a:endParaRPr>
           </a:p>
         </p:txBody>
       </p:sp>
@@ -4637,7 +4590,7 @@
           <a:p>
             <a:pPr algn="ctr"/>
             <a:r>
-              <a:rPr lang="ko-KR" altLang="en-US" sz="1600" dirty="0" smtClean="0">
+              <a:rPr lang="ko-KR" altLang="en-US" sz="1600" dirty="0">
                 <a:solidFill>
                   <a:schemeClr val="tx1"/>
                 </a:solidFill>
@@ -4645,7 +4598,7 @@
               <a:t>부모를 </a:t>
             </a:r>
             <a:r>
-              <a:rPr lang="ko-KR" altLang="en-US" sz="1600" dirty="0" err="1" smtClean="0">
+              <a:rPr lang="ko-KR" altLang="en-US" sz="1600" dirty="0" err="1">
                 <a:solidFill>
                   <a:schemeClr val="tx1"/>
                 </a:solidFill>
@@ -4653,7 +4606,7 @@
               <a:t>바꿨다간</a:t>
             </a:r>
             <a:r>
-              <a:rPr lang="ko-KR" altLang="en-US" sz="1600" dirty="0" smtClean="0">
+              <a:rPr lang="ko-KR" altLang="en-US" sz="1600" dirty="0">
                 <a:solidFill>
                   <a:schemeClr val="tx1"/>
                 </a:solidFill>
@@ -4661,7 +4614,7 @@
               <a:t> 딸린 자식들에게서 대참사가 나니까</a:t>
             </a:r>
             <a:r>
-              <a:rPr lang="en-US" altLang="ko-KR" sz="1600" dirty="0" smtClean="0">
+              <a:rPr lang="en-US" altLang="ko-KR" sz="1600" dirty="0">
                 <a:solidFill>
                   <a:schemeClr val="tx1"/>
                 </a:solidFill>
@@ -4751,7 +4704,7 @@
           <a:p>
             <a:pPr algn="ctr"/>
             <a:r>
-              <a:rPr lang="ko-KR" altLang="en-US" dirty="0" smtClean="0">
+              <a:rPr lang="ko-KR" altLang="en-US" dirty="0">
                 <a:solidFill>
                   <a:schemeClr val="tx1"/>
                 </a:solidFill>
@@ -4759,7 +4712,7 @@
               <a:t>여기서부터는 다시 </a:t>
             </a:r>
             <a:r>
-              <a:rPr lang="en-US" altLang="ko-KR" dirty="0" smtClean="0">
+              <a:rPr lang="en-US" altLang="ko-KR" dirty="0">
                 <a:solidFill>
                   <a:schemeClr val="tx1"/>
                 </a:solidFill>
@@ -4849,7 +4802,7 @@
           <a:p>
             <a:pPr algn="ctr"/>
             <a:r>
-              <a:rPr lang="en-US" altLang="ko-KR" dirty="0" smtClean="0">
+              <a:rPr lang="en-US" altLang="ko-KR" dirty="0">
                 <a:solidFill>
                   <a:schemeClr val="tx1"/>
                 </a:solidFill>
@@ -4939,7 +4892,7 @@
           <a:p>
             <a:pPr algn="ctr"/>
             <a:r>
-              <a:rPr lang="en-US" altLang="ko-KR" dirty="0" smtClean="0">
+              <a:rPr lang="en-US" altLang="ko-KR" dirty="0">
                 <a:solidFill>
                   <a:schemeClr val="tx1"/>
                 </a:solidFill>
@@ -4947,18 +4900,13 @@
               <a:t>Arrow </a:t>
             </a:r>
             <a:r>
-              <a:rPr lang="ko-KR" altLang="en-US" dirty="0" smtClean="0">
+              <a:rPr lang="ko-KR" altLang="en-US" dirty="0">
                 <a:solidFill>
                   <a:schemeClr val="tx1"/>
                 </a:solidFill>
               </a:rPr>
               <a:t>함수</a:t>
             </a:r>
-            <a:endParaRPr lang="ko-KR" altLang="en-US" dirty="0">
-              <a:solidFill>
-                <a:schemeClr val="tx1"/>
-              </a:solidFill>
-            </a:endParaRPr>
           </a:p>
         </p:txBody>
       </p:sp>
@@ -5134,6 +5082,96 @@
           </a:p>
         </p:txBody>
       </p:sp>
+      <p:sp>
+        <p:nvSpPr>
+          <p:cNvPr id="2" name="직사각형 1">
+            <a:extLst>
+              <a:ext uri="{FF2B5EF4-FFF2-40B4-BE49-F238E27FC236}">
+                <a16:creationId xmlns:a16="http://schemas.microsoft.com/office/drawing/2014/main" id="{EFE31491-016B-80D6-82BB-CDA78A484370}"/>
+              </a:ext>
+            </a:extLst>
+          </p:cNvPr>
+          <p:cNvSpPr/>
+          <p:nvPr/>
+        </p:nvSpPr>
+        <p:spPr>
+          <a:xfrm>
+            <a:off x="9692189" y="3060881"/>
+            <a:ext cx="2449046" cy="629149"/>
+          </a:xfrm>
+          <a:prstGeom prst="rect">
+            <a:avLst/>
+          </a:prstGeom>
+          <a:solidFill>
+            <a:srgbClr val="00B0F0">
+              <a:alpha val="34000"/>
+            </a:srgbClr>
+          </a:solidFill>
+          <a:ln w="38100">
+            <a:noFill/>
+          </a:ln>
+        </p:spPr>
+        <p:style>
+          <a:lnRef idx="2">
+            <a:schemeClr val="accent1">
+              <a:shade val="50000"/>
+            </a:schemeClr>
+          </a:lnRef>
+          <a:fillRef idx="1">
+            <a:schemeClr val="accent1"/>
+          </a:fillRef>
+          <a:effectRef idx="0">
+            <a:schemeClr val="accent1"/>
+          </a:effectRef>
+          <a:fontRef idx="minor">
+            <a:schemeClr val="lt1"/>
+          </a:fontRef>
+        </p:style>
+        <p:txBody>
+          <a:bodyPr rtlCol="0" anchor="ctr"/>
+          <a:lstStyle/>
+          <a:p>
+            <a:pPr algn="ctr"/>
+            <a:r>
+              <a:rPr lang="en-US" altLang="ko-KR" sz="1400" dirty="0">
+                <a:solidFill>
+                  <a:schemeClr val="tx1"/>
+                </a:solidFill>
+              </a:rPr>
+              <a:t>1</a:t>
+            </a:r>
+            <a:r>
+              <a:rPr lang="ko-KR" altLang="en-US" sz="1400" dirty="0" err="1">
+                <a:solidFill>
+                  <a:schemeClr val="tx1"/>
+                </a:solidFill>
+              </a:rPr>
+              <a:t>줄짜리면</a:t>
+            </a:r>
+            <a:r>
+              <a:rPr lang="ko-KR" altLang="en-US" sz="1400" dirty="0">
+                <a:solidFill>
+                  <a:schemeClr val="tx1"/>
+                </a:solidFill>
+              </a:rPr>
+              <a:t> 괄호는 생략 가능</a:t>
+            </a:r>
+            <a:r>
+              <a:rPr lang="en-US" altLang="ko-KR" sz="1400" dirty="0">
+                <a:solidFill>
+                  <a:schemeClr val="tx1"/>
+                </a:solidFill>
+              </a:rPr>
+              <a:t>!</a:t>
+            </a:r>
+            <a:endParaRPr lang="ko-KR" altLang="en-US" sz="1400" dirty="0">
+              <a:solidFill>
+                <a:schemeClr val="tx1"/>
+              </a:solidFill>
+            </a:endParaRPr>
+          </a:p>
+        </p:txBody>
+      </p:sp>
     </p:spTree>
     <p:extLst>
       <p:ext uri="{BB962C8B-B14F-4D97-AF65-F5344CB8AC3E}">
@@ -5209,7 +5247,7 @@
           <a:p>
             <a:pPr algn="ctr"/>
             <a:r>
-              <a:rPr lang="en-US" altLang="ko-KR" dirty="0" smtClean="0">
+              <a:rPr lang="en-US" altLang="ko-KR" dirty="0">
                 <a:solidFill>
                   <a:schemeClr val="tx1"/>
                 </a:solidFill>
@@ -5217,7 +5255,7 @@
               <a:t>__</a:t>
             </a:r>
             <a:r>
-              <a:rPr lang="ko-KR" altLang="en-US" dirty="0" err="1" smtClean="0">
+              <a:rPr lang="ko-KR" altLang="en-US" dirty="0" err="1">
                 <a:solidFill>
                   <a:schemeClr val="tx1"/>
                 </a:solidFill>
@@ -5225,7 +5263,7 @@
               <a:t>변수명</a:t>
             </a:r>
             <a:r>
-              <a:rPr lang="en-US" altLang="ko-KR" dirty="0" smtClean="0">
+              <a:rPr lang="en-US" altLang="ko-KR" dirty="0">
                 <a:solidFill>
                   <a:schemeClr val="tx1"/>
                 </a:solidFill>
@@ -5387,7 +5425,7 @@
           <a:p>
             <a:pPr algn="ctr"/>
             <a:r>
-              <a:rPr lang="en-US" altLang="ko-KR" dirty="0" smtClean="0">
+              <a:rPr lang="en-US" altLang="ko-KR" dirty="0">
                 <a:solidFill>
                   <a:schemeClr val="tx1"/>
                 </a:solidFill>
@@ -5395,18 +5433,13 @@
               <a:t>Brace </a:t>
             </a:r>
             <a:r>
-              <a:rPr lang="ko-KR" altLang="en-US" dirty="0" smtClean="0">
+              <a:rPr lang="ko-KR" altLang="en-US" dirty="0">
                 <a:solidFill>
                   <a:schemeClr val="tx1"/>
                 </a:solidFill>
               </a:rPr>
               <a:t>생략 가능</a:t>
             </a:r>
-            <a:endParaRPr lang="ko-KR" altLang="en-US" dirty="0">
-              <a:solidFill>
-                <a:schemeClr val="tx1"/>
-              </a:solidFill>
-            </a:endParaRPr>
           </a:p>
         </p:txBody>
       </p:sp>
@@ -5455,7 +5488,7 @@
           <a:p>
             <a:pPr algn="ctr"/>
             <a:r>
-              <a:rPr lang="en-US" altLang="ko-KR" sz="1600" dirty="0" smtClean="0">
+              <a:rPr lang="en-US" altLang="ko-KR" sz="1600" dirty="0">
                 <a:solidFill>
                   <a:schemeClr val="tx1"/>
                 </a:solidFill>
@@ -5463,7 +5496,7 @@
               <a:t>Brance</a:t>
             </a:r>
             <a:r>
-              <a:rPr lang="ko-KR" altLang="en-US" sz="1600" dirty="0" smtClean="0">
+              <a:rPr lang="ko-KR" altLang="en-US" sz="1600" dirty="0">
                 <a:solidFill>
                   <a:schemeClr val="tx1"/>
                 </a:solidFill>
@@ -5471,7 +5504,7 @@
               <a:t>와 함께 </a:t>
             </a:r>
             <a:r>
-              <a:rPr lang="en-US" altLang="ko-KR" sz="1600" dirty="0" smtClean="0">
+              <a:rPr lang="en-US" altLang="ko-KR" sz="1600" dirty="0">
                 <a:solidFill>
                   <a:schemeClr val="tx1"/>
                 </a:solidFill>
@@ -5479,14 +5512,14 @@
               <a:t>return</a:t>
             </a:r>
             <a:r>
-              <a:rPr lang="ko-KR" altLang="en-US" sz="1600" dirty="0" smtClean="0">
+              <a:rPr lang="ko-KR" altLang="en-US" sz="1600" dirty="0">
                 <a:solidFill>
                   <a:schemeClr val="tx1"/>
                 </a:solidFill>
               </a:rPr>
               <a:t>도</a:t>
             </a:r>
-            <a:endParaRPr lang="en-US" altLang="ko-KR" sz="1600" dirty="0" smtClean="0">
+            <a:endParaRPr lang="en-US" altLang="ko-KR" sz="1600" dirty="0">
               <a:solidFill>
                 <a:schemeClr val="tx1"/>
               </a:solidFill>
@@ -5495,14 +5528,14 @@
           <a:p>
             <a:pPr algn="ctr"/>
             <a:r>
-              <a:rPr lang="ko-KR" altLang="en-US" sz="1600" dirty="0" smtClean="0">
+              <a:rPr lang="ko-KR" altLang="en-US" sz="1600" dirty="0">
                 <a:solidFill>
                   <a:schemeClr val="tx1"/>
                 </a:solidFill>
               </a:rPr>
               <a:t>생략 가능 </a:t>
             </a:r>
-            <a:endParaRPr lang="en-US" altLang="ko-KR" sz="1600" dirty="0" smtClean="0">
+            <a:endParaRPr lang="en-US" altLang="ko-KR" sz="1600" dirty="0">
               <a:solidFill>
                 <a:schemeClr val="tx1"/>
               </a:solidFill>
@@ -5511,7 +5544,7 @@
           <a:p>
             <a:pPr algn="ctr"/>
             <a:r>
-              <a:rPr lang="en-US" altLang="ko-KR" sz="1600" dirty="0" smtClean="0">
+              <a:rPr lang="en-US" altLang="ko-KR" sz="1600" dirty="0">
                 <a:solidFill>
                   <a:schemeClr val="tx1"/>
                 </a:solidFill>
@@ -5519,7 +5552,7 @@
               <a:t>(</a:t>
             </a:r>
             <a:r>
-              <a:rPr lang="ko-KR" altLang="en-US" sz="1600" dirty="0" smtClean="0">
+              <a:rPr lang="ko-KR" altLang="en-US" sz="1600" dirty="0">
                 <a:solidFill>
                   <a:schemeClr val="tx1"/>
                 </a:solidFill>
@@ -5527,7 +5560,7 @@
               <a:t>생략 안하면 되려 </a:t>
             </a:r>
             <a:r>
-              <a:rPr lang="ko-KR" altLang="en-US" sz="1600" dirty="0" err="1" smtClean="0">
+              <a:rPr lang="ko-KR" altLang="en-US" sz="1600" dirty="0" err="1">
                 <a:solidFill>
                   <a:schemeClr val="tx1"/>
                 </a:solidFill>
@@ -5535,7 +5568,7 @@
               <a:t>에러남</a:t>
             </a:r>
             <a:r>
-              <a:rPr lang="en-US" altLang="ko-KR" sz="1600" dirty="0" smtClean="0">
+              <a:rPr lang="en-US" altLang="ko-KR" sz="1600" dirty="0">
                 <a:solidFill>
                   <a:schemeClr val="tx1"/>
                 </a:solidFill>
@@ -5649,7 +5682,7 @@
           <a:p>
             <a:pPr algn="ctr"/>
             <a:r>
-              <a:rPr lang="ko-KR" altLang="en-US" dirty="0" err="1" smtClean="0">
+              <a:rPr lang="ko-KR" altLang="en-US" dirty="0" err="1">
                 <a:solidFill>
                   <a:schemeClr val="tx1"/>
                 </a:solidFill>
@@ -5657,7 +5690,7 @@
               <a:t>여러줄이면</a:t>
             </a:r>
             <a:r>
-              <a:rPr lang="ko-KR" altLang="en-US" dirty="0" smtClean="0">
+              <a:rPr lang="ko-KR" altLang="en-US" dirty="0">
                 <a:solidFill>
                   <a:schemeClr val="tx1"/>
                 </a:solidFill>
@@ -5665,7 +5698,7 @@
               <a:t> </a:t>
             </a:r>
             <a:r>
-              <a:rPr lang="en-US" altLang="ko-KR" dirty="0" smtClean="0">
+              <a:rPr lang="en-US" altLang="ko-KR" dirty="0">
                 <a:solidFill>
                   <a:schemeClr val="tx1"/>
                 </a:solidFill>
@@ -5673,14 +5706,14 @@
               <a:t>brace</a:t>
             </a:r>
             <a:r>
-              <a:rPr lang="ko-KR" altLang="en-US" dirty="0" smtClean="0">
+              <a:rPr lang="ko-KR" altLang="en-US" dirty="0">
                 <a:solidFill>
                   <a:schemeClr val="tx1"/>
                 </a:solidFill>
               </a:rPr>
               <a:t>는</a:t>
             </a:r>
-            <a:endParaRPr lang="en-US" altLang="ko-KR" dirty="0" smtClean="0">
+            <a:endParaRPr lang="en-US" altLang="ko-KR" dirty="0">
               <a:solidFill>
                 <a:schemeClr val="tx1"/>
               </a:solidFill>
@@ -5689,18 +5722,13 @@
           <a:p>
             <a:pPr algn="ctr"/>
             <a:r>
-              <a:rPr lang="ko-KR" altLang="en-US" b="1" dirty="0" smtClean="0">
+              <a:rPr lang="ko-KR" altLang="en-US" b="1" dirty="0">
                 <a:solidFill>
                   <a:srgbClr val="FF0000"/>
                 </a:solidFill>
               </a:rPr>
               <a:t>생략 불가능</a:t>
             </a:r>
-            <a:endParaRPr lang="ko-KR" altLang="en-US" b="1" dirty="0">
-              <a:solidFill>
-                <a:srgbClr val="FF0000"/>
-              </a:solidFill>
-            </a:endParaRPr>
           </a:p>
         </p:txBody>
       </p:sp>
@@ -5803,18 +5831,13 @@
           <a:p>
             <a:pPr algn="ctr"/>
             <a:r>
-              <a:rPr lang="ko-KR" altLang="en-US" dirty="0" smtClean="0">
+              <a:rPr lang="ko-KR" altLang="en-US" dirty="0">
                 <a:solidFill>
                   <a:schemeClr val="tx1"/>
                 </a:solidFill>
               </a:rPr>
               <a:t>객체를 받을 경우 소괄호로 감싸주자</a:t>
             </a:r>
-            <a:endParaRPr lang="ko-KR" altLang="en-US" dirty="0">
-              <a:solidFill>
-                <a:schemeClr val="tx1"/>
-              </a:solidFill>
-            </a:endParaRPr>
           </a:p>
         </p:txBody>
       </p:sp>
@@ -6013,7 +6036,7 @@
           <a:p>
             <a:pPr algn="ctr"/>
             <a:r>
-              <a:rPr lang="en-US" altLang="ko-KR" dirty="0" smtClean="0">
+              <a:rPr lang="en-US" altLang="ko-KR" dirty="0">
                 <a:solidFill>
                   <a:schemeClr val="tx1"/>
                 </a:solidFill>
@@ -6021,7 +6044,7 @@
               <a:t>=&gt;</a:t>
             </a:r>
             <a:r>
-              <a:rPr lang="ko-KR" altLang="en-US" dirty="0" smtClean="0">
+              <a:rPr lang="ko-KR" altLang="en-US" dirty="0">
                 <a:solidFill>
                   <a:schemeClr val="tx1"/>
                 </a:solidFill>
@@ -6029,7 +6052,7 @@
               <a:t>로 넘겨받은 함수에는 </a:t>
             </a:r>
             <a:r>
-              <a:rPr lang="en-US" altLang="ko-KR" dirty="0" smtClean="0">
+              <a:rPr lang="en-US" altLang="ko-KR" dirty="0">
                 <a:solidFill>
                   <a:schemeClr val="tx1"/>
                 </a:solidFill>
@@ -6037,7 +6060,7 @@
               <a:t>arguments </a:t>
             </a:r>
             <a:r>
-              <a:rPr lang="ko-KR" altLang="en-US" dirty="0" smtClean="0">
+              <a:rPr lang="ko-KR" altLang="en-US" dirty="0">
                 <a:solidFill>
                   <a:schemeClr val="tx1"/>
                 </a:solidFill>
@@ -6045,7 +6068,7 @@
               <a:t>같은 기본 함수에서 내장되어있는 메서드들을 갖지 않는다</a:t>
             </a:r>
             <a:r>
-              <a:rPr lang="en-US" altLang="ko-KR" dirty="0" smtClean="0">
+              <a:rPr lang="en-US" altLang="ko-KR" dirty="0">
                 <a:solidFill>
                   <a:schemeClr val="tx1"/>
                 </a:solidFill>
@@ -6159,7 +6182,7 @@
           <a:p>
             <a:pPr algn="ctr"/>
             <a:r>
-              <a:rPr lang="en-US" altLang="ko-KR" dirty="0" smtClean="0">
+              <a:rPr lang="en-US" altLang="ko-KR" dirty="0">
                 <a:solidFill>
                   <a:schemeClr val="tx1"/>
                 </a:solidFill>
@@ -6167,14 +6190,14 @@
               <a:t>‘arguments, caller, apply, bind</a:t>
             </a:r>
             <a:r>
-              <a:rPr lang="ko-KR" altLang="en-US" dirty="0" smtClean="0">
+              <a:rPr lang="ko-KR" altLang="en-US" dirty="0">
                 <a:solidFill>
                   <a:schemeClr val="tx1"/>
                 </a:solidFill>
               </a:rPr>
               <a:t>는 에러를 표시하도록</a:t>
             </a:r>
-            <a:endParaRPr lang="en-US" altLang="ko-KR" dirty="0" smtClean="0">
+            <a:endParaRPr lang="en-US" altLang="ko-KR" dirty="0">
               <a:solidFill>
                 <a:schemeClr val="tx1"/>
               </a:solidFill>
@@ -6183,7 +6206,7 @@
           <a:p>
             <a:pPr algn="ctr"/>
             <a:r>
-              <a:rPr lang="ko-KR" altLang="en-US" dirty="0" smtClean="0">
+              <a:rPr lang="ko-KR" altLang="en-US" dirty="0">
                 <a:solidFill>
                   <a:schemeClr val="tx1"/>
                 </a:solidFill>
@@ -6191,7 +6214,7 @@
               <a:t>해두었다</a:t>
             </a:r>
             <a:r>
-              <a:rPr lang="en-US" altLang="ko-KR" dirty="0" smtClean="0">
+              <a:rPr lang="en-US" altLang="ko-KR" dirty="0">
                 <a:solidFill>
                   <a:schemeClr val="tx1"/>
                 </a:solidFill>
@@ -6292,14 +6315,20 @@
       </p:grpSpPr>
       <p:sp>
         <p:nvSpPr>
-          <p:cNvPr id="4" name="직사각형 3"/>
+          <p:cNvPr id="4" name="직사각형 3">
+            <a:extLst>
+              <a:ext uri="{FF2B5EF4-FFF2-40B4-BE49-F238E27FC236}">
+                <a16:creationId xmlns:a16="http://schemas.microsoft.com/office/drawing/2014/main" id="{C242792C-982D-8253-926C-75232561B75B}"/>
+              </a:ext>
+            </a:extLst>
+          </p:cNvPr>
           <p:cNvSpPr/>
           <p:nvPr/>
         </p:nvSpPr>
         <p:spPr>
           <a:xfrm>
-            <a:off x="4663046" y="3097394"/>
-            <a:ext cx="2865905" cy="736238"/>
+            <a:off x="3211286" y="3060881"/>
+            <a:ext cx="5769427" cy="736238"/>
           </a:xfrm>
           <a:prstGeom prst="rect">
             <a:avLst/>
@@ -6335,25 +6364,87 @@
           <a:p>
             <a:pPr algn="ctr"/>
             <a:r>
-              <a:rPr lang="en-US" altLang="ko-KR" dirty="0" smtClean="0">
-                <a:solidFill>
-                  <a:schemeClr val="tx1"/>
-                </a:solidFill>
-              </a:rPr>
-              <a:t>Lexical this</a:t>
-            </a:r>
-            <a:endParaRPr lang="ko-KR" altLang="en-US" dirty="0">
-              <a:solidFill>
-                <a:schemeClr val="tx1"/>
-              </a:solidFill>
-            </a:endParaRPr>
+              <a:rPr lang="ko-KR" altLang="en-US" sz="1600" dirty="0">
+                <a:solidFill>
+                  <a:schemeClr val="tx1"/>
+                </a:solidFill>
+              </a:rPr>
+              <a:t>결론</a:t>
+            </a:r>
+            <a:r>
+              <a:rPr lang="en-US" altLang="ko-KR" sz="1600" dirty="0">
+                <a:solidFill>
+                  <a:schemeClr val="tx1"/>
+                </a:solidFill>
+              </a:rPr>
+              <a:t>: </a:t>
+            </a:r>
+          </a:p>
+          <a:p>
+            <a:pPr algn="ctr"/>
+            <a:r>
+              <a:rPr lang="en-US" altLang="ko-KR" sz="1600" dirty="0">
+                <a:solidFill>
+                  <a:schemeClr val="tx1"/>
+                </a:solidFill>
+              </a:rPr>
+              <a:t>Constructor</a:t>
+            </a:r>
+            <a:r>
+              <a:rPr lang="ko-KR" altLang="en-US" sz="1600" dirty="0">
+                <a:solidFill>
+                  <a:schemeClr val="tx1"/>
+                </a:solidFill>
+              </a:rPr>
+              <a:t>를 갖지 못하고</a:t>
+            </a:r>
+            <a:r>
+              <a:rPr lang="en-US" altLang="ko-KR" sz="1600" dirty="0">
+                <a:solidFill>
+                  <a:schemeClr val="tx1"/>
+                </a:solidFill>
+              </a:rPr>
+              <a:t>, this </a:t>
+            </a:r>
+            <a:r>
+              <a:rPr lang="ko-KR" altLang="en-US" sz="1600" dirty="0">
+                <a:solidFill>
+                  <a:schemeClr val="tx1"/>
+                </a:solidFill>
+              </a:rPr>
+              <a:t>어설프게 </a:t>
+            </a:r>
+            <a:r>
+              <a:rPr lang="ko-KR" altLang="en-US" sz="1600" dirty="0" err="1">
+                <a:solidFill>
+                  <a:schemeClr val="tx1"/>
+                </a:solidFill>
+              </a:rPr>
+              <a:t>쓰다간</a:t>
+            </a:r>
+            <a:r>
+              <a:rPr lang="ko-KR" altLang="en-US" sz="1600" dirty="0">
+                <a:solidFill>
+                  <a:schemeClr val="tx1"/>
+                </a:solidFill>
+              </a:rPr>
+              <a:t> 꼬일 수 있으니 가볍게 인스턴트 함수 같은 거 만들 때나 쓰기 좋음</a:t>
+            </a:r>
+            <a:r>
+              <a:rPr lang="en-US" altLang="ko-KR" sz="1600" dirty="0">
+                <a:solidFill>
+                  <a:schemeClr val="tx1"/>
+                </a:solidFill>
+              </a:rPr>
+              <a:t>.</a:t>
+            </a:r>
           </a:p>
         </p:txBody>
       </p:sp>
     </p:spTree>
     <p:extLst>
       <p:ext uri="{BB962C8B-B14F-4D97-AF65-F5344CB8AC3E}">
-        <p14:creationId xmlns:p14="http://schemas.microsoft.com/office/powerpoint/2010/main" val="4262651053"/>
+        <p14:creationId xmlns:p14="http://schemas.microsoft.com/office/powerpoint/2010/main" val="3610334592"/>
       </p:ext>
     </p:extLst>
   </p:cSld>
@@ -6380,63 +6471,15 @@
           <a:chExt cx="0" cy="0"/>
         </a:xfrm>
       </p:grpSpPr>
-      <p:pic>
-        <p:nvPicPr>
-          <p:cNvPr id="4" name="그림 3"/>
-          <p:cNvPicPr>
-            <a:picLocks noChangeAspect="1"/>
-          </p:cNvPicPr>
-          <p:nvPr/>
-        </p:nvPicPr>
-        <p:blipFill>
-          <a:blip r:embed="rId2"/>
-          <a:stretch>
-            <a:fillRect/>
-          </a:stretch>
-        </p:blipFill>
-        <p:spPr>
-          <a:xfrm>
-            <a:off x="1126522" y="2314419"/>
-            <a:ext cx="4086795" cy="2229161"/>
-          </a:xfrm>
-          <a:prstGeom prst="rect">
-            <a:avLst/>
-          </a:prstGeom>
-        </p:spPr>
-      </p:pic>
-      <p:pic>
-        <p:nvPicPr>
-          <p:cNvPr id="5" name="그림 4"/>
-          <p:cNvPicPr>
-            <a:picLocks noChangeAspect="1"/>
-          </p:cNvPicPr>
-          <p:nvPr/>
-        </p:nvPicPr>
-        <p:blipFill>
-          <a:blip r:embed="rId3"/>
-          <a:stretch>
-            <a:fillRect/>
-          </a:stretch>
-        </p:blipFill>
-        <p:spPr>
-          <a:xfrm>
-            <a:off x="8041232" y="3152736"/>
-            <a:ext cx="1695687" cy="552527"/>
-          </a:xfrm>
-          <a:prstGeom prst="rect">
-            <a:avLst/>
-          </a:prstGeom>
-        </p:spPr>
-      </p:pic>
-      <p:sp>
-        <p:nvSpPr>
-          <p:cNvPr id="6" name="직사각형 5"/>
+      <p:sp>
+        <p:nvSpPr>
+          <p:cNvPr id="4" name="직사각형 3"/>
           <p:cNvSpPr/>
           <p:nvPr/>
         </p:nvSpPr>
         <p:spPr>
           <a:xfrm>
-            <a:off x="4663046" y="5283642"/>
+            <a:off x="4663046" y="3097394"/>
             <a:ext cx="2865905" cy="736238"/>
           </a:xfrm>
           <a:prstGeom prst="rect">
@@ -6473,38 +6516,14 @@
           <a:p>
             <a:pPr algn="ctr"/>
             <a:r>
-              <a:rPr lang="en-US" altLang="ko-KR" sz="1600" dirty="0" smtClean="0">
-                <a:solidFill>
-                  <a:schemeClr val="tx1"/>
-                </a:solidFill>
-              </a:rPr>
-              <a:t>This</a:t>
-            </a:r>
-            <a:r>
-              <a:rPr lang="ko-KR" altLang="en-US" sz="1600" dirty="0" smtClean="0">
-                <a:solidFill>
-                  <a:schemeClr val="tx1"/>
-                </a:solidFill>
-              </a:rPr>
-              <a:t>가 자기 자신을 가리켜야 하는데 아무것도 </a:t>
-            </a:r>
-            <a:r>
-              <a:rPr lang="ko-KR" altLang="en-US" sz="1600" dirty="0" err="1" smtClean="0">
-                <a:solidFill>
-                  <a:schemeClr val="tx1"/>
-                </a:solidFill>
-              </a:rPr>
-              <a:t>안나온다</a:t>
-            </a:r>
-            <a:r>
-              <a:rPr lang="en-US" altLang="ko-KR" sz="1600" dirty="0" smtClean="0">
-                <a:solidFill>
-                  <a:schemeClr val="tx1"/>
-                </a:solidFill>
-              </a:rPr>
-              <a:t>.</a:t>
-            </a:r>
-            <a:endParaRPr lang="ko-KR" altLang="en-US" sz="1600" dirty="0">
+              <a:rPr lang="en-US" altLang="ko-KR" dirty="0">
+                <a:solidFill>
+                  <a:schemeClr val="tx1"/>
+                </a:solidFill>
+              </a:rPr>
+              <a:t>Lexical this</a:t>
+            </a:r>
+            <a:endParaRPr lang="ko-KR" altLang="en-US" dirty="0">
               <a:solidFill>
                 <a:schemeClr val="tx1"/>
               </a:solidFill>
@@ -6515,7 +6534,7 @@
     </p:spTree>
     <p:extLst>
       <p:ext uri="{BB962C8B-B14F-4D97-AF65-F5344CB8AC3E}">
-        <p14:creationId xmlns:p14="http://schemas.microsoft.com/office/powerpoint/2010/main" val="3870595628"/>
+        <p14:creationId xmlns:p14="http://schemas.microsoft.com/office/powerpoint/2010/main" val="4262651053"/>
       </p:ext>
     </p:extLst>
   </p:cSld>
@@ -6542,63 +6561,21 @@
           <a:chExt cx="0" cy="0"/>
         </a:xfrm>
       </p:grpSpPr>
-      <p:pic>
-        <p:nvPicPr>
-          <p:cNvPr id="4" name="그림 3"/>
-          <p:cNvPicPr>
-            <a:picLocks noChangeAspect="1"/>
-          </p:cNvPicPr>
-          <p:nvPr/>
-        </p:nvPicPr>
-        <p:blipFill>
-          <a:blip r:embed="rId2"/>
-          <a:stretch>
-            <a:fillRect/>
-          </a:stretch>
-        </p:blipFill>
-        <p:spPr>
-          <a:xfrm>
-            <a:off x="1742467" y="2466840"/>
-            <a:ext cx="8707065" cy="1924319"/>
-          </a:xfrm>
-          <a:prstGeom prst="rect">
-            <a:avLst/>
-          </a:prstGeom>
-        </p:spPr>
-      </p:pic>
-      <p:pic>
-        <p:nvPicPr>
-          <p:cNvPr id="5" name="그림 4"/>
-          <p:cNvPicPr>
-            <a:picLocks noChangeAspect="1"/>
-          </p:cNvPicPr>
-          <p:nvPr/>
-        </p:nvPicPr>
-        <p:blipFill>
-          <a:blip r:embed="rId3"/>
-          <a:stretch>
-            <a:fillRect/>
-          </a:stretch>
-        </p:blipFill>
-        <p:spPr>
-          <a:xfrm>
-            <a:off x="6890225" y="5100615"/>
-            <a:ext cx="3697226" cy="1119344"/>
-          </a:xfrm>
-          <a:prstGeom prst="rect">
-            <a:avLst/>
-          </a:prstGeom>
-        </p:spPr>
-      </p:pic>
-      <p:sp>
-        <p:nvSpPr>
-          <p:cNvPr id="6" name="직사각형 5"/>
+      <p:sp>
+        <p:nvSpPr>
+          <p:cNvPr id="4" name="직사각형 3">
+            <a:extLst>
+              <a:ext uri="{FF2B5EF4-FFF2-40B4-BE49-F238E27FC236}">
+                <a16:creationId xmlns:a16="http://schemas.microsoft.com/office/drawing/2014/main" id="{5443DAA0-BF31-C640-4599-207330E539B9}"/>
+              </a:ext>
+            </a:extLst>
+          </p:cNvPr>
           <p:cNvSpPr/>
           <p:nvPr/>
         </p:nvSpPr>
         <p:spPr>
           <a:xfrm>
-            <a:off x="4663046" y="5283642"/>
+            <a:off x="4663046" y="5341283"/>
             <a:ext cx="2865905" cy="736238"/>
           </a:xfrm>
           <a:prstGeom prst="rect">
@@ -6635,20 +6612,158 @@
           <a:p>
             <a:pPr algn="ctr"/>
             <a:r>
-              <a:rPr lang="ko-KR" altLang="en-US" dirty="0" smtClean="0">
-                <a:solidFill>
-                  <a:schemeClr val="tx1"/>
-                </a:solidFill>
-              </a:rPr>
-              <a:t>최상위 객체인 윈도우를 가리킨다</a:t>
-            </a:r>
-            <a:r>
-              <a:rPr lang="en-US" altLang="ko-KR" dirty="0" smtClean="0">
-                <a:solidFill>
-                  <a:schemeClr val="tx1"/>
-                </a:solidFill>
-              </a:rPr>
-              <a:t>.</a:t>
+              <a:rPr lang="ko-KR" altLang="en-US" dirty="0">
+                <a:solidFill>
+                  <a:schemeClr val="tx1"/>
+                </a:solidFill>
+              </a:rPr>
+              <a:t>잠깐 </a:t>
+            </a:r>
+            <a:r>
+              <a:rPr lang="en-US" altLang="ko-KR" dirty="0">
+                <a:solidFill>
+                  <a:schemeClr val="tx1"/>
+                </a:solidFill>
+              </a:rPr>
+              <a:t>this</a:t>
+            </a:r>
+            <a:r>
+              <a:rPr lang="ko-KR" altLang="en-US" dirty="0">
+                <a:solidFill>
+                  <a:schemeClr val="tx1"/>
+                </a:solidFill>
+              </a:rPr>
+              <a:t>를 떠올려보자</a:t>
+            </a:r>
+          </a:p>
+        </p:txBody>
+      </p:sp>
+      <p:sp>
+        <p:nvSpPr>
+          <p:cNvPr id="5" name="직사각형 4">
+            <a:extLst>
+              <a:ext uri="{FF2B5EF4-FFF2-40B4-BE49-F238E27FC236}">
+                <a16:creationId xmlns:a16="http://schemas.microsoft.com/office/drawing/2014/main" id="{76F96A2B-CE0B-A7B9-3310-23B1A6594BF8}"/>
+              </a:ext>
+            </a:extLst>
+          </p:cNvPr>
+          <p:cNvSpPr/>
+          <p:nvPr/>
+        </p:nvSpPr>
+        <p:spPr>
+          <a:xfrm>
+            <a:off x="2509393" y="1858141"/>
+            <a:ext cx="2865905" cy="736238"/>
+          </a:xfrm>
+          <a:prstGeom prst="rect">
+            <a:avLst/>
+          </a:prstGeom>
+          <a:solidFill>
+            <a:srgbClr val="00B0F0">
+              <a:alpha val="34000"/>
+            </a:srgbClr>
+          </a:solidFill>
+          <a:ln w="38100">
+            <a:noFill/>
+          </a:ln>
+        </p:spPr>
+        <p:style>
+          <a:lnRef idx="2">
+            <a:schemeClr val="accent1">
+              <a:shade val="50000"/>
+            </a:schemeClr>
+          </a:lnRef>
+          <a:fillRef idx="1">
+            <a:schemeClr val="accent1"/>
+          </a:fillRef>
+          <a:effectRef idx="0">
+            <a:schemeClr val="accent1"/>
+          </a:effectRef>
+          <a:fontRef idx="minor">
+            <a:schemeClr val="lt1"/>
+          </a:fontRef>
+        </p:style>
+        <p:txBody>
+          <a:bodyPr rtlCol="0" anchor="ctr"/>
+          <a:lstStyle/>
+          <a:p>
+            <a:pPr algn="ctr"/>
+            <a:r>
+              <a:rPr lang="ko-KR" altLang="en-US" dirty="0">
+                <a:solidFill>
+                  <a:schemeClr val="tx1"/>
+                </a:solidFill>
+              </a:rPr>
+              <a:t>함수 내부</a:t>
+            </a:r>
+          </a:p>
+        </p:txBody>
+      </p:sp>
+      <p:sp>
+        <p:nvSpPr>
+          <p:cNvPr id="6" name="직사각형 5">
+            <a:extLst>
+              <a:ext uri="{FF2B5EF4-FFF2-40B4-BE49-F238E27FC236}">
+                <a16:creationId xmlns:a16="http://schemas.microsoft.com/office/drawing/2014/main" id="{29C0FEC7-94AA-5949-8E57-EABF413AD2D8}"/>
+              </a:ext>
+            </a:extLst>
+          </p:cNvPr>
+          <p:cNvSpPr/>
+          <p:nvPr/>
+        </p:nvSpPr>
+        <p:spPr>
+          <a:xfrm>
+            <a:off x="2509393" y="2692762"/>
+            <a:ext cx="2865905" cy="736238"/>
+          </a:xfrm>
+          <a:prstGeom prst="rect">
+            <a:avLst/>
+          </a:prstGeom>
+          <a:solidFill>
+            <a:srgbClr val="00B0F0">
+              <a:alpha val="34000"/>
+            </a:srgbClr>
+          </a:solidFill>
+          <a:ln w="38100">
+            <a:noFill/>
+          </a:ln>
+        </p:spPr>
+        <p:style>
+          <a:lnRef idx="2">
+            <a:schemeClr val="accent1">
+              <a:shade val="50000"/>
+            </a:schemeClr>
+          </a:lnRef>
+          <a:fillRef idx="1">
+            <a:schemeClr val="accent1"/>
+          </a:fillRef>
+          <a:effectRef idx="0">
+            <a:schemeClr val="accent1"/>
+          </a:effectRef>
+          <a:fontRef idx="minor">
+            <a:schemeClr val="lt1"/>
+          </a:fontRef>
+        </p:style>
+        <p:txBody>
+          <a:bodyPr rtlCol="0" anchor="ctr"/>
+          <a:lstStyle/>
+          <a:p>
+            <a:pPr algn="ctr"/>
+            <a:r>
+              <a:rPr lang="ko-KR" altLang="en-US" dirty="0">
+                <a:solidFill>
+                  <a:schemeClr val="tx1"/>
+                </a:solidFill>
+              </a:rPr>
+              <a:t>메서드 </a:t>
+            </a:r>
+            <a:r>
+              <a:rPr lang="ko-KR" altLang="en-US" dirty="0" err="1">
+                <a:solidFill>
+                  <a:schemeClr val="tx1"/>
+                </a:solidFill>
+              </a:rPr>
+              <a:t>호출시</a:t>
             </a:r>
             <a:endParaRPr lang="ko-KR" altLang="en-US" dirty="0">
               <a:solidFill>
@@ -6658,10 +6773,516 @@
           </a:p>
         </p:txBody>
       </p:sp>
+      <p:sp>
+        <p:nvSpPr>
+          <p:cNvPr id="7" name="직사각형 6">
+            <a:extLst>
+              <a:ext uri="{FF2B5EF4-FFF2-40B4-BE49-F238E27FC236}">
+                <a16:creationId xmlns:a16="http://schemas.microsoft.com/office/drawing/2014/main" id="{BE9E923F-378D-9276-B97F-0B633F872217}"/>
+              </a:ext>
+            </a:extLst>
+          </p:cNvPr>
+          <p:cNvSpPr/>
+          <p:nvPr/>
+        </p:nvSpPr>
+        <p:spPr>
+          <a:xfrm>
+            <a:off x="2509393" y="3527383"/>
+            <a:ext cx="2865905" cy="736238"/>
+          </a:xfrm>
+          <a:prstGeom prst="rect">
+            <a:avLst/>
+          </a:prstGeom>
+          <a:solidFill>
+            <a:srgbClr val="00B0F0">
+              <a:alpha val="34000"/>
+            </a:srgbClr>
+          </a:solidFill>
+          <a:ln w="38100">
+            <a:noFill/>
+          </a:ln>
+        </p:spPr>
+        <p:style>
+          <a:lnRef idx="2">
+            <a:schemeClr val="accent1">
+              <a:shade val="50000"/>
+            </a:schemeClr>
+          </a:lnRef>
+          <a:fillRef idx="1">
+            <a:schemeClr val="accent1"/>
+          </a:fillRef>
+          <a:effectRef idx="0">
+            <a:schemeClr val="accent1"/>
+          </a:effectRef>
+          <a:fontRef idx="minor">
+            <a:schemeClr val="lt1"/>
+          </a:fontRef>
+        </p:style>
+        <p:txBody>
+          <a:bodyPr rtlCol="0" anchor="ctr"/>
+          <a:lstStyle/>
+          <a:p>
+            <a:pPr algn="ctr"/>
+            <a:r>
+              <a:rPr lang="en-US" altLang="ko-KR" dirty="0">
+                <a:solidFill>
+                  <a:schemeClr val="tx1"/>
+                </a:solidFill>
+              </a:rPr>
+              <a:t>Callback</a:t>
+            </a:r>
+            <a:r>
+              <a:rPr lang="ko-KR" altLang="en-US" dirty="0">
+                <a:solidFill>
+                  <a:schemeClr val="tx1"/>
+                </a:solidFill>
+              </a:rPr>
+              <a:t>에서</a:t>
+            </a:r>
+          </a:p>
+        </p:txBody>
+      </p:sp>
+      <p:sp>
+        <p:nvSpPr>
+          <p:cNvPr id="8" name="직사각형 7">
+            <a:extLst>
+              <a:ext uri="{FF2B5EF4-FFF2-40B4-BE49-F238E27FC236}">
+                <a16:creationId xmlns:a16="http://schemas.microsoft.com/office/drawing/2014/main" id="{17C06100-EA8D-E5E8-AE9D-B0946C60A353}"/>
+              </a:ext>
+            </a:extLst>
+          </p:cNvPr>
+          <p:cNvSpPr/>
+          <p:nvPr/>
+        </p:nvSpPr>
+        <p:spPr>
+          <a:xfrm>
+            <a:off x="2509393" y="4366495"/>
+            <a:ext cx="2865905" cy="736238"/>
+          </a:xfrm>
+          <a:prstGeom prst="rect">
+            <a:avLst/>
+          </a:prstGeom>
+          <a:solidFill>
+            <a:srgbClr val="00B0F0">
+              <a:alpha val="34000"/>
+            </a:srgbClr>
+          </a:solidFill>
+          <a:ln w="38100">
+            <a:noFill/>
+          </a:ln>
+        </p:spPr>
+        <p:style>
+          <a:lnRef idx="2">
+            <a:schemeClr val="accent1">
+              <a:shade val="50000"/>
+            </a:schemeClr>
+          </a:lnRef>
+          <a:fillRef idx="1">
+            <a:schemeClr val="accent1"/>
+          </a:fillRef>
+          <a:effectRef idx="0">
+            <a:schemeClr val="accent1"/>
+          </a:effectRef>
+          <a:fontRef idx="minor">
+            <a:schemeClr val="lt1"/>
+          </a:fontRef>
+        </p:style>
+        <p:txBody>
+          <a:bodyPr rtlCol="0" anchor="ctr"/>
+          <a:lstStyle/>
+          <a:p>
+            <a:pPr algn="ctr"/>
+            <a:r>
+              <a:rPr lang="ko-KR" altLang="en-US" dirty="0">
+                <a:solidFill>
+                  <a:schemeClr val="tx1"/>
+                </a:solidFill>
+              </a:rPr>
+              <a:t>생성자 함수에서</a:t>
+            </a:r>
+          </a:p>
+        </p:txBody>
+      </p:sp>
+      <p:sp>
+        <p:nvSpPr>
+          <p:cNvPr id="9" name="직사각형 8">
+            <a:extLst>
+              <a:ext uri="{FF2B5EF4-FFF2-40B4-BE49-F238E27FC236}">
+                <a16:creationId xmlns:a16="http://schemas.microsoft.com/office/drawing/2014/main" id="{E80B5128-B6F2-0495-086A-70BEC8982692}"/>
+              </a:ext>
+            </a:extLst>
+          </p:cNvPr>
+          <p:cNvSpPr/>
+          <p:nvPr/>
+        </p:nvSpPr>
+        <p:spPr>
+          <a:xfrm>
+            <a:off x="2509393" y="1019029"/>
+            <a:ext cx="2865905" cy="736238"/>
+          </a:xfrm>
+          <a:prstGeom prst="rect">
+            <a:avLst/>
+          </a:prstGeom>
+          <a:solidFill>
+            <a:srgbClr val="00B0F0">
+              <a:alpha val="34000"/>
+            </a:srgbClr>
+          </a:solidFill>
+          <a:ln w="38100">
+            <a:noFill/>
+          </a:ln>
+        </p:spPr>
+        <p:style>
+          <a:lnRef idx="2">
+            <a:schemeClr val="accent1">
+              <a:shade val="50000"/>
+            </a:schemeClr>
+          </a:lnRef>
+          <a:fillRef idx="1">
+            <a:schemeClr val="accent1"/>
+          </a:fillRef>
+          <a:effectRef idx="0">
+            <a:schemeClr val="accent1"/>
+          </a:effectRef>
+          <a:fontRef idx="minor">
+            <a:schemeClr val="lt1"/>
+          </a:fontRef>
+        </p:style>
+        <p:txBody>
+          <a:bodyPr rtlCol="0" anchor="ctr"/>
+          <a:lstStyle/>
+          <a:p>
+            <a:pPr algn="ctr"/>
+            <a:r>
+              <a:rPr lang="ko-KR" altLang="en-US" dirty="0">
+                <a:solidFill>
+                  <a:schemeClr val="tx1"/>
+                </a:solidFill>
+              </a:rPr>
+              <a:t>전역 공간</a:t>
+            </a:r>
+          </a:p>
+        </p:txBody>
+      </p:sp>
+      <p:sp>
+        <p:nvSpPr>
+          <p:cNvPr id="10" name="직사각형 9">
+            <a:extLst>
+              <a:ext uri="{FF2B5EF4-FFF2-40B4-BE49-F238E27FC236}">
+                <a16:creationId xmlns:a16="http://schemas.microsoft.com/office/drawing/2014/main" id="{1F2E0728-2135-7ECB-A59A-A95BF1DB2609}"/>
+              </a:ext>
+            </a:extLst>
+          </p:cNvPr>
+          <p:cNvSpPr/>
+          <p:nvPr/>
+        </p:nvSpPr>
+        <p:spPr>
+          <a:xfrm>
+            <a:off x="5631587" y="1858141"/>
+            <a:ext cx="2865905" cy="736238"/>
+          </a:xfrm>
+          <a:prstGeom prst="rect">
+            <a:avLst/>
+          </a:prstGeom>
+          <a:solidFill>
+            <a:srgbClr val="00B0F0">
+              <a:alpha val="34000"/>
+            </a:srgbClr>
+          </a:solidFill>
+          <a:ln w="38100">
+            <a:noFill/>
+          </a:ln>
+        </p:spPr>
+        <p:style>
+          <a:lnRef idx="2">
+            <a:schemeClr val="accent1">
+              <a:shade val="50000"/>
+            </a:schemeClr>
+          </a:lnRef>
+          <a:fillRef idx="1">
+            <a:schemeClr val="accent1"/>
+          </a:fillRef>
+          <a:effectRef idx="0">
+            <a:schemeClr val="accent1"/>
+          </a:effectRef>
+          <a:fontRef idx="minor">
+            <a:schemeClr val="lt1"/>
+          </a:fontRef>
+        </p:style>
+        <p:txBody>
+          <a:bodyPr rtlCol="0" anchor="ctr"/>
+          <a:lstStyle/>
+          <a:p>
+            <a:pPr algn="ctr"/>
+            <a:r>
+              <a:rPr lang="en-US" altLang="ko-KR" dirty="0">
+                <a:solidFill>
+                  <a:schemeClr val="tx1"/>
+                </a:solidFill>
+              </a:rPr>
+              <a:t>Window / global</a:t>
+            </a:r>
+            <a:endParaRPr lang="ko-KR" altLang="en-US" dirty="0">
+              <a:solidFill>
+                <a:schemeClr val="tx1"/>
+              </a:solidFill>
+            </a:endParaRPr>
+          </a:p>
+        </p:txBody>
+      </p:sp>
+      <p:sp>
+        <p:nvSpPr>
+          <p:cNvPr id="11" name="직사각형 10">
+            <a:extLst>
+              <a:ext uri="{FF2B5EF4-FFF2-40B4-BE49-F238E27FC236}">
+                <a16:creationId xmlns:a16="http://schemas.microsoft.com/office/drawing/2014/main" id="{E4FDC72E-602E-39CD-98CE-A4E26ED48D6C}"/>
+              </a:ext>
+            </a:extLst>
+          </p:cNvPr>
+          <p:cNvSpPr/>
+          <p:nvPr/>
+        </p:nvSpPr>
+        <p:spPr>
+          <a:xfrm>
+            <a:off x="5631587" y="2692762"/>
+            <a:ext cx="2865905" cy="736238"/>
+          </a:xfrm>
+          <a:prstGeom prst="rect">
+            <a:avLst/>
+          </a:prstGeom>
+          <a:solidFill>
+            <a:srgbClr val="00B0F0">
+              <a:alpha val="34000"/>
+            </a:srgbClr>
+          </a:solidFill>
+          <a:ln w="38100">
+            <a:noFill/>
+          </a:ln>
+        </p:spPr>
+        <p:style>
+          <a:lnRef idx="2">
+            <a:schemeClr val="accent1">
+              <a:shade val="50000"/>
+            </a:schemeClr>
+          </a:lnRef>
+          <a:fillRef idx="1">
+            <a:schemeClr val="accent1"/>
+          </a:fillRef>
+          <a:effectRef idx="0">
+            <a:schemeClr val="accent1"/>
+          </a:effectRef>
+          <a:fontRef idx="minor">
+            <a:schemeClr val="lt1"/>
+          </a:fontRef>
+        </p:style>
+        <p:txBody>
+          <a:bodyPr rtlCol="0" anchor="ctr"/>
+          <a:lstStyle/>
+          <a:p>
+            <a:pPr algn="ctr"/>
+            <a:r>
+              <a:rPr lang="ko-KR" altLang="en-US" dirty="0">
+                <a:solidFill>
+                  <a:schemeClr val="tx1"/>
+                </a:solidFill>
+              </a:rPr>
+              <a:t>메서드 호출 주체</a:t>
+            </a:r>
+          </a:p>
+        </p:txBody>
+      </p:sp>
+      <p:sp>
+        <p:nvSpPr>
+          <p:cNvPr id="12" name="직사각형 11">
+            <a:extLst>
+              <a:ext uri="{FF2B5EF4-FFF2-40B4-BE49-F238E27FC236}">
+                <a16:creationId xmlns:a16="http://schemas.microsoft.com/office/drawing/2014/main" id="{977D9D5A-D49F-3E63-B915-0D476FEFAFC4}"/>
+              </a:ext>
+            </a:extLst>
+          </p:cNvPr>
+          <p:cNvSpPr/>
+          <p:nvPr/>
+        </p:nvSpPr>
+        <p:spPr>
+          <a:xfrm>
+            <a:off x="5631587" y="3527383"/>
+            <a:ext cx="2865905" cy="736238"/>
+          </a:xfrm>
+          <a:prstGeom prst="rect">
+            <a:avLst/>
+          </a:prstGeom>
+          <a:solidFill>
+            <a:srgbClr val="00B0F0">
+              <a:alpha val="34000"/>
+            </a:srgbClr>
+          </a:solidFill>
+          <a:ln w="38100">
+            <a:noFill/>
+          </a:ln>
+        </p:spPr>
+        <p:style>
+          <a:lnRef idx="2">
+            <a:schemeClr val="accent1">
+              <a:shade val="50000"/>
+            </a:schemeClr>
+          </a:lnRef>
+          <a:fillRef idx="1">
+            <a:schemeClr val="accent1"/>
+          </a:fillRef>
+          <a:effectRef idx="0">
+            <a:schemeClr val="accent1"/>
+          </a:effectRef>
+          <a:fontRef idx="minor">
+            <a:schemeClr val="lt1"/>
+          </a:fontRef>
+        </p:style>
+        <p:txBody>
+          <a:bodyPr rtlCol="0" anchor="ctr"/>
+          <a:lstStyle/>
+          <a:p>
+            <a:pPr algn="ctr"/>
+            <a:r>
+              <a:rPr lang="ko-KR" altLang="en-US" dirty="0">
+                <a:solidFill>
+                  <a:schemeClr val="tx1"/>
+                </a:solidFill>
+              </a:rPr>
+              <a:t>기본적으로는 함수 내부와 동일</a:t>
+            </a:r>
+          </a:p>
+        </p:txBody>
+      </p:sp>
+      <p:sp>
+        <p:nvSpPr>
+          <p:cNvPr id="13" name="직사각형 12">
+            <a:extLst>
+              <a:ext uri="{FF2B5EF4-FFF2-40B4-BE49-F238E27FC236}">
+                <a16:creationId xmlns:a16="http://schemas.microsoft.com/office/drawing/2014/main" id="{C5050E85-87B9-9EC5-4173-CF349BDB412F}"/>
+              </a:ext>
+            </a:extLst>
+          </p:cNvPr>
+          <p:cNvSpPr/>
+          <p:nvPr/>
+        </p:nvSpPr>
+        <p:spPr>
+          <a:xfrm>
+            <a:off x="5631587" y="4366495"/>
+            <a:ext cx="2865905" cy="736238"/>
+          </a:xfrm>
+          <a:prstGeom prst="rect">
+            <a:avLst/>
+          </a:prstGeom>
+          <a:solidFill>
+            <a:srgbClr val="00B0F0">
+              <a:alpha val="34000"/>
+            </a:srgbClr>
+          </a:solidFill>
+          <a:ln w="38100">
+            <a:noFill/>
+          </a:ln>
+        </p:spPr>
+        <p:style>
+          <a:lnRef idx="2">
+            <a:schemeClr val="accent1">
+              <a:shade val="50000"/>
+            </a:schemeClr>
+          </a:lnRef>
+          <a:fillRef idx="1">
+            <a:schemeClr val="accent1"/>
+          </a:fillRef>
+          <a:effectRef idx="0">
+            <a:schemeClr val="accent1"/>
+          </a:effectRef>
+          <a:fontRef idx="minor">
+            <a:schemeClr val="lt1"/>
+          </a:fontRef>
+        </p:style>
+        <p:txBody>
+          <a:bodyPr rtlCol="0" anchor="ctr"/>
+          <a:lstStyle/>
+          <a:p>
+            <a:pPr algn="ctr"/>
+            <a:r>
+              <a:rPr lang="ko-KR" altLang="en-US" dirty="0">
+                <a:solidFill>
+                  <a:schemeClr val="tx1"/>
+                </a:solidFill>
+              </a:rPr>
+              <a:t>인스턴스</a:t>
+            </a:r>
+          </a:p>
+        </p:txBody>
+      </p:sp>
+      <p:sp>
+        <p:nvSpPr>
+          <p:cNvPr id="14" name="직사각형 13">
+            <a:extLst>
+              <a:ext uri="{FF2B5EF4-FFF2-40B4-BE49-F238E27FC236}">
+                <a16:creationId xmlns:a16="http://schemas.microsoft.com/office/drawing/2014/main" id="{716E3909-4755-BC46-20D9-78206B15D78B}"/>
+              </a:ext>
+            </a:extLst>
+          </p:cNvPr>
+          <p:cNvSpPr/>
+          <p:nvPr/>
+        </p:nvSpPr>
+        <p:spPr>
+          <a:xfrm>
+            <a:off x="5631587" y="1019029"/>
+            <a:ext cx="2865905" cy="736238"/>
+          </a:xfrm>
+          <a:prstGeom prst="rect">
+            <a:avLst/>
+          </a:prstGeom>
+          <a:solidFill>
+            <a:srgbClr val="00B0F0">
+              <a:alpha val="34000"/>
+            </a:srgbClr>
+          </a:solidFill>
+          <a:ln w="38100">
+            <a:noFill/>
+          </a:ln>
+        </p:spPr>
+        <p:style>
+          <a:lnRef idx="2">
+            <a:schemeClr val="accent1">
+              <a:shade val="50000"/>
+            </a:schemeClr>
+          </a:lnRef>
+          <a:fillRef idx="1">
+            <a:schemeClr val="accent1"/>
+          </a:fillRef>
+          <a:effectRef idx="0">
+            <a:schemeClr val="accent1"/>
+          </a:effectRef>
+          <a:fontRef idx="minor">
+            <a:schemeClr val="lt1"/>
+          </a:fontRef>
+        </p:style>
+        <p:txBody>
+          <a:bodyPr rtlCol="0" anchor="ctr"/>
+          <a:lstStyle/>
+          <a:p>
+            <a:pPr algn="ctr"/>
+            <a:r>
+              <a:rPr lang="en-US" altLang="ko-KR" dirty="0">
+                <a:solidFill>
+                  <a:schemeClr val="tx1"/>
+                </a:solidFill>
+              </a:rPr>
+              <a:t>Window / global</a:t>
+            </a:r>
+            <a:endParaRPr lang="ko-KR" altLang="en-US" dirty="0">
+              <a:solidFill>
+                <a:schemeClr val="tx1"/>
+              </a:solidFill>
+            </a:endParaRPr>
+          </a:p>
+        </p:txBody>
+      </p:sp>
     </p:spTree>
     <p:extLst>
       <p:ext uri="{BB962C8B-B14F-4D97-AF65-F5344CB8AC3E}">
-        <p14:creationId xmlns:p14="http://schemas.microsoft.com/office/powerpoint/2010/main" val="1289933258"/>
+        <p14:creationId xmlns:p14="http://schemas.microsoft.com/office/powerpoint/2010/main" val="241424199"/>
       </p:ext>
     </p:extLst>
   </p:cSld>
@@ -6690,61 +7311,55 @@
       </p:grpSpPr>
       <p:pic>
         <p:nvPicPr>
-          <p:cNvPr id="4" name="그림 3"/>
+          <p:cNvPr id="5" name="그림 4" descr="사각형이(가) 표시된 사진&#10;&#10;자동 생성된 설명">
+            <a:extLst>
+              <a:ext uri="{FF2B5EF4-FFF2-40B4-BE49-F238E27FC236}">
+                <a16:creationId xmlns:a16="http://schemas.microsoft.com/office/drawing/2014/main" id="{9ABEEBB0-3179-7399-FD23-5E8F61F9B5CF}"/>
+              </a:ext>
+            </a:extLst>
+          </p:cNvPr>
           <p:cNvPicPr>
             <a:picLocks noChangeAspect="1"/>
           </p:cNvPicPr>
           <p:nvPr/>
         </p:nvPicPr>
         <p:blipFill>
-          <a:blip r:embed="rId2"/>
+          <a:blip r:embed="rId2">
+            <a:extLst>
+              <a:ext uri="{28A0092B-C50C-407E-A947-70E740481C1C}">
+                <a14:useLocalDpi xmlns:a14="http://schemas.microsoft.com/office/drawing/2010/main" val="0"/>
+              </a:ext>
+            </a:extLst>
+          </a:blip>
           <a:stretch>
             <a:fillRect/>
           </a:stretch>
         </p:blipFill>
         <p:spPr>
           <a:xfrm>
-            <a:off x="7975461" y="5070914"/>
-            <a:ext cx="3292559" cy="917598"/>
+            <a:off x="1710017" y="1363360"/>
+            <a:ext cx="4119282" cy="4058256"/>
           </a:xfrm>
           <a:prstGeom prst="rect">
             <a:avLst/>
           </a:prstGeom>
         </p:spPr>
       </p:pic>
-      <p:pic>
-        <p:nvPicPr>
-          <p:cNvPr id="5" name="그림 4"/>
-          <p:cNvPicPr>
-            <a:picLocks noChangeAspect="1"/>
-          </p:cNvPicPr>
-          <p:nvPr/>
-        </p:nvPicPr>
-        <p:blipFill>
-          <a:blip r:embed="rId3"/>
-          <a:stretch>
-            <a:fillRect/>
-          </a:stretch>
-        </p:blipFill>
-        <p:spPr>
-          <a:xfrm>
-            <a:off x="1642441" y="2457314"/>
-            <a:ext cx="8907118" cy="1943371"/>
-          </a:xfrm>
-          <a:prstGeom prst="rect">
-            <a:avLst/>
-          </a:prstGeom>
-        </p:spPr>
-      </p:pic>
-      <p:sp>
-        <p:nvSpPr>
-          <p:cNvPr id="6" name="직사각형 5"/>
+      <p:sp>
+        <p:nvSpPr>
+          <p:cNvPr id="6" name="직사각형 5">
+            <a:extLst>
+              <a:ext uri="{FF2B5EF4-FFF2-40B4-BE49-F238E27FC236}">
+                <a16:creationId xmlns:a16="http://schemas.microsoft.com/office/drawing/2014/main" id="{801C2E21-CD67-9582-E550-61952716025F}"/>
+              </a:ext>
+            </a:extLst>
+          </p:cNvPr>
           <p:cNvSpPr/>
           <p:nvPr/>
         </p:nvSpPr>
         <p:spPr>
           <a:xfrm>
-            <a:off x="4663046" y="5283642"/>
+            <a:off x="4663046" y="5494640"/>
             <a:ext cx="2865905" cy="736238"/>
           </a:xfrm>
           <a:prstGeom prst="rect">
@@ -6781,49 +7396,75 @@
           <a:p>
             <a:pPr algn="ctr"/>
             <a:r>
-              <a:rPr lang="en-US" altLang="ko-KR" dirty="0" smtClean="0">
-                <a:solidFill>
-                  <a:schemeClr val="tx1"/>
-                </a:solidFill>
-              </a:rPr>
-              <a:t>e.Target</a:t>
-            </a:r>
-            <a:r>
-              <a:rPr lang="ko-KR" altLang="en-US" dirty="0" err="1" smtClean="0">
-                <a:solidFill>
-                  <a:schemeClr val="tx1"/>
-                </a:solidFill>
-              </a:rPr>
-              <a:t>으로</a:t>
-            </a:r>
-            <a:r>
-              <a:rPr lang="ko-KR" altLang="en-US" dirty="0" smtClean="0">
-                <a:solidFill>
-                  <a:schemeClr val="tx1"/>
-                </a:solidFill>
-              </a:rPr>
-              <a:t> 하면 정상적으로 출력된다</a:t>
-            </a:r>
-            <a:r>
-              <a:rPr lang="en-US" altLang="ko-KR" dirty="0" smtClean="0">
-                <a:solidFill>
-                  <a:schemeClr val="tx1"/>
-                </a:solidFill>
-              </a:rPr>
-              <a:t>.</a:t>
-            </a:r>
-            <a:endParaRPr lang="ko-KR" altLang="en-US" dirty="0">
-              <a:solidFill>
-                <a:schemeClr val="tx1"/>
-              </a:solidFill>
-            </a:endParaRPr>
-          </a:p>
-        </p:txBody>
-      </p:sp>
+              <a:rPr lang="en-US" altLang="ko-KR" sz="1600" dirty="0">
+                <a:solidFill>
+                  <a:schemeClr val="tx1"/>
+                </a:solidFill>
+              </a:rPr>
+              <a:t>This… </a:t>
+            </a:r>
+            <a:r>
+              <a:rPr lang="ko-KR" altLang="en-US" sz="1600" dirty="0">
+                <a:solidFill>
+                  <a:schemeClr val="tx1"/>
+                </a:solidFill>
+              </a:rPr>
+              <a:t>부를 때마다 자신을 바꾸다니 줏대 없는 녀석이다</a:t>
+            </a:r>
+          </a:p>
+        </p:txBody>
+      </p:sp>
+      <p:pic>
+        <p:nvPicPr>
+          <p:cNvPr id="1026" name="Picture 2" descr="Image">
+            <a:extLst>
+              <a:ext uri="{FF2B5EF4-FFF2-40B4-BE49-F238E27FC236}">
+                <a16:creationId xmlns:a16="http://schemas.microsoft.com/office/drawing/2014/main" id="{DFC67964-B8B5-01CA-E445-B794A81A2D35}"/>
+              </a:ext>
+            </a:extLst>
+          </p:cNvPr>
+          <p:cNvPicPr>
+            <a:picLocks noChangeAspect="1" noChangeArrowheads="1"/>
+          </p:cNvPicPr>
+          <p:nvPr/>
+        </p:nvPicPr>
+        <p:blipFill>
+          <a:blip r:embed="rId3">
+            <a:extLst>
+              <a:ext uri="{28A0092B-C50C-407E-A947-70E740481C1C}">
+                <a14:useLocalDpi xmlns:a14="http://schemas.microsoft.com/office/drawing/2010/main" val="0"/>
+              </a:ext>
+            </a:extLst>
+          </a:blip>
+          <a:srcRect/>
+          <a:stretch>
+            <a:fillRect/>
+          </a:stretch>
+        </p:blipFill>
+        <p:spPr bwMode="auto">
+          <a:xfrm>
+            <a:off x="6203577" y="1511673"/>
+            <a:ext cx="3834653" cy="3834653"/>
+          </a:xfrm>
+          <a:prstGeom prst="rect">
+            <a:avLst/>
+          </a:prstGeom>
+          <a:noFill/>
+          <a:extLst>
+            <a:ext uri="{909E8E84-426E-40DD-AFC4-6F175D3DCCD1}">
+              <a14:hiddenFill xmlns:a14="http://schemas.microsoft.com/office/drawing/2010/main">
+                <a:solidFill>
+                  <a:srgbClr val="FFFFFF"/>
+                </a:solidFill>
+              </a14:hiddenFill>
+            </a:ext>
+          </a:extLst>
+        </p:spPr>
+      </p:pic>
     </p:spTree>
     <p:extLst>
       <p:ext uri="{BB962C8B-B14F-4D97-AF65-F5344CB8AC3E}">
-        <p14:creationId xmlns:p14="http://schemas.microsoft.com/office/powerpoint/2010/main" val="3178004839"/>
+        <p14:creationId xmlns:p14="http://schemas.microsoft.com/office/powerpoint/2010/main" val="586330332"/>
       </p:ext>
     </p:extLst>
   </p:cSld>
@@ -6919,7 +7560,7 @@
           <a:p>
             <a:pPr algn="ctr"/>
             <a:r>
-              <a:rPr lang="en-US" altLang="ko-KR" sz="1600" dirty="0" smtClean="0">
+              <a:rPr lang="en-US" altLang="ko-KR" sz="1600" dirty="0">
                 <a:solidFill>
                   <a:schemeClr val="tx1"/>
                 </a:solidFill>
@@ -6927,7 +7568,7 @@
               <a:t>__init__ </a:t>
             </a:r>
             <a:r>
-              <a:rPr lang="ko-KR" altLang="en-US" sz="1600" dirty="0" smtClean="0">
+              <a:rPr lang="ko-KR" altLang="en-US" sz="1600" dirty="0">
                 <a:solidFill>
                   <a:schemeClr val="tx1"/>
                 </a:solidFill>
@@ -6935,7 +7576,7 @@
               <a:t>같은 건 </a:t>
             </a:r>
             <a:r>
-              <a:rPr lang="ko-KR" altLang="en-US" sz="1600" dirty="0" err="1" smtClean="0">
+              <a:rPr lang="ko-KR" altLang="en-US" sz="1600" dirty="0" err="1">
                 <a:solidFill>
                   <a:schemeClr val="tx1"/>
                 </a:solidFill>
@@ -6943,18 +7584,29 @@
               <a:t>파이썬에서</a:t>
             </a:r>
             <a:r>
-              <a:rPr lang="ko-KR" altLang="en-US" sz="1600" dirty="0" smtClean="0">
-                <a:solidFill>
-                  <a:schemeClr val="tx1"/>
-                </a:solidFill>
-              </a:rPr>
-              <a:t> 내장되어있는 기능</a:t>
-            </a:r>
-            <a:endParaRPr lang="ko-KR" altLang="en-US" sz="1600" dirty="0">
-              <a:solidFill>
-                <a:schemeClr val="tx1"/>
-              </a:solidFill>
-            </a:endParaRPr>
+              <a:rPr lang="ko-KR" altLang="en-US" sz="1600" dirty="0">
+                <a:solidFill>
+                  <a:schemeClr val="tx1"/>
+                </a:solidFill>
+              </a:rPr>
+              <a:t> </a:t>
+            </a:r>
+            <a:r>
+              <a:rPr lang="ko-KR" altLang="en-US" sz="1600" dirty="0" err="1">
+                <a:solidFill>
+                  <a:schemeClr val="tx1"/>
+                </a:solidFill>
+              </a:rPr>
+              <a:t>내장되어있는</a:t>
+            </a:r>
+            <a:r>
+              <a:rPr lang="ko-KR" altLang="en-US" sz="1600" dirty="0">
+                <a:solidFill>
+                  <a:schemeClr val="tx1"/>
+                </a:solidFill>
+              </a:rPr>
+              <a:t> 변수</a:t>
+            </a:r>
           </a:p>
         </p:txBody>
       </p:sp>
@@ -7004,8 +7656,8 @@
         </p:blipFill>
         <p:spPr>
           <a:xfrm>
-            <a:off x="306318" y="1957182"/>
-            <a:ext cx="5544324" cy="2943636"/>
+            <a:off x="1126522" y="2314419"/>
+            <a:ext cx="4086795" cy="2229161"/>
           </a:xfrm>
           <a:prstGeom prst="rect">
             <a:avLst/>
@@ -7028,8 +7680,8 @@
         </p:blipFill>
         <p:spPr>
           <a:xfrm>
-            <a:off x="7745459" y="2704999"/>
-            <a:ext cx="2619741" cy="1448002"/>
+            <a:off x="8041232" y="3152736"/>
+            <a:ext cx="1695687" cy="552527"/>
           </a:xfrm>
           <a:prstGeom prst="rect">
             <a:avLst/>
@@ -7081,38 +7733,38 @@
           <a:p>
             <a:pPr algn="ctr"/>
             <a:r>
-              <a:rPr lang="en-US" altLang="ko-KR" dirty="0" smtClean="0">
-                <a:solidFill>
-                  <a:schemeClr val="tx1"/>
-                </a:solidFill>
-              </a:rPr>
-              <a:t>e.Target</a:t>
-            </a:r>
-            <a:r>
-              <a:rPr lang="ko-KR" altLang="en-US" dirty="0" err="1" smtClean="0">
-                <a:solidFill>
-                  <a:schemeClr val="tx1"/>
-                </a:solidFill>
-              </a:rPr>
-              <a:t>으로</a:t>
-            </a:r>
-            <a:r>
-              <a:rPr lang="ko-KR" altLang="en-US" dirty="0" smtClean="0">
-                <a:solidFill>
-                  <a:schemeClr val="tx1"/>
-                </a:solidFill>
-              </a:rPr>
-              <a:t> 하면 정상적으로 출력된다</a:t>
-            </a:r>
-            <a:r>
-              <a:rPr lang="en-US" altLang="ko-KR" dirty="0" smtClean="0">
+              <a:rPr lang="en-US" altLang="ko-KR" sz="1600" dirty="0">
+                <a:solidFill>
+                  <a:schemeClr val="tx1"/>
+                </a:solidFill>
+              </a:rPr>
+              <a:t>This</a:t>
+            </a:r>
+            <a:r>
+              <a:rPr lang="ko-KR" altLang="en-US" sz="1600" dirty="0">
+                <a:solidFill>
+                  <a:schemeClr val="tx1"/>
+                </a:solidFill>
+              </a:rPr>
+              <a:t>가 자기 자신을 가리켜야 하는데 아무것도 </a:t>
+            </a:r>
+            <a:r>
+              <a:rPr lang="ko-KR" altLang="en-US" sz="1600" dirty="0" err="1">
+                <a:solidFill>
+                  <a:schemeClr val="tx1"/>
+                </a:solidFill>
+              </a:rPr>
+              <a:t>안나온다</a:t>
+            </a:r>
+            <a:r>
+              <a:rPr lang="en-US" altLang="ko-KR" sz="1600" dirty="0">
                 <a:solidFill>
                   <a:schemeClr val="tx1"/>
                 </a:solidFill>
               </a:rPr>
               <a:t>.</a:t>
             </a:r>
-            <a:endParaRPr lang="ko-KR" altLang="en-US" dirty="0">
+            <a:endParaRPr lang="ko-KR" altLang="en-US" sz="1600" dirty="0">
               <a:solidFill>
                 <a:schemeClr val="tx1"/>
               </a:solidFill>
@@ -7123,7 +7775,7 @@
     </p:spTree>
     <p:extLst>
       <p:ext uri="{BB962C8B-B14F-4D97-AF65-F5344CB8AC3E}">
-        <p14:creationId xmlns:p14="http://schemas.microsoft.com/office/powerpoint/2010/main" val="1047465713"/>
+        <p14:creationId xmlns:p14="http://schemas.microsoft.com/office/powerpoint/2010/main" val="3870595628"/>
       </p:ext>
     </p:extLst>
   </p:cSld>
@@ -7150,15 +7802,63 @@
           <a:chExt cx="0" cy="0"/>
         </a:xfrm>
       </p:grpSpPr>
-      <p:sp>
-        <p:nvSpPr>
-          <p:cNvPr id="4" name="직사각형 3"/>
+      <p:pic>
+        <p:nvPicPr>
+          <p:cNvPr id="4" name="그림 3"/>
+          <p:cNvPicPr>
+            <a:picLocks noChangeAspect="1"/>
+          </p:cNvPicPr>
+          <p:nvPr/>
+        </p:nvPicPr>
+        <p:blipFill>
+          <a:blip r:embed="rId2"/>
+          <a:stretch>
+            <a:fillRect/>
+          </a:stretch>
+        </p:blipFill>
+        <p:spPr>
+          <a:xfrm>
+            <a:off x="1742467" y="2466840"/>
+            <a:ext cx="8707065" cy="1924319"/>
+          </a:xfrm>
+          <a:prstGeom prst="rect">
+            <a:avLst/>
+          </a:prstGeom>
+        </p:spPr>
+      </p:pic>
+      <p:pic>
+        <p:nvPicPr>
+          <p:cNvPr id="5" name="그림 4"/>
+          <p:cNvPicPr>
+            <a:picLocks noChangeAspect="1"/>
+          </p:cNvPicPr>
+          <p:nvPr/>
+        </p:nvPicPr>
+        <p:blipFill>
+          <a:blip r:embed="rId3"/>
+          <a:stretch>
+            <a:fillRect/>
+          </a:stretch>
+        </p:blipFill>
+        <p:spPr>
+          <a:xfrm>
+            <a:off x="6890225" y="5100615"/>
+            <a:ext cx="3697226" cy="1119344"/>
+          </a:xfrm>
+          <a:prstGeom prst="rect">
+            <a:avLst/>
+          </a:prstGeom>
+        </p:spPr>
+      </p:pic>
+      <p:sp>
+        <p:nvSpPr>
+          <p:cNvPr id="6" name="직사각형 5"/>
           <p:cNvSpPr/>
           <p:nvPr/>
         </p:nvSpPr>
         <p:spPr>
           <a:xfrm>
-            <a:off x="4663046" y="3097394"/>
+            <a:off x="4663046" y="5283642"/>
             <a:ext cx="2865905" cy="736238"/>
           </a:xfrm>
           <a:prstGeom prst="rect">
@@ -7195,12 +7895,20 @@
           <a:p>
             <a:pPr algn="ctr"/>
             <a:r>
-              <a:rPr lang="en-US" altLang="ko-KR" dirty="0" smtClean="0">
-                <a:solidFill>
-                  <a:schemeClr val="tx1"/>
-                </a:solidFill>
-              </a:rPr>
-              <a:t>Default parameter</a:t>
+              <a:rPr lang="ko-KR" altLang="en-US" dirty="0">
+                <a:solidFill>
+                  <a:schemeClr val="tx1"/>
+                </a:solidFill>
+              </a:rPr>
+              <a:t>메서드에서 호출했는데 최상위 객체인 윈도우를 가리킨다</a:t>
+            </a:r>
+            <a:r>
+              <a:rPr lang="en-US" altLang="ko-KR" dirty="0">
+                <a:solidFill>
+                  <a:schemeClr val="tx1"/>
+                </a:solidFill>
+              </a:rPr>
+              <a:t>.</a:t>
             </a:r>
             <a:endParaRPr lang="ko-KR" altLang="en-US" dirty="0">
               <a:solidFill>
@@ -7213,7 +7921,7 @@
     </p:spTree>
     <p:extLst>
       <p:ext uri="{BB962C8B-B14F-4D97-AF65-F5344CB8AC3E}">
-        <p14:creationId xmlns:p14="http://schemas.microsoft.com/office/powerpoint/2010/main" val="402305420"/>
+        <p14:creationId xmlns:p14="http://schemas.microsoft.com/office/powerpoint/2010/main" val="1289933258"/>
       </p:ext>
     </p:extLst>
   </p:cSld>
@@ -7256,8 +7964,8 @@
         </p:blipFill>
         <p:spPr>
           <a:xfrm>
-            <a:off x="1337315" y="2404919"/>
-            <a:ext cx="3648584" cy="2048161"/>
+            <a:off x="7975461" y="5070914"/>
+            <a:ext cx="3292559" cy="917598"/>
           </a:xfrm>
           <a:prstGeom prst="rect">
             <a:avLst/>
@@ -7280,8 +7988,8 @@
         </p:blipFill>
         <p:spPr>
           <a:xfrm>
-            <a:off x="8111284" y="2928867"/>
-            <a:ext cx="1705213" cy="1000265"/>
+            <a:off x="1642441" y="2457314"/>
+            <a:ext cx="8907118" cy="1943371"/>
           </a:xfrm>
           <a:prstGeom prst="rect">
             <a:avLst/>
@@ -7333,38 +8041,38 @@
           <a:p>
             <a:pPr algn="ctr"/>
             <a:r>
-              <a:rPr lang="en-US" altLang="ko-KR" sz="1600" dirty="0" smtClean="0">
-                <a:solidFill>
-                  <a:schemeClr val="tx1"/>
-                </a:solidFill>
-              </a:rPr>
-              <a:t>...</a:t>
-            </a:r>
-            <a:r>
-              <a:rPr lang="en-US" altLang="ko-KR" sz="1600" dirty="0" smtClean="0">
-                <a:solidFill>
-                  <a:schemeClr val="tx1"/>
-                </a:solidFill>
-              </a:rPr>
-              <a:t>rest </a:t>
-            </a:r>
-            <a:r>
-              <a:rPr lang="ko-KR" altLang="en-US" sz="1600" dirty="0" smtClean="0">
-                <a:solidFill>
-                  <a:schemeClr val="tx1"/>
-                </a:solidFill>
-              </a:rPr>
-              <a:t>로 인자를 넘기면 얼마만큼 인자가 들어가도 다 배열 형태로 받는다</a:t>
-            </a:r>
-            <a:r>
-              <a:rPr lang="en-US" altLang="ko-KR" sz="1600" dirty="0" smtClean="0">
+              <a:rPr lang="en-US" altLang="ko-KR" dirty="0">
+                <a:solidFill>
+                  <a:schemeClr val="tx1"/>
+                </a:solidFill>
+              </a:rPr>
+              <a:t>e.Target</a:t>
+            </a:r>
+            <a:r>
+              <a:rPr lang="ko-KR" altLang="en-US" dirty="0" err="1">
+                <a:solidFill>
+                  <a:schemeClr val="tx1"/>
+                </a:solidFill>
+              </a:rPr>
+              <a:t>으로</a:t>
+            </a:r>
+            <a:r>
+              <a:rPr lang="ko-KR" altLang="en-US" dirty="0">
+                <a:solidFill>
+                  <a:schemeClr val="tx1"/>
+                </a:solidFill>
+              </a:rPr>
+              <a:t> 하면 정상적으로 출력된다</a:t>
+            </a:r>
+            <a:r>
+              <a:rPr lang="en-US" altLang="ko-KR" dirty="0">
                 <a:solidFill>
                   <a:schemeClr val="tx1"/>
                 </a:solidFill>
               </a:rPr>
               <a:t>.</a:t>
             </a:r>
-            <a:endParaRPr lang="ko-KR" altLang="en-US" sz="1600" dirty="0">
+            <a:endParaRPr lang="ko-KR" altLang="en-US" dirty="0">
               <a:solidFill>
                 <a:schemeClr val="tx1"/>
               </a:solidFill>
@@ -7375,7 +8083,7 @@
     </p:spTree>
     <p:extLst>
       <p:ext uri="{BB962C8B-B14F-4D97-AF65-F5344CB8AC3E}">
-        <p14:creationId xmlns:p14="http://schemas.microsoft.com/office/powerpoint/2010/main" val="1360910884"/>
+        <p14:creationId xmlns:p14="http://schemas.microsoft.com/office/powerpoint/2010/main" val="3178004839"/>
       </p:ext>
     </p:extLst>
   </p:cSld>
@@ -7418,8 +8126,8 @@
         </p:blipFill>
         <p:spPr>
           <a:xfrm>
-            <a:off x="7196132" y="1867757"/>
-            <a:ext cx="2787454" cy="3122484"/>
+            <a:off x="306318" y="1957182"/>
+            <a:ext cx="5544324" cy="2943636"/>
           </a:xfrm>
           <a:prstGeom prst="rect">
             <a:avLst/>
@@ -7442,8 +8150,8 @@
         </p:blipFill>
         <p:spPr>
           <a:xfrm>
-            <a:off x="1337315" y="2404919"/>
-            <a:ext cx="3648584" cy="2048161"/>
+            <a:off x="7745459" y="2704999"/>
+            <a:ext cx="2619741" cy="1448002"/>
           </a:xfrm>
           <a:prstGeom prst="rect">
             <a:avLst/>
@@ -7458,7 +8166,7 @@
         </p:nvSpPr>
         <p:spPr>
           <a:xfrm>
-            <a:off x="4519160" y="5804033"/>
+            <a:off x="4663046" y="5283642"/>
             <a:ext cx="2865905" cy="736238"/>
           </a:xfrm>
           <a:prstGeom prst="rect">
@@ -7495,55 +8203,36 @@
           <a:p>
             <a:pPr algn="ctr"/>
             <a:r>
-              <a:rPr lang="en-US" altLang="ko-KR" dirty="0" smtClean="0">
-                <a:solidFill>
-                  <a:schemeClr val="tx1"/>
-                </a:solidFill>
-              </a:rPr>
-              <a:t>JS</a:t>
-            </a:r>
-            <a:r>
-              <a:rPr lang="ko-KR" altLang="en-US" dirty="0" smtClean="0">
-                <a:solidFill>
-                  <a:schemeClr val="tx1"/>
-                </a:solidFill>
-              </a:rPr>
-              <a:t>에는 </a:t>
-            </a:r>
-            <a:r>
-              <a:rPr lang="en-US" altLang="ko-KR" dirty="0" smtClean="0">
-                <a:solidFill>
-                  <a:schemeClr val="tx1"/>
-                </a:solidFill>
-              </a:rPr>
-              <a:t>...rest</a:t>
-            </a:r>
-          </a:p>
-          <a:p>
-            <a:pPr algn="ctr"/>
-            <a:r>
-              <a:rPr lang="en-US" altLang="ko-KR" dirty="0" smtClean="0">
-                <a:solidFill>
-                  <a:schemeClr val="tx1"/>
-                </a:solidFill>
-              </a:rPr>
-              <a:t>Py</a:t>
-            </a:r>
-            <a:r>
-              <a:rPr lang="ko-KR" altLang="en-US" dirty="0" smtClean="0">
-                <a:solidFill>
-                  <a:schemeClr val="tx1"/>
-                </a:solidFill>
-              </a:rPr>
-              <a:t>에는 </a:t>
-            </a:r>
-            <a:r>
-              <a:rPr lang="en-US" altLang="ko-KR" dirty="0" smtClean="0">
-                <a:solidFill>
-                  <a:schemeClr val="tx1"/>
-                </a:solidFill>
-              </a:rPr>
-              <a:t>*</a:t>
+              <a:rPr lang="en-US" altLang="ko-KR" dirty="0">
+                <a:solidFill>
+                  <a:schemeClr val="tx1"/>
+                </a:solidFill>
+              </a:rPr>
+              <a:t>e.Target</a:t>
+            </a:r>
+            <a:r>
+              <a:rPr lang="ko-KR" altLang="en-US" dirty="0" err="1">
+                <a:solidFill>
+                  <a:schemeClr val="tx1"/>
+                </a:solidFill>
+              </a:rPr>
+              <a:t>으로</a:t>
+            </a:r>
+            <a:r>
+              <a:rPr lang="ko-KR" altLang="en-US" dirty="0">
+                <a:solidFill>
+                  <a:schemeClr val="tx1"/>
+                </a:solidFill>
+              </a:rPr>
+              <a:t> 하면 정상적으로 출력된다</a:t>
+            </a:r>
+            <a:r>
+              <a:rPr lang="en-US" altLang="ko-KR" dirty="0">
+                <a:solidFill>
+                  <a:schemeClr val="tx1"/>
+                </a:solidFill>
+              </a:rPr>
+              <a:t>.</a:t>
             </a:r>
             <a:endParaRPr lang="ko-KR" altLang="en-US" dirty="0">
               <a:solidFill>
@@ -7556,7 +8245,2267 @@
     </p:spTree>
     <p:extLst>
       <p:ext uri="{BB962C8B-B14F-4D97-AF65-F5344CB8AC3E}">
-        <p14:creationId xmlns:p14="http://schemas.microsoft.com/office/powerpoint/2010/main" val="2103193998"/>
+        <p14:creationId xmlns:p14="http://schemas.microsoft.com/office/powerpoint/2010/main" val="1047465713"/>
+      </p:ext>
+    </p:extLst>
+  </p:cSld>
+  <p:clrMapOvr>
+    <a:masterClrMapping/>
+  </p:clrMapOvr>
+</p:sld>
+</file>
+
+<file path=ppt/slides/slide34.xml><?xml version="1.0" encoding="utf-8"?>
+<p:sld xmlns:a="http://schemas.openxmlformats.org/drawingml/2006/main" xmlns:r="http://schemas.openxmlformats.org/officeDocument/2006/relationships" xmlns:p="http://schemas.openxmlformats.org/presentationml/2006/main">
+  <p:cSld>
+    <p:spTree>
+      <p:nvGrpSpPr>
+        <p:cNvPr id="1" name=""/>
+        <p:cNvGrpSpPr/>
+        <p:nvPr/>
+      </p:nvGrpSpPr>
+      <p:grpSpPr>
+        <a:xfrm>
+          <a:off x="0" y="0"/>
+          <a:ext cx="0" cy="0"/>
+          <a:chOff x="0" y="0"/>
+          <a:chExt cx="0" cy="0"/>
+        </a:xfrm>
+      </p:grpSpPr>
+      <p:pic>
+        <p:nvPicPr>
+          <p:cNvPr id="5" name="그림 4">
+            <a:extLst>
+              <a:ext uri="{FF2B5EF4-FFF2-40B4-BE49-F238E27FC236}">
+                <a16:creationId xmlns:a16="http://schemas.microsoft.com/office/drawing/2014/main" id="{2B8653CF-0371-1621-BF06-38DEA0E5DE5D}"/>
+              </a:ext>
+            </a:extLst>
+          </p:cNvPr>
+          <p:cNvPicPr>
+            <a:picLocks noChangeAspect="1"/>
+          </p:cNvPicPr>
+          <p:nvPr/>
+        </p:nvPicPr>
+        <p:blipFill>
+          <a:blip r:embed="rId2"/>
+          <a:stretch>
+            <a:fillRect/>
+          </a:stretch>
+        </p:blipFill>
+        <p:spPr>
+          <a:xfrm>
+            <a:off x="194990" y="1380839"/>
+            <a:ext cx="7506748" cy="4096322"/>
+          </a:xfrm>
+          <a:prstGeom prst="rect">
+            <a:avLst/>
+          </a:prstGeom>
+        </p:spPr>
+      </p:pic>
+      <p:pic>
+        <p:nvPicPr>
+          <p:cNvPr id="9" name="그림 8">
+            <a:extLst>
+              <a:ext uri="{FF2B5EF4-FFF2-40B4-BE49-F238E27FC236}">
+                <a16:creationId xmlns:a16="http://schemas.microsoft.com/office/drawing/2014/main" id="{31ED9E9F-09EF-9DC7-9344-D24C7D264122}"/>
+              </a:ext>
+            </a:extLst>
+          </p:cNvPr>
+          <p:cNvPicPr>
+            <a:picLocks noChangeAspect="1"/>
+          </p:cNvPicPr>
+          <p:nvPr/>
+        </p:nvPicPr>
+        <p:blipFill>
+          <a:blip r:embed="rId3"/>
+          <a:stretch>
+            <a:fillRect/>
+          </a:stretch>
+        </p:blipFill>
+        <p:spPr>
+          <a:xfrm>
+            <a:off x="8434559" y="3059066"/>
+            <a:ext cx="1562318" cy="666843"/>
+          </a:xfrm>
+          <a:prstGeom prst="rect">
+            <a:avLst/>
+          </a:prstGeom>
+        </p:spPr>
+      </p:pic>
+      <p:sp>
+        <p:nvSpPr>
+          <p:cNvPr id="10" name="직사각형 9">
+            <a:extLst>
+              <a:ext uri="{FF2B5EF4-FFF2-40B4-BE49-F238E27FC236}">
+                <a16:creationId xmlns:a16="http://schemas.microsoft.com/office/drawing/2014/main" id="{4F6961A1-35D1-FD72-1AA0-CABA5F6583EE}"/>
+              </a:ext>
+            </a:extLst>
+          </p:cNvPr>
+          <p:cNvSpPr/>
+          <p:nvPr/>
+        </p:nvSpPr>
+        <p:spPr>
+          <a:xfrm>
+            <a:off x="4663046" y="5747566"/>
+            <a:ext cx="2865905" cy="736238"/>
+          </a:xfrm>
+          <a:prstGeom prst="rect">
+            <a:avLst/>
+          </a:prstGeom>
+          <a:solidFill>
+            <a:srgbClr val="00B0F0">
+              <a:alpha val="34000"/>
+            </a:srgbClr>
+          </a:solidFill>
+          <a:ln w="38100">
+            <a:noFill/>
+          </a:ln>
+        </p:spPr>
+        <p:style>
+          <a:lnRef idx="2">
+            <a:schemeClr val="accent1">
+              <a:shade val="50000"/>
+            </a:schemeClr>
+          </a:lnRef>
+          <a:fillRef idx="1">
+            <a:schemeClr val="accent1"/>
+          </a:fillRef>
+          <a:effectRef idx="0">
+            <a:schemeClr val="accent1"/>
+          </a:effectRef>
+          <a:fontRef idx="minor">
+            <a:schemeClr val="lt1"/>
+          </a:fontRef>
+        </p:style>
+        <p:txBody>
+          <a:bodyPr rtlCol="0" anchor="ctr"/>
+          <a:lstStyle/>
+          <a:p>
+            <a:pPr algn="ctr"/>
+            <a:r>
+              <a:rPr lang="en-US" altLang="ko-KR" dirty="0">
+                <a:solidFill>
+                  <a:schemeClr val="tx1"/>
+                </a:solidFill>
+              </a:rPr>
+              <a:t>Es6 </a:t>
+            </a:r>
+            <a:r>
+              <a:rPr lang="ko-KR" altLang="en-US" dirty="0">
+                <a:solidFill>
+                  <a:schemeClr val="tx1"/>
+                </a:solidFill>
+              </a:rPr>
+              <a:t>이전의 문법에서는</a:t>
+            </a:r>
+            <a:r>
+              <a:rPr lang="en-US" altLang="ko-KR" dirty="0">
+                <a:solidFill>
+                  <a:schemeClr val="tx1"/>
+                </a:solidFill>
+              </a:rPr>
+              <a:t>…</a:t>
+            </a:r>
+            <a:endParaRPr lang="ko-KR" altLang="en-US" dirty="0">
+              <a:solidFill>
+                <a:schemeClr val="tx1"/>
+              </a:solidFill>
+            </a:endParaRPr>
+          </a:p>
+        </p:txBody>
+      </p:sp>
+      <p:sp>
+        <p:nvSpPr>
+          <p:cNvPr id="11" name="직사각형 10">
+            <a:extLst>
+              <a:ext uri="{FF2B5EF4-FFF2-40B4-BE49-F238E27FC236}">
+                <a16:creationId xmlns:a16="http://schemas.microsoft.com/office/drawing/2014/main" id="{E32E141E-EA15-624D-36DE-93AD22E0EA19}"/>
+              </a:ext>
+            </a:extLst>
+          </p:cNvPr>
+          <p:cNvSpPr/>
+          <p:nvPr/>
+        </p:nvSpPr>
+        <p:spPr>
+          <a:xfrm>
+            <a:off x="343709" y="5747566"/>
+            <a:ext cx="2865905" cy="736238"/>
+          </a:xfrm>
+          <a:prstGeom prst="rect">
+            <a:avLst/>
+          </a:prstGeom>
+          <a:solidFill>
+            <a:srgbClr val="00B0F0">
+              <a:alpha val="34000"/>
+            </a:srgbClr>
+          </a:solidFill>
+          <a:ln w="38100">
+            <a:noFill/>
+          </a:ln>
+        </p:spPr>
+        <p:style>
+          <a:lnRef idx="2">
+            <a:schemeClr val="accent1">
+              <a:shade val="50000"/>
+            </a:schemeClr>
+          </a:lnRef>
+          <a:fillRef idx="1">
+            <a:schemeClr val="accent1"/>
+          </a:fillRef>
+          <a:effectRef idx="0">
+            <a:schemeClr val="accent1"/>
+          </a:effectRef>
+          <a:fontRef idx="minor">
+            <a:schemeClr val="lt1"/>
+          </a:fontRef>
+        </p:style>
+        <p:txBody>
+          <a:bodyPr rtlCol="0" anchor="ctr"/>
+          <a:lstStyle/>
+          <a:p>
+            <a:pPr algn="ctr"/>
+            <a:r>
+              <a:rPr lang="ko-KR" altLang="en-US" sz="1400" dirty="0">
+                <a:solidFill>
+                  <a:schemeClr val="tx1"/>
+                </a:solidFill>
+              </a:rPr>
+              <a:t>출처</a:t>
+            </a:r>
+            <a:r>
+              <a:rPr lang="en-US" altLang="ko-KR" sz="1400" dirty="0">
+                <a:solidFill>
+                  <a:schemeClr val="tx1"/>
+                </a:solidFill>
+              </a:rPr>
+              <a:t>: https://qiita.com/mejileben/items/69e5facdb60781927929</a:t>
+            </a:r>
+            <a:endParaRPr lang="ko-KR" altLang="en-US" sz="1400" dirty="0">
+              <a:solidFill>
+                <a:schemeClr val="tx1"/>
+              </a:solidFill>
+            </a:endParaRPr>
+          </a:p>
+        </p:txBody>
+      </p:sp>
+    </p:spTree>
+    <p:extLst>
+      <p:ext uri="{BB962C8B-B14F-4D97-AF65-F5344CB8AC3E}">
+        <p14:creationId xmlns:p14="http://schemas.microsoft.com/office/powerpoint/2010/main" val="1643055273"/>
+      </p:ext>
+    </p:extLst>
+  </p:cSld>
+  <p:clrMapOvr>
+    <a:masterClrMapping/>
+  </p:clrMapOvr>
+</p:sld>
+</file>
+
+<file path=ppt/slides/slide35.xml><?xml version="1.0" encoding="utf-8"?>
+<p:sld xmlns:a="http://schemas.openxmlformats.org/drawingml/2006/main" xmlns:r="http://schemas.openxmlformats.org/officeDocument/2006/relationships" xmlns:p="http://schemas.openxmlformats.org/presentationml/2006/main">
+  <p:cSld>
+    <p:spTree>
+      <p:nvGrpSpPr>
+        <p:cNvPr id="1" name=""/>
+        <p:cNvGrpSpPr/>
+        <p:nvPr/>
+      </p:nvGrpSpPr>
+      <p:grpSpPr>
+        <a:xfrm>
+          <a:off x="0" y="0"/>
+          <a:ext cx="0" cy="0"/>
+          <a:chOff x="0" y="0"/>
+          <a:chExt cx="0" cy="0"/>
+        </a:xfrm>
+      </p:grpSpPr>
+      <p:pic>
+        <p:nvPicPr>
+          <p:cNvPr id="5" name="그림 4">
+            <a:extLst>
+              <a:ext uri="{FF2B5EF4-FFF2-40B4-BE49-F238E27FC236}">
+                <a16:creationId xmlns:a16="http://schemas.microsoft.com/office/drawing/2014/main" id="{90E1738F-3BD1-CD76-B15A-B45B661AC734}"/>
+              </a:ext>
+            </a:extLst>
+          </p:cNvPr>
+          <p:cNvPicPr>
+            <a:picLocks noChangeAspect="1"/>
+          </p:cNvPicPr>
+          <p:nvPr/>
+        </p:nvPicPr>
+        <p:blipFill>
+          <a:blip r:embed="rId2"/>
+          <a:stretch>
+            <a:fillRect/>
+          </a:stretch>
+        </p:blipFill>
+        <p:spPr>
+          <a:xfrm>
+            <a:off x="4119286" y="471202"/>
+            <a:ext cx="3953427" cy="4086795"/>
+          </a:xfrm>
+          <a:prstGeom prst="rect">
+            <a:avLst/>
+          </a:prstGeom>
+        </p:spPr>
+      </p:pic>
+      <p:sp>
+        <p:nvSpPr>
+          <p:cNvPr id="6" name="직사각형 5">
+            <a:extLst>
+              <a:ext uri="{FF2B5EF4-FFF2-40B4-BE49-F238E27FC236}">
+                <a16:creationId xmlns:a16="http://schemas.microsoft.com/office/drawing/2014/main" id="{5EA151BA-EB4F-78FB-75FD-698CAB98BE4C}"/>
+              </a:ext>
+            </a:extLst>
+          </p:cNvPr>
+          <p:cNvSpPr/>
+          <p:nvPr/>
+        </p:nvSpPr>
+        <p:spPr>
+          <a:xfrm>
+            <a:off x="4040419" y="5747566"/>
+            <a:ext cx="4111160" cy="736238"/>
+          </a:xfrm>
+          <a:prstGeom prst="rect">
+            <a:avLst/>
+          </a:prstGeom>
+          <a:solidFill>
+            <a:srgbClr val="00B0F0">
+              <a:alpha val="34000"/>
+            </a:srgbClr>
+          </a:solidFill>
+          <a:ln w="38100">
+            <a:noFill/>
+          </a:ln>
+        </p:spPr>
+        <p:style>
+          <a:lnRef idx="2">
+            <a:schemeClr val="accent1">
+              <a:shade val="50000"/>
+            </a:schemeClr>
+          </a:lnRef>
+          <a:fillRef idx="1">
+            <a:schemeClr val="accent1"/>
+          </a:fillRef>
+          <a:effectRef idx="0">
+            <a:schemeClr val="accent1"/>
+          </a:effectRef>
+          <a:fontRef idx="minor">
+            <a:schemeClr val="lt1"/>
+          </a:fontRef>
+        </p:style>
+        <p:txBody>
+          <a:bodyPr rtlCol="0" anchor="ctr"/>
+          <a:lstStyle/>
+          <a:p>
+            <a:pPr algn="ctr"/>
+            <a:r>
+              <a:rPr lang="ko-KR" altLang="en-US" dirty="0">
+                <a:solidFill>
+                  <a:schemeClr val="tx1"/>
+                </a:solidFill>
+              </a:rPr>
+              <a:t>취미에 </a:t>
+            </a:r>
+            <a:r>
+              <a:rPr lang="en-US" altLang="ko-KR" dirty="0">
+                <a:solidFill>
+                  <a:schemeClr val="tx1"/>
+                </a:solidFill>
+              </a:rPr>
+              <a:t>this</a:t>
+            </a:r>
+            <a:r>
+              <a:rPr lang="ko-KR" altLang="en-US" dirty="0">
+                <a:solidFill>
+                  <a:schemeClr val="tx1"/>
+                </a:solidFill>
+              </a:rPr>
+              <a:t>가 들어가지 않았다</a:t>
+            </a:r>
+            <a:r>
+              <a:rPr lang="en-US" altLang="ko-KR" dirty="0">
+                <a:solidFill>
+                  <a:schemeClr val="tx1"/>
+                </a:solidFill>
+              </a:rPr>
+              <a:t>.</a:t>
+            </a:r>
+          </a:p>
+          <a:p>
+            <a:pPr algn="ctr"/>
+            <a:r>
+              <a:rPr lang="ko-KR" altLang="en-US" dirty="0">
+                <a:solidFill>
+                  <a:schemeClr val="tx1"/>
+                </a:solidFill>
+              </a:rPr>
+              <a:t>이를 방지하기 위해 </a:t>
+            </a:r>
+            <a:r>
+              <a:rPr lang="en-US" altLang="ko-KR" dirty="0">
+                <a:solidFill>
+                  <a:schemeClr val="tx1"/>
+                </a:solidFill>
+              </a:rPr>
+              <a:t>bind(this)</a:t>
+            </a:r>
+            <a:r>
+              <a:rPr lang="ko-KR" altLang="en-US" dirty="0">
+                <a:solidFill>
+                  <a:schemeClr val="tx1"/>
+                </a:solidFill>
+              </a:rPr>
+              <a:t>로 고정했었다</a:t>
+            </a:r>
+            <a:r>
+              <a:rPr lang="en-US" altLang="ko-KR" dirty="0">
+                <a:solidFill>
+                  <a:schemeClr val="tx1"/>
+                </a:solidFill>
+              </a:rPr>
+              <a:t>.</a:t>
+            </a:r>
+            <a:endParaRPr lang="ko-KR" altLang="en-US" dirty="0">
+              <a:solidFill>
+                <a:schemeClr val="tx1"/>
+              </a:solidFill>
+            </a:endParaRPr>
+          </a:p>
+        </p:txBody>
+      </p:sp>
+      <p:pic>
+        <p:nvPicPr>
+          <p:cNvPr id="8" name="그림 7">
+            <a:extLst>
+              <a:ext uri="{FF2B5EF4-FFF2-40B4-BE49-F238E27FC236}">
+                <a16:creationId xmlns:a16="http://schemas.microsoft.com/office/drawing/2014/main" id="{14B5B5C5-A3C3-2BA1-ECD7-BB40F1658EC6}"/>
+              </a:ext>
+            </a:extLst>
+          </p:cNvPr>
+          <p:cNvPicPr>
+            <a:picLocks noChangeAspect="1"/>
+          </p:cNvPicPr>
+          <p:nvPr/>
+        </p:nvPicPr>
+        <p:blipFill>
+          <a:blip r:embed="rId3"/>
+          <a:stretch>
+            <a:fillRect/>
+          </a:stretch>
+        </p:blipFill>
+        <p:spPr>
+          <a:xfrm>
+            <a:off x="5300550" y="4824123"/>
+            <a:ext cx="1590897" cy="657317"/>
+          </a:xfrm>
+          <a:prstGeom prst="rect">
+            <a:avLst/>
+          </a:prstGeom>
+        </p:spPr>
+      </p:pic>
+    </p:spTree>
+    <p:extLst>
+      <p:ext uri="{BB962C8B-B14F-4D97-AF65-F5344CB8AC3E}">
+        <p14:creationId xmlns:p14="http://schemas.microsoft.com/office/powerpoint/2010/main" val="1415428605"/>
+      </p:ext>
+    </p:extLst>
+  </p:cSld>
+  <p:clrMapOvr>
+    <a:masterClrMapping/>
+  </p:clrMapOvr>
+</p:sld>
+</file>
+
+<file path=ppt/slides/slide36.xml><?xml version="1.0" encoding="utf-8"?>
+<p:sld xmlns:a="http://schemas.openxmlformats.org/drawingml/2006/main" xmlns:r="http://schemas.openxmlformats.org/officeDocument/2006/relationships" xmlns:p="http://schemas.openxmlformats.org/presentationml/2006/main">
+  <p:cSld>
+    <p:spTree>
+      <p:nvGrpSpPr>
+        <p:cNvPr id="1" name=""/>
+        <p:cNvGrpSpPr/>
+        <p:nvPr/>
+      </p:nvGrpSpPr>
+      <p:grpSpPr>
+        <a:xfrm>
+          <a:off x="0" y="0"/>
+          <a:ext cx="0" cy="0"/>
+          <a:chOff x="0" y="0"/>
+          <a:chExt cx="0" cy="0"/>
+        </a:xfrm>
+      </p:grpSpPr>
+      <p:pic>
+        <p:nvPicPr>
+          <p:cNvPr id="5" name="그림 4">
+            <a:extLst>
+              <a:ext uri="{FF2B5EF4-FFF2-40B4-BE49-F238E27FC236}">
+                <a16:creationId xmlns:a16="http://schemas.microsoft.com/office/drawing/2014/main" id="{4C435DF0-FF78-1111-FC4F-1D544C6606DD}"/>
+              </a:ext>
+            </a:extLst>
+          </p:cNvPr>
+          <p:cNvPicPr>
+            <a:picLocks noChangeAspect="1"/>
+          </p:cNvPicPr>
+          <p:nvPr/>
+        </p:nvPicPr>
+        <p:blipFill>
+          <a:blip r:embed="rId2"/>
+          <a:stretch>
+            <a:fillRect/>
+          </a:stretch>
+        </p:blipFill>
+        <p:spPr>
+          <a:xfrm>
+            <a:off x="6096000" y="1247470"/>
+            <a:ext cx="3362794" cy="4363059"/>
+          </a:xfrm>
+          <a:prstGeom prst="rect">
+            <a:avLst/>
+          </a:prstGeom>
+        </p:spPr>
+      </p:pic>
+      <p:sp>
+        <p:nvSpPr>
+          <p:cNvPr id="6" name="직사각형 5">
+            <a:extLst>
+              <a:ext uri="{FF2B5EF4-FFF2-40B4-BE49-F238E27FC236}">
+                <a16:creationId xmlns:a16="http://schemas.microsoft.com/office/drawing/2014/main" id="{9BCEA8D1-4CE0-460E-395D-1F34FA05FE2E}"/>
+              </a:ext>
+            </a:extLst>
+          </p:cNvPr>
+          <p:cNvSpPr/>
+          <p:nvPr/>
+        </p:nvSpPr>
+        <p:spPr>
+          <a:xfrm>
+            <a:off x="3196900" y="5707223"/>
+            <a:ext cx="5933236" cy="1016305"/>
+          </a:xfrm>
+          <a:prstGeom prst="rect">
+            <a:avLst/>
+          </a:prstGeom>
+          <a:solidFill>
+            <a:srgbClr val="00B0F0">
+              <a:alpha val="34000"/>
+            </a:srgbClr>
+          </a:solidFill>
+          <a:ln w="38100">
+            <a:noFill/>
+          </a:ln>
+        </p:spPr>
+        <p:style>
+          <a:lnRef idx="2">
+            <a:schemeClr val="accent1">
+              <a:shade val="50000"/>
+            </a:schemeClr>
+          </a:lnRef>
+          <a:fillRef idx="1">
+            <a:schemeClr val="accent1"/>
+          </a:fillRef>
+          <a:effectRef idx="0">
+            <a:schemeClr val="accent1"/>
+          </a:effectRef>
+          <a:fontRef idx="minor">
+            <a:schemeClr val="lt1"/>
+          </a:fontRef>
+        </p:style>
+        <p:txBody>
+          <a:bodyPr rtlCol="0" anchor="ctr"/>
+          <a:lstStyle/>
+          <a:p>
+            <a:pPr algn="ctr"/>
+            <a:r>
+              <a:rPr lang="ko-KR" altLang="en-US" sz="1600" dirty="0">
+                <a:solidFill>
+                  <a:schemeClr val="tx1"/>
+                </a:solidFill>
+              </a:rPr>
+              <a:t>즉</a:t>
+            </a:r>
+            <a:r>
+              <a:rPr lang="en-US" altLang="ko-KR" sz="1600" dirty="0">
+                <a:solidFill>
+                  <a:schemeClr val="tx1"/>
+                </a:solidFill>
+              </a:rPr>
+              <a:t>, </a:t>
+            </a:r>
+            <a:r>
+              <a:rPr lang="ko-KR" altLang="en-US" sz="1600" dirty="0">
+                <a:solidFill>
+                  <a:schemeClr val="tx1"/>
+                </a:solidFill>
+              </a:rPr>
+              <a:t>함수가 중첩된 상황에서 </a:t>
+            </a:r>
+            <a:r>
+              <a:rPr lang="en-US" altLang="ko-KR" sz="1600" dirty="0">
+                <a:solidFill>
+                  <a:schemeClr val="tx1"/>
+                </a:solidFill>
+              </a:rPr>
+              <a:t>this</a:t>
+            </a:r>
+            <a:r>
+              <a:rPr lang="ko-KR" altLang="en-US" sz="1600" dirty="0">
+                <a:solidFill>
+                  <a:schemeClr val="tx1"/>
+                </a:solidFill>
+              </a:rPr>
+              <a:t>가 제 역할을 못하고 변수를 잡아주지 못하는 경우가 발생했고</a:t>
+            </a:r>
+            <a:r>
+              <a:rPr lang="en-US" altLang="ko-KR" sz="1600" dirty="0">
+                <a:solidFill>
+                  <a:schemeClr val="tx1"/>
+                </a:solidFill>
+              </a:rPr>
+              <a:t>,</a:t>
+            </a:r>
+          </a:p>
+          <a:p>
+            <a:pPr algn="ctr"/>
+            <a:r>
+              <a:rPr lang="en-US" altLang="ko-KR" sz="1600" dirty="0">
+                <a:solidFill>
+                  <a:schemeClr val="tx1"/>
+                </a:solidFill>
+              </a:rPr>
+              <a:t>bind(this)</a:t>
+            </a:r>
+            <a:r>
+              <a:rPr lang="ko-KR" altLang="en-US" sz="1600" dirty="0">
+                <a:solidFill>
+                  <a:schemeClr val="tx1"/>
+                </a:solidFill>
+              </a:rPr>
+              <a:t>라는 형태로 복잡하게 넣어줘야 했다</a:t>
+            </a:r>
+            <a:r>
+              <a:rPr lang="en-US" altLang="ko-KR" sz="1600" dirty="0">
+                <a:solidFill>
+                  <a:schemeClr val="tx1"/>
+                </a:solidFill>
+              </a:rPr>
+              <a:t>.</a:t>
+            </a:r>
+          </a:p>
+          <a:p>
+            <a:pPr algn="ctr"/>
+            <a:r>
+              <a:rPr lang="ko-KR" altLang="en-US" sz="1600" dirty="0">
+                <a:solidFill>
+                  <a:schemeClr val="tx1"/>
+                </a:solidFill>
+              </a:rPr>
+              <a:t>이를 해결하기 위해 등장한 게 화살표 함수</a:t>
+            </a:r>
+            <a:r>
+              <a:rPr lang="en-US" altLang="ko-KR" sz="1600" dirty="0">
+                <a:solidFill>
+                  <a:schemeClr val="tx1"/>
+                </a:solidFill>
+              </a:rPr>
+              <a:t>.</a:t>
+            </a:r>
+            <a:endParaRPr lang="ko-KR" altLang="en-US" sz="1600" dirty="0">
+              <a:solidFill>
+                <a:schemeClr val="tx1"/>
+              </a:solidFill>
+            </a:endParaRPr>
+          </a:p>
+        </p:txBody>
+      </p:sp>
+      <p:pic>
+        <p:nvPicPr>
+          <p:cNvPr id="7" name="그림 6">
+            <a:extLst>
+              <a:ext uri="{FF2B5EF4-FFF2-40B4-BE49-F238E27FC236}">
+                <a16:creationId xmlns:a16="http://schemas.microsoft.com/office/drawing/2014/main" id="{31F0C851-9B21-7733-0976-BE0FFD9FC2D0}"/>
+              </a:ext>
+            </a:extLst>
+          </p:cNvPr>
+          <p:cNvPicPr>
+            <a:picLocks noChangeAspect="1"/>
+          </p:cNvPicPr>
+          <p:nvPr/>
+        </p:nvPicPr>
+        <p:blipFill>
+          <a:blip r:embed="rId3"/>
+          <a:stretch>
+            <a:fillRect/>
+          </a:stretch>
+        </p:blipFill>
+        <p:spPr>
+          <a:xfrm>
+            <a:off x="2052846" y="1349090"/>
+            <a:ext cx="3953427" cy="4086795"/>
+          </a:xfrm>
+          <a:prstGeom prst="rect">
+            <a:avLst/>
+          </a:prstGeom>
+        </p:spPr>
+      </p:pic>
+    </p:spTree>
+    <p:extLst>
+      <p:ext uri="{BB962C8B-B14F-4D97-AF65-F5344CB8AC3E}">
+        <p14:creationId xmlns:p14="http://schemas.microsoft.com/office/powerpoint/2010/main" val="2897156613"/>
+      </p:ext>
+    </p:extLst>
+  </p:cSld>
+  <p:clrMapOvr>
+    <a:masterClrMapping/>
+  </p:clrMapOvr>
+</p:sld>
+</file>
+
+<file path=ppt/slides/slide37.xml><?xml version="1.0" encoding="utf-8"?>
+<p:sld xmlns:a="http://schemas.openxmlformats.org/drawingml/2006/main" xmlns:r="http://schemas.openxmlformats.org/officeDocument/2006/relationships" xmlns:p="http://schemas.openxmlformats.org/presentationml/2006/main">
+  <p:cSld>
+    <p:spTree>
+      <p:nvGrpSpPr>
+        <p:cNvPr id="1" name=""/>
+        <p:cNvGrpSpPr/>
+        <p:nvPr/>
+      </p:nvGrpSpPr>
+      <p:grpSpPr>
+        <a:xfrm>
+          <a:off x="0" y="0"/>
+          <a:ext cx="0" cy="0"/>
+          <a:chOff x="0" y="0"/>
+          <a:chExt cx="0" cy="0"/>
+        </a:xfrm>
+      </p:grpSpPr>
+      <p:pic>
+        <p:nvPicPr>
+          <p:cNvPr id="11" name="그림 10">
+            <a:extLst>
+              <a:ext uri="{FF2B5EF4-FFF2-40B4-BE49-F238E27FC236}">
+                <a16:creationId xmlns:a16="http://schemas.microsoft.com/office/drawing/2014/main" id="{68035D49-4CD2-D1B3-92B2-F13FB0B97B63}"/>
+              </a:ext>
+            </a:extLst>
+          </p:cNvPr>
+          <p:cNvPicPr>
+            <a:picLocks noChangeAspect="1"/>
+          </p:cNvPicPr>
+          <p:nvPr/>
+        </p:nvPicPr>
+        <p:blipFill>
+          <a:blip r:embed="rId2"/>
+          <a:stretch>
+            <a:fillRect/>
+          </a:stretch>
+        </p:blipFill>
+        <p:spPr>
+          <a:xfrm>
+            <a:off x="3061864" y="2924104"/>
+            <a:ext cx="6068272" cy="1009791"/>
+          </a:xfrm>
+          <a:prstGeom prst="rect">
+            <a:avLst/>
+          </a:prstGeom>
+        </p:spPr>
+      </p:pic>
+      <p:sp>
+        <p:nvSpPr>
+          <p:cNvPr id="12" name="직사각형 11">
+            <a:extLst>
+              <a:ext uri="{FF2B5EF4-FFF2-40B4-BE49-F238E27FC236}">
+                <a16:creationId xmlns:a16="http://schemas.microsoft.com/office/drawing/2014/main" id="{4201C61B-1A8B-323E-1DD6-ACE1F821CF03}"/>
+              </a:ext>
+            </a:extLst>
+          </p:cNvPr>
+          <p:cNvSpPr/>
+          <p:nvPr/>
+        </p:nvSpPr>
+        <p:spPr>
+          <a:xfrm>
+            <a:off x="3196900" y="5283642"/>
+            <a:ext cx="5933236" cy="1144052"/>
+          </a:xfrm>
+          <a:prstGeom prst="rect">
+            <a:avLst/>
+          </a:prstGeom>
+          <a:solidFill>
+            <a:srgbClr val="00B0F0">
+              <a:alpha val="34000"/>
+            </a:srgbClr>
+          </a:solidFill>
+          <a:ln w="38100">
+            <a:noFill/>
+          </a:ln>
+        </p:spPr>
+        <p:style>
+          <a:lnRef idx="2">
+            <a:schemeClr val="accent1">
+              <a:shade val="50000"/>
+            </a:schemeClr>
+          </a:lnRef>
+          <a:fillRef idx="1">
+            <a:schemeClr val="accent1"/>
+          </a:fillRef>
+          <a:effectRef idx="0">
+            <a:schemeClr val="accent1"/>
+          </a:effectRef>
+          <a:fontRef idx="minor">
+            <a:schemeClr val="lt1"/>
+          </a:fontRef>
+        </p:style>
+        <p:txBody>
+          <a:bodyPr rtlCol="0" anchor="ctr"/>
+          <a:lstStyle/>
+          <a:p>
+            <a:pPr algn="ctr"/>
+            <a:r>
+              <a:rPr lang="en-US" altLang="ko-KR" sz="1600" dirty="0">
+                <a:solidFill>
+                  <a:schemeClr val="tx1"/>
+                </a:solidFill>
+              </a:rPr>
+              <a:t>‘</a:t>
+            </a:r>
+            <a:r>
+              <a:rPr lang="ko-KR" altLang="en-US" sz="1600" dirty="0">
+                <a:solidFill>
+                  <a:schemeClr val="tx1"/>
+                </a:solidFill>
+              </a:rPr>
+              <a:t>뚱뚱한 화살표 함수로 알려진</a:t>
+            </a:r>
+            <a:r>
+              <a:rPr lang="en-US" altLang="ko-KR" sz="1600" dirty="0">
+                <a:solidFill>
+                  <a:schemeClr val="tx1"/>
+                </a:solidFill>
+              </a:rPr>
+              <a:t>,</a:t>
+            </a:r>
+          </a:p>
+          <a:p>
+            <a:pPr algn="ctr"/>
+            <a:r>
+              <a:rPr lang="ko-KR" altLang="en-US" sz="1600" dirty="0">
+                <a:solidFill>
+                  <a:schemeClr val="tx1"/>
+                </a:solidFill>
+              </a:rPr>
+              <a:t>화살표 함수는 단축하여 쓸 수 있는 문법이고</a:t>
+            </a:r>
+            <a:r>
+              <a:rPr lang="en-US" altLang="ko-KR" sz="1600" dirty="0">
+                <a:solidFill>
+                  <a:schemeClr val="tx1"/>
+                </a:solidFill>
+              </a:rPr>
+              <a:t>,</a:t>
+            </a:r>
+          </a:p>
+          <a:p>
+            <a:pPr algn="ctr"/>
+            <a:r>
+              <a:rPr lang="ko-KR" altLang="en-US" sz="1600" b="1" dirty="0">
+                <a:solidFill>
+                  <a:srgbClr val="FF0000"/>
+                </a:solidFill>
+              </a:rPr>
+              <a:t>정적으로 </a:t>
+            </a:r>
+            <a:r>
+              <a:rPr lang="en-US" altLang="ko-KR" sz="1600" b="1" dirty="0">
+                <a:solidFill>
+                  <a:srgbClr val="FF0000"/>
+                </a:solidFill>
+              </a:rPr>
+              <a:t>this</a:t>
+            </a:r>
+            <a:r>
+              <a:rPr lang="ko-KR" altLang="en-US" sz="1600" b="1" dirty="0">
+                <a:solidFill>
+                  <a:srgbClr val="FF0000"/>
+                </a:solidFill>
+              </a:rPr>
+              <a:t>를 바인딩</a:t>
+            </a:r>
+            <a:r>
+              <a:rPr lang="ko-KR" altLang="en-US" sz="1600" dirty="0">
+                <a:solidFill>
+                  <a:schemeClr val="tx1"/>
+                </a:solidFill>
+              </a:rPr>
+              <a:t>한다</a:t>
+            </a:r>
+            <a:r>
+              <a:rPr lang="en-US" altLang="ko-KR" sz="1600" dirty="0">
+                <a:solidFill>
+                  <a:schemeClr val="tx1"/>
+                </a:solidFill>
+              </a:rPr>
+              <a:t>.</a:t>
+            </a:r>
+          </a:p>
+          <a:p>
+            <a:pPr algn="ctr"/>
+            <a:r>
+              <a:rPr lang="ko-KR" altLang="en-US" sz="1600" dirty="0">
+                <a:solidFill>
+                  <a:schemeClr val="tx1"/>
+                </a:solidFill>
+              </a:rPr>
+              <a:t>화살표함수는 언제나 익명함수이다</a:t>
+            </a:r>
+            <a:r>
+              <a:rPr lang="en-US" altLang="ko-KR" sz="1600" dirty="0">
+                <a:solidFill>
+                  <a:schemeClr val="tx1"/>
+                </a:solidFill>
+              </a:rPr>
+              <a:t>.’</a:t>
+            </a:r>
+            <a:endParaRPr lang="ko-KR" altLang="en-US" sz="1600" dirty="0">
+              <a:solidFill>
+                <a:schemeClr val="tx1"/>
+              </a:solidFill>
+            </a:endParaRPr>
+          </a:p>
+        </p:txBody>
+      </p:sp>
+      <p:sp>
+        <p:nvSpPr>
+          <p:cNvPr id="2" name="직사각형 1">
+            <a:extLst>
+              <a:ext uri="{FF2B5EF4-FFF2-40B4-BE49-F238E27FC236}">
+                <a16:creationId xmlns:a16="http://schemas.microsoft.com/office/drawing/2014/main" id="{7E18DCE9-0B83-4327-1D88-5B7EB17F98C8}"/>
+              </a:ext>
+            </a:extLst>
+          </p:cNvPr>
+          <p:cNvSpPr/>
+          <p:nvPr/>
+        </p:nvSpPr>
+        <p:spPr>
+          <a:xfrm>
+            <a:off x="435652" y="639453"/>
+            <a:ext cx="5933236" cy="736238"/>
+          </a:xfrm>
+          <a:prstGeom prst="rect">
+            <a:avLst/>
+          </a:prstGeom>
+          <a:solidFill>
+            <a:srgbClr val="00B0F0">
+              <a:alpha val="34000"/>
+            </a:srgbClr>
+          </a:solidFill>
+          <a:ln w="38100">
+            <a:noFill/>
+          </a:ln>
+        </p:spPr>
+        <p:style>
+          <a:lnRef idx="2">
+            <a:schemeClr val="accent1">
+              <a:shade val="50000"/>
+            </a:schemeClr>
+          </a:lnRef>
+          <a:fillRef idx="1">
+            <a:schemeClr val="accent1"/>
+          </a:fillRef>
+          <a:effectRef idx="0">
+            <a:schemeClr val="accent1"/>
+          </a:effectRef>
+          <a:fontRef idx="minor">
+            <a:schemeClr val="lt1"/>
+          </a:fontRef>
+        </p:style>
+        <p:txBody>
+          <a:bodyPr rtlCol="0" anchor="ctr"/>
+          <a:lstStyle/>
+          <a:p>
+            <a:pPr algn="ctr"/>
+            <a:r>
+              <a:rPr lang="ko-KR" altLang="en-US" sz="1600" dirty="0">
+                <a:solidFill>
+                  <a:schemeClr val="tx1"/>
+                </a:solidFill>
+              </a:rPr>
+              <a:t>출처</a:t>
+            </a:r>
+            <a:r>
+              <a:rPr lang="en-US" altLang="ko-KR" sz="1600" dirty="0">
+                <a:solidFill>
+                  <a:schemeClr val="tx1"/>
+                </a:solidFill>
+              </a:rPr>
+              <a:t>: https://stackoverflow.com/questions/32535110/what-are-the-differences-if-any-between-es6-arrow-functions-and-functions-boun/32539428#32539428</a:t>
+            </a:r>
+            <a:endParaRPr lang="ko-KR" altLang="en-US" sz="1600" dirty="0">
+              <a:solidFill>
+                <a:schemeClr val="tx1"/>
+              </a:solidFill>
+            </a:endParaRPr>
+          </a:p>
+        </p:txBody>
+      </p:sp>
+    </p:spTree>
+    <p:extLst>
+      <p:ext uri="{BB962C8B-B14F-4D97-AF65-F5344CB8AC3E}">
+        <p14:creationId xmlns:p14="http://schemas.microsoft.com/office/powerpoint/2010/main" val="1271585499"/>
+      </p:ext>
+    </p:extLst>
+  </p:cSld>
+  <p:clrMapOvr>
+    <a:masterClrMapping/>
+  </p:clrMapOvr>
+</p:sld>
+</file>
+
+<file path=ppt/slides/slide38.xml><?xml version="1.0" encoding="utf-8"?>
+<p:sld xmlns:a="http://schemas.openxmlformats.org/drawingml/2006/main" xmlns:r="http://schemas.openxmlformats.org/officeDocument/2006/relationships" xmlns:p="http://schemas.openxmlformats.org/presentationml/2006/main">
+  <p:cSld>
+    <p:spTree>
+      <p:nvGrpSpPr>
+        <p:cNvPr id="1" name=""/>
+        <p:cNvGrpSpPr/>
+        <p:nvPr/>
+      </p:nvGrpSpPr>
+      <p:grpSpPr>
+        <a:xfrm>
+          <a:off x="0" y="0"/>
+          <a:ext cx="0" cy="0"/>
+          <a:chOff x="0" y="0"/>
+          <a:chExt cx="0" cy="0"/>
+        </a:xfrm>
+      </p:grpSpPr>
+      <p:sp>
+        <p:nvSpPr>
+          <p:cNvPr id="4" name="직사각형 3">
+            <a:extLst>
+              <a:ext uri="{FF2B5EF4-FFF2-40B4-BE49-F238E27FC236}">
+                <a16:creationId xmlns:a16="http://schemas.microsoft.com/office/drawing/2014/main" id="{B2B0D777-43CA-9818-BF3A-4DE4E5EE91BE}"/>
+              </a:ext>
+            </a:extLst>
+          </p:cNvPr>
+          <p:cNvSpPr/>
+          <p:nvPr/>
+        </p:nvSpPr>
+        <p:spPr>
+          <a:xfrm>
+            <a:off x="3641557" y="4810292"/>
+            <a:ext cx="4908885" cy="1594184"/>
+          </a:xfrm>
+          <a:prstGeom prst="rect">
+            <a:avLst/>
+          </a:prstGeom>
+          <a:solidFill>
+            <a:srgbClr val="00B0F0">
+              <a:alpha val="34000"/>
+            </a:srgbClr>
+          </a:solidFill>
+          <a:ln w="38100">
+            <a:noFill/>
+          </a:ln>
+        </p:spPr>
+        <p:style>
+          <a:lnRef idx="2">
+            <a:schemeClr val="accent1">
+              <a:shade val="50000"/>
+            </a:schemeClr>
+          </a:lnRef>
+          <a:fillRef idx="1">
+            <a:schemeClr val="accent1"/>
+          </a:fillRef>
+          <a:effectRef idx="0">
+            <a:schemeClr val="accent1"/>
+          </a:effectRef>
+          <a:fontRef idx="minor">
+            <a:schemeClr val="lt1"/>
+          </a:fontRef>
+        </p:style>
+        <p:txBody>
+          <a:bodyPr rtlCol="0" anchor="ctr"/>
+          <a:lstStyle/>
+          <a:p>
+            <a:pPr algn="ctr"/>
+            <a:r>
+              <a:rPr lang="en-US" altLang="ko-KR" dirty="0">
+                <a:solidFill>
+                  <a:schemeClr val="tx1"/>
+                </a:solidFill>
+              </a:rPr>
+              <a:t>JS</a:t>
+            </a:r>
+            <a:r>
+              <a:rPr lang="ko-KR" altLang="en-US" dirty="0">
+                <a:solidFill>
+                  <a:schemeClr val="tx1"/>
+                </a:solidFill>
+              </a:rPr>
+              <a:t>의 변수는 보통 정적 </a:t>
+            </a:r>
+            <a:r>
+              <a:rPr lang="ko-KR" altLang="en-US" dirty="0" err="1">
+                <a:solidFill>
+                  <a:schemeClr val="tx1"/>
+                </a:solidFill>
+              </a:rPr>
+              <a:t>스코프를</a:t>
+            </a:r>
+            <a:r>
+              <a:rPr lang="ko-KR" altLang="en-US" dirty="0">
+                <a:solidFill>
+                  <a:schemeClr val="tx1"/>
+                </a:solidFill>
+              </a:rPr>
+              <a:t> 갖지만</a:t>
+            </a:r>
+            <a:r>
+              <a:rPr lang="en-US" altLang="ko-KR" dirty="0">
+                <a:solidFill>
+                  <a:schemeClr val="tx1"/>
+                </a:solidFill>
+              </a:rPr>
+              <a:t>, this</a:t>
+            </a:r>
+            <a:r>
+              <a:rPr lang="ko-KR" altLang="en-US" dirty="0">
+                <a:solidFill>
+                  <a:schemeClr val="tx1"/>
+                </a:solidFill>
+              </a:rPr>
+              <a:t>는 보통 동적 </a:t>
+            </a:r>
+            <a:r>
+              <a:rPr lang="ko-KR" altLang="en-US" dirty="0" err="1">
+                <a:solidFill>
+                  <a:schemeClr val="tx1"/>
+                </a:solidFill>
+              </a:rPr>
+              <a:t>스코프를</a:t>
+            </a:r>
+            <a:r>
+              <a:rPr lang="ko-KR" altLang="en-US" dirty="0">
+                <a:solidFill>
+                  <a:schemeClr val="tx1"/>
+                </a:solidFill>
+              </a:rPr>
+              <a:t> 갖는다</a:t>
+            </a:r>
+            <a:r>
+              <a:rPr lang="en-US" altLang="ko-KR" dirty="0">
+                <a:solidFill>
+                  <a:schemeClr val="tx1"/>
+                </a:solidFill>
+              </a:rPr>
+              <a:t>.</a:t>
+            </a:r>
+          </a:p>
+          <a:p>
+            <a:pPr algn="ctr"/>
+            <a:r>
+              <a:rPr lang="ko-KR" altLang="en-US" dirty="0">
+                <a:solidFill>
+                  <a:schemeClr val="tx1"/>
+                </a:solidFill>
+              </a:rPr>
+              <a:t>하지만 화살표 함수 안에서는 </a:t>
+            </a:r>
+            <a:r>
+              <a:rPr lang="en-US" altLang="ko-KR" dirty="0">
+                <a:solidFill>
+                  <a:schemeClr val="tx1"/>
+                </a:solidFill>
+              </a:rPr>
+              <a:t>this</a:t>
+            </a:r>
+            <a:r>
+              <a:rPr lang="ko-KR" altLang="en-US" dirty="0">
+                <a:solidFill>
+                  <a:schemeClr val="tx1"/>
+                </a:solidFill>
+              </a:rPr>
+              <a:t>를 고정하기 위해 정적 </a:t>
+            </a:r>
+            <a:r>
+              <a:rPr lang="ko-KR" altLang="en-US" dirty="0" err="1">
+                <a:solidFill>
+                  <a:schemeClr val="tx1"/>
+                </a:solidFill>
+              </a:rPr>
+              <a:t>스코프로</a:t>
+            </a:r>
+            <a:r>
+              <a:rPr lang="ko-KR" altLang="en-US" dirty="0">
+                <a:solidFill>
+                  <a:schemeClr val="tx1"/>
+                </a:solidFill>
+              </a:rPr>
+              <a:t> 활용한다는 것</a:t>
+            </a:r>
+            <a:r>
+              <a:rPr lang="en-US" altLang="ko-KR" dirty="0">
+                <a:solidFill>
+                  <a:schemeClr val="tx1"/>
+                </a:solidFill>
+              </a:rPr>
+              <a:t>.</a:t>
+            </a:r>
+          </a:p>
+          <a:p>
+            <a:pPr algn="ctr"/>
+            <a:r>
+              <a:rPr lang="ko-KR" altLang="en-US" dirty="0">
+                <a:solidFill>
+                  <a:schemeClr val="tx1"/>
+                </a:solidFill>
+              </a:rPr>
+              <a:t>선언될 때 </a:t>
+            </a:r>
+            <a:r>
+              <a:rPr lang="ko-KR" altLang="en-US" dirty="0" err="1">
+                <a:solidFill>
+                  <a:schemeClr val="tx1"/>
+                </a:solidFill>
+              </a:rPr>
+              <a:t>스코프가</a:t>
+            </a:r>
+            <a:r>
+              <a:rPr lang="ko-KR" altLang="en-US" dirty="0">
+                <a:solidFill>
+                  <a:schemeClr val="tx1"/>
+                </a:solidFill>
+              </a:rPr>
+              <a:t> 결정된다</a:t>
+            </a:r>
+            <a:r>
+              <a:rPr lang="en-US" altLang="ko-KR" dirty="0">
+                <a:solidFill>
+                  <a:schemeClr val="tx1"/>
+                </a:solidFill>
+              </a:rPr>
+              <a:t>.</a:t>
+            </a:r>
+            <a:endParaRPr lang="ko-KR" altLang="en-US" dirty="0">
+              <a:solidFill>
+                <a:schemeClr val="tx1"/>
+              </a:solidFill>
+            </a:endParaRPr>
+          </a:p>
+        </p:txBody>
+      </p:sp>
+      <p:sp>
+        <p:nvSpPr>
+          <p:cNvPr id="5" name="직사각형 4">
+            <a:extLst>
+              <a:ext uri="{FF2B5EF4-FFF2-40B4-BE49-F238E27FC236}">
+                <a16:creationId xmlns:a16="http://schemas.microsoft.com/office/drawing/2014/main" id="{F1C75FA2-0FB7-388B-F7D1-D44F5BC01888}"/>
+              </a:ext>
+            </a:extLst>
+          </p:cNvPr>
+          <p:cNvSpPr/>
+          <p:nvPr/>
+        </p:nvSpPr>
+        <p:spPr>
+          <a:xfrm>
+            <a:off x="2509393" y="1858141"/>
+            <a:ext cx="2865905" cy="736238"/>
+          </a:xfrm>
+          <a:prstGeom prst="rect">
+            <a:avLst/>
+          </a:prstGeom>
+          <a:solidFill>
+            <a:srgbClr val="00B0F0">
+              <a:alpha val="34000"/>
+            </a:srgbClr>
+          </a:solidFill>
+          <a:ln w="38100">
+            <a:noFill/>
+          </a:ln>
+        </p:spPr>
+        <p:style>
+          <a:lnRef idx="2">
+            <a:schemeClr val="accent1">
+              <a:shade val="50000"/>
+            </a:schemeClr>
+          </a:lnRef>
+          <a:fillRef idx="1">
+            <a:schemeClr val="accent1"/>
+          </a:fillRef>
+          <a:effectRef idx="0">
+            <a:schemeClr val="accent1"/>
+          </a:effectRef>
+          <a:fontRef idx="minor">
+            <a:schemeClr val="lt1"/>
+          </a:fontRef>
+        </p:style>
+        <p:txBody>
+          <a:bodyPr rtlCol="0" anchor="ctr"/>
+          <a:lstStyle/>
+          <a:p>
+            <a:pPr algn="ctr"/>
+            <a:r>
+              <a:rPr lang="ko-KR" altLang="en-US" dirty="0">
+                <a:solidFill>
+                  <a:schemeClr val="tx1"/>
+                </a:solidFill>
+              </a:rPr>
+              <a:t>보통의 </a:t>
+            </a:r>
+            <a:r>
+              <a:rPr lang="en-US" altLang="ko-KR" dirty="0">
+                <a:solidFill>
+                  <a:schemeClr val="tx1"/>
+                </a:solidFill>
+              </a:rPr>
+              <a:t>this</a:t>
+            </a:r>
+            <a:endParaRPr lang="ko-KR" altLang="en-US" dirty="0">
+              <a:solidFill>
+                <a:schemeClr val="tx1"/>
+              </a:solidFill>
+            </a:endParaRPr>
+          </a:p>
+        </p:txBody>
+      </p:sp>
+      <p:sp>
+        <p:nvSpPr>
+          <p:cNvPr id="6" name="직사각형 5">
+            <a:extLst>
+              <a:ext uri="{FF2B5EF4-FFF2-40B4-BE49-F238E27FC236}">
+                <a16:creationId xmlns:a16="http://schemas.microsoft.com/office/drawing/2014/main" id="{B46AEEE2-0F69-6666-6993-AD46FA54800C}"/>
+              </a:ext>
+            </a:extLst>
+          </p:cNvPr>
+          <p:cNvSpPr/>
+          <p:nvPr/>
+        </p:nvSpPr>
+        <p:spPr>
+          <a:xfrm>
+            <a:off x="2509393" y="2692762"/>
+            <a:ext cx="2865905" cy="736238"/>
+          </a:xfrm>
+          <a:prstGeom prst="rect">
+            <a:avLst/>
+          </a:prstGeom>
+          <a:solidFill>
+            <a:srgbClr val="7030A0">
+              <a:alpha val="34000"/>
+            </a:srgbClr>
+          </a:solidFill>
+          <a:ln w="38100">
+            <a:noFill/>
+          </a:ln>
+        </p:spPr>
+        <p:style>
+          <a:lnRef idx="2">
+            <a:schemeClr val="accent1">
+              <a:shade val="50000"/>
+            </a:schemeClr>
+          </a:lnRef>
+          <a:fillRef idx="1">
+            <a:schemeClr val="accent1"/>
+          </a:fillRef>
+          <a:effectRef idx="0">
+            <a:schemeClr val="accent1"/>
+          </a:effectRef>
+          <a:fontRef idx="minor">
+            <a:schemeClr val="lt1"/>
+          </a:fontRef>
+        </p:style>
+        <p:txBody>
+          <a:bodyPr rtlCol="0" anchor="ctr"/>
+          <a:lstStyle/>
+          <a:p>
+            <a:pPr algn="ctr"/>
+            <a:r>
+              <a:rPr lang="en-US" altLang="ko-KR" dirty="0">
+                <a:solidFill>
+                  <a:schemeClr val="tx1"/>
+                </a:solidFill>
+              </a:rPr>
+              <a:t>Lexical this</a:t>
+            </a:r>
+            <a:endParaRPr lang="ko-KR" altLang="en-US" dirty="0">
+              <a:solidFill>
+                <a:schemeClr val="tx1"/>
+              </a:solidFill>
+            </a:endParaRPr>
+          </a:p>
+        </p:txBody>
+      </p:sp>
+      <p:sp>
+        <p:nvSpPr>
+          <p:cNvPr id="9" name="직사각형 8">
+            <a:extLst>
+              <a:ext uri="{FF2B5EF4-FFF2-40B4-BE49-F238E27FC236}">
+                <a16:creationId xmlns:a16="http://schemas.microsoft.com/office/drawing/2014/main" id="{B028BF47-CD60-72B9-2E73-129736843B68}"/>
+              </a:ext>
+            </a:extLst>
+          </p:cNvPr>
+          <p:cNvSpPr/>
+          <p:nvPr/>
+        </p:nvSpPr>
+        <p:spPr>
+          <a:xfrm>
+            <a:off x="2509393" y="1019029"/>
+            <a:ext cx="2865905" cy="736238"/>
+          </a:xfrm>
+          <a:prstGeom prst="rect">
+            <a:avLst/>
+          </a:prstGeom>
+          <a:solidFill>
+            <a:srgbClr val="FF0000">
+              <a:alpha val="34000"/>
+            </a:srgbClr>
+          </a:solidFill>
+          <a:ln w="38100">
+            <a:noFill/>
+          </a:ln>
+        </p:spPr>
+        <p:style>
+          <a:lnRef idx="2">
+            <a:schemeClr val="accent1">
+              <a:shade val="50000"/>
+            </a:schemeClr>
+          </a:lnRef>
+          <a:fillRef idx="1">
+            <a:schemeClr val="accent1"/>
+          </a:fillRef>
+          <a:effectRef idx="0">
+            <a:schemeClr val="accent1"/>
+          </a:effectRef>
+          <a:fontRef idx="minor">
+            <a:schemeClr val="lt1"/>
+          </a:fontRef>
+        </p:style>
+        <p:txBody>
+          <a:bodyPr rtlCol="0" anchor="ctr"/>
+          <a:lstStyle/>
+          <a:p>
+            <a:pPr algn="ctr"/>
+            <a:r>
+              <a:rPr lang="ko-KR" altLang="en-US" dirty="0">
+                <a:solidFill>
+                  <a:schemeClr val="tx1"/>
+                </a:solidFill>
+              </a:rPr>
+              <a:t>일반 변수</a:t>
+            </a:r>
+          </a:p>
+        </p:txBody>
+      </p:sp>
+      <p:sp>
+        <p:nvSpPr>
+          <p:cNvPr id="10" name="직사각형 9">
+            <a:extLst>
+              <a:ext uri="{FF2B5EF4-FFF2-40B4-BE49-F238E27FC236}">
+                <a16:creationId xmlns:a16="http://schemas.microsoft.com/office/drawing/2014/main" id="{C955AAEF-E856-EAAC-7481-F64F3922FD27}"/>
+              </a:ext>
+            </a:extLst>
+          </p:cNvPr>
+          <p:cNvSpPr/>
+          <p:nvPr/>
+        </p:nvSpPr>
+        <p:spPr>
+          <a:xfrm>
+            <a:off x="5631587" y="1858141"/>
+            <a:ext cx="2865905" cy="736238"/>
+          </a:xfrm>
+          <a:prstGeom prst="rect">
+            <a:avLst/>
+          </a:prstGeom>
+          <a:solidFill>
+            <a:srgbClr val="00B0F0">
+              <a:alpha val="34000"/>
+            </a:srgbClr>
+          </a:solidFill>
+          <a:ln w="38100">
+            <a:noFill/>
+          </a:ln>
+        </p:spPr>
+        <p:style>
+          <a:lnRef idx="2">
+            <a:schemeClr val="accent1">
+              <a:shade val="50000"/>
+            </a:schemeClr>
+          </a:lnRef>
+          <a:fillRef idx="1">
+            <a:schemeClr val="accent1"/>
+          </a:fillRef>
+          <a:effectRef idx="0">
+            <a:schemeClr val="accent1"/>
+          </a:effectRef>
+          <a:fontRef idx="minor">
+            <a:schemeClr val="lt1"/>
+          </a:fontRef>
+        </p:style>
+        <p:txBody>
+          <a:bodyPr rtlCol="0" anchor="ctr"/>
+          <a:lstStyle/>
+          <a:p>
+            <a:pPr algn="ctr"/>
+            <a:r>
+              <a:rPr lang="ko-KR" altLang="en-US" dirty="0">
+                <a:solidFill>
+                  <a:schemeClr val="tx1"/>
+                </a:solidFill>
+              </a:rPr>
+              <a:t>동적 </a:t>
+            </a:r>
+            <a:r>
+              <a:rPr lang="ko-KR" altLang="en-US" dirty="0" err="1">
+                <a:solidFill>
+                  <a:schemeClr val="tx1"/>
+                </a:solidFill>
+              </a:rPr>
+              <a:t>스코프</a:t>
+            </a:r>
+            <a:endParaRPr lang="en-US" altLang="ko-KR" dirty="0">
+              <a:solidFill>
+                <a:schemeClr val="tx1"/>
+              </a:solidFill>
+            </a:endParaRPr>
+          </a:p>
+          <a:p>
+            <a:pPr algn="ctr"/>
+            <a:r>
+              <a:rPr lang="en-US" altLang="ko-KR" dirty="0">
+                <a:solidFill>
+                  <a:schemeClr val="tx1"/>
+                </a:solidFill>
+              </a:rPr>
+              <a:t>(</a:t>
+            </a:r>
+            <a:r>
+              <a:rPr lang="ko-KR" altLang="en-US" dirty="0">
+                <a:solidFill>
+                  <a:schemeClr val="tx1"/>
+                </a:solidFill>
+              </a:rPr>
+              <a:t>실행될 때 </a:t>
+            </a:r>
+            <a:r>
+              <a:rPr lang="ko-KR" altLang="en-US" dirty="0" err="1">
+                <a:solidFill>
+                  <a:schemeClr val="tx1"/>
+                </a:solidFill>
+              </a:rPr>
+              <a:t>스코프</a:t>
+            </a:r>
+            <a:r>
+              <a:rPr lang="ko-KR" altLang="en-US" dirty="0">
+                <a:solidFill>
+                  <a:schemeClr val="tx1"/>
+                </a:solidFill>
+              </a:rPr>
+              <a:t> 결정</a:t>
+            </a:r>
+            <a:r>
+              <a:rPr lang="en-US" altLang="ko-KR" dirty="0">
+                <a:solidFill>
+                  <a:schemeClr val="tx1"/>
+                </a:solidFill>
+              </a:rPr>
+              <a:t>)</a:t>
+            </a:r>
+            <a:endParaRPr lang="ko-KR" altLang="en-US" dirty="0">
+              <a:solidFill>
+                <a:schemeClr val="tx1"/>
+              </a:solidFill>
+            </a:endParaRPr>
+          </a:p>
+        </p:txBody>
+      </p:sp>
+      <p:sp>
+        <p:nvSpPr>
+          <p:cNvPr id="11" name="직사각형 10">
+            <a:extLst>
+              <a:ext uri="{FF2B5EF4-FFF2-40B4-BE49-F238E27FC236}">
+                <a16:creationId xmlns:a16="http://schemas.microsoft.com/office/drawing/2014/main" id="{E671E719-7502-C7C6-A480-B7BA29A9CE10}"/>
+              </a:ext>
+            </a:extLst>
+          </p:cNvPr>
+          <p:cNvSpPr/>
+          <p:nvPr/>
+        </p:nvSpPr>
+        <p:spPr>
+          <a:xfrm>
+            <a:off x="5631587" y="2692762"/>
+            <a:ext cx="2865905" cy="736238"/>
+          </a:xfrm>
+          <a:prstGeom prst="rect">
+            <a:avLst/>
+          </a:prstGeom>
+          <a:solidFill>
+            <a:srgbClr val="7030A0">
+              <a:alpha val="34000"/>
+            </a:srgbClr>
+          </a:solidFill>
+          <a:ln w="38100">
+            <a:noFill/>
+          </a:ln>
+        </p:spPr>
+        <p:style>
+          <a:lnRef idx="2">
+            <a:schemeClr val="accent1">
+              <a:shade val="50000"/>
+            </a:schemeClr>
+          </a:lnRef>
+          <a:fillRef idx="1">
+            <a:schemeClr val="accent1"/>
+          </a:fillRef>
+          <a:effectRef idx="0">
+            <a:schemeClr val="accent1"/>
+          </a:effectRef>
+          <a:fontRef idx="minor">
+            <a:schemeClr val="lt1"/>
+          </a:fontRef>
+        </p:style>
+        <p:txBody>
+          <a:bodyPr rtlCol="0" anchor="ctr"/>
+          <a:lstStyle/>
+          <a:p>
+            <a:pPr algn="ctr"/>
+            <a:r>
+              <a:rPr lang="ko-KR" altLang="en-US" dirty="0">
+                <a:solidFill>
+                  <a:schemeClr val="tx1"/>
+                </a:solidFill>
+              </a:rPr>
+              <a:t>정적 </a:t>
+            </a:r>
+            <a:r>
+              <a:rPr lang="ko-KR" altLang="en-US" dirty="0" err="1">
+                <a:solidFill>
+                  <a:schemeClr val="tx1"/>
+                </a:solidFill>
+              </a:rPr>
+              <a:t>스코프</a:t>
+            </a:r>
+            <a:endParaRPr lang="en-US" altLang="ko-KR" dirty="0">
+              <a:solidFill>
+                <a:schemeClr val="tx1"/>
+              </a:solidFill>
+            </a:endParaRPr>
+          </a:p>
+          <a:p>
+            <a:pPr algn="ctr"/>
+            <a:r>
+              <a:rPr lang="en-US" altLang="ko-KR" dirty="0">
+                <a:solidFill>
+                  <a:schemeClr val="tx1"/>
+                </a:solidFill>
+              </a:rPr>
+              <a:t>(</a:t>
+            </a:r>
+            <a:r>
+              <a:rPr lang="ko-KR" altLang="en-US" dirty="0">
+                <a:solidFill>
+                  <a:schemeClr val="tx1"/>
+                </a:solidFill>
+              </a:rPr>
+              <a:t>선언될 때 결정</a:t>
+            </a:r>
+            <a:r>
+              <a:rPr lang="en-US" altLang="ko-KR" dirty="0">
+                <a:solidFill>
+                  <a:schemeClr val="tx1"/>
+                </a:solidFill>
+              </a:rPr>
+              <a:t>)</a:t>
+            </a:r>
+            <a:endParaRPr lang="ko-KR" altLang="en-US" dirty="0">
+              <a:solidFill>
+                <a:schemeClr val="tx1"/>
+              </a:solidFill>
+            </a:endParaRPr>
+          </a:p>
+        </p:txBody>
+      </p:sp>
+      <p:sp>
+        <p:nvSpPr>
+          <p:cNvPr id="14" name="직사각형 13">
+            <a:extLst>
+              <a:ext uri="{FF2B5EF4-FFF2-40B4-BE49-F238E27FC236}">
+                <a16:creationId xmlns:a16="http://schemas.microsoft.com/office/drawing/2014/main" id="{FF5CFBA2-89E9-675E-DD7B-CC80F1DEE437}"/>
+              </a:ext>
+            </a:extLst>
+          </p:cNvPr>
+          <p:cNvSpPr/>
+          <p:nvPr/>
+        </p:nvSpPr>
+        <p:spPr>
+          <a:xfrm>
+            <a:off x="5631587" y="1019029"/>
+            <a:ext cx="2865905" cy="736238"/>
+          </a:xfrm>
+          <a:prstGeom prst="rect">
+            <a:avLst/>
+          </a:prstGeom>
+          <a:solidFill>
+            <a:srgbClr val="FF0000">
+              <a:alpha val="34000"/>
+            </a:srgbClr>
+          </a:solidFill>
+          <a:ln w="38100">
+            <a:noFill/>
+          </a:ln>
+        </p:spPr>
+        <p:style>
+          <a:lnRef idx="2">
+            <a:schemeClr val="accent1">
+              <a:shade val="50000"/>
+            </a:schemeClr>
+          </a:lnRef>
+          <a:fillRef idx="1">
+            <a:schemeClr val="accent1"/>
+          </a:fillRef>
+          <a:effectRef idx="0">
+            <a:schemeClr val="accent1"/>
+          </a:effectRef>
+          <a:fontRef idx="minor">
+            <a:schemeClr val="lt1"/>
+          </a:fontRef>
+        </p:style>
+        <p:txBody>
+          <a:bodyPr rtlCol="0" anchor="ctr"/>
+          <a:lstStyle/>
+          <a:p>
+            <a:pPr algn="ctr"/>
+            <a:r>
+              <a:rPr lang="ko-KR" altLang="en-US" dirty="0">
+                <a:solidFill>
+                  <a:schemeClr val="tx1"/>
+                </a:solidFill>
+              </a:rPr>
+              <a:t>정적 </a:t>
+            </a:r>
+            <a:r>
+              <a:rPr lang="ko-KR" altLang="en-US" dirty="0" err="1">
+                <a:solidFill>
+                  <a:schemeClr val="tx1"/>
+                </a:solidFill>
+              </a:rPr>
+              <a:t>스코프</a:t>
+            </a:r>
+            <a:endParaRPr lang="en-US" altLang="ko-KR" dirty="0">
+              <a:solidFill>
+                <a:schemeClr val="tx1"/>
+              </a:solidFill>
+            </a:endParaRPr>
+          </a:p>
+          <a:p>
+            <a:pPr algn="ctr"/>
+            <a:r>
+              <a:rPr lang="en-US" altLang="ko-KR" dirty="0">
+                <a:solidFill>
+                  <a:schemeClr val="tx1"/>
+                </a:solidFill>
+              </a:rPr>
+              <a:t>(</a:t>
+            </a:r>
+            <a:r>
+              <a:rPr lang="ko-KR" altLang="en-US" dirty="0">
+                <a:solidFill>
+                  <a:schemeClr val="tx1"/>
+                </a:solidFill>
+              </a:rPr>
+              <a:t>선언될 때 </a:t>
+            </a:r>
+            <a:r>
+              <a:rPr lang="ko-KR" altLang="en-US" dirty="0" err="1">
+                <a:solidFill>
+                  <a:schemeClr val="tx1"/>
+                </a:solidFill>
+              </a:rPr>
+              <a:t>스코프</a:t>
+            </a:r>
+            <a:r>
+              <a:rPr lang="ko-KR" altLang="en-US" dirty="0">
+                <a:solidFill>
+                  <a:schemeClr val="tx1"/>
+                </a:solidFill>
+              </a:rPr>
+              <a:t> 결정</a:t>
+            </a:r>
+            <a:r>
+              <a:rPr lang="en-US" altLang="ko-KR" dirty="0">
+                <a:solidFill>
+                  <a:schemeClr val="tx1"/>
+                </a:solidFill>
+              </a:rPr>
+              <a:t>)</a:t>
+            </a:r>
+            <a:endParaRPr lang="ko-KR" altLang="en-US" dirty="0">
+              <a:solidFill>
+                <a:schemeClr val="tx1"/>
+              </a:solidFill>
+            </a:endParaRPr>
+          </a:p>
+        </p:txBody>
+      </p:sp>
+      <p:sp>
+        <p:nvSpPr>
+          <p:cNvPr id="15" name="직사각형 14">
+            <a:extLst>
+              <a:ext uri="{FF2B5EF4-FFF2-40B4-BE49-F238E27FC236}">
+                <a16:creationId xmlns:a16="http://schemas.microsoft.com/office/drawing/2014/main" id="{61883620-99C4-A04E-D9AB-32E76E2E207C}"/>
+              </a:ext>
+            </a:extLst>
+          </p:cNvPr>
+          <p:cNvSpPr/>
+          <p:nvPr/>
+        </p:nvSpPr>
+        <p:spPr>
+          <a:xfrm>
+            <a:off x="8753781" y="1858141"/>
+            <a:ext cx="2865905" cy="736238"/>
+          </a:xfrm>
+          <a:prstGeom prst="rect">
+            <a:avLst/>
+          </a:prstGeom>
+          <a:solidFill>
+            <a:srgbClr val="00B0F0">
+              <a:alpha val="34000"/>
+            </a:srgbClr>
+          </a:solidFill>
+          <a:ln w="38100">
+            <a:noFill/>
+          </a:ln>
+        </p:spPr>
+        <p:style>
+          <a:lnRef idx="2">
+            <a:schemeClr val="accent1">
+              <a:shade val="50000"/>
+            </a:schemeClr>
+          </a:lnRef>
+          <a:fillRef idx="1">
+            <a:schemeClr val="accent1"/>
+          </a:fillRef>
+          <a:effectRef idx="0">
+            <a:schemeClr val="accent1"/>
+          </a:effectRef>
+          <a:fontRef idx="minor">
+            <a:schemeClr val="lt1"/>
+          </a:fontRef>
+        </p:style>
+        <p:txBody>
+          <a:bodyPr rtlCol="0" anchor="ctr"/>
+          <a:lstStyle/>
+          <a:p>
+            <a:pPr algn="ctr"/>
+            <a:r>
+              <a:rPr lang="ko-KR" altLang="en-US" dirty="0">
+                <a:solidFill>
+                  <a:schemeClr val="tx1"/>
+                </a:solidFill>
+              </a:rPr>
+              <a:t>글로벌</a:t>
+            </a:r>
+            <a:r>
+              <a:rPr lang="en-US" altLang="ko-KR" dirty="0">
+                <a:solidFill>
+                  <a:schemeClr val="tx1"/>
+                </a:solidFill>
+              </a:rPr>
+              <a:t>, </a:t>
+            </a:r>
+            <a:r>
+              <a:rPr lang="ko-KR" altLang="en-US" dirty="0">
+                <a:solidFill>
+                  <a:schemeClr val="tx1"/>
+                </a:solidFill>
+              </a:rPr>
+              <a:t>메서드</a:t>
+            </a:r>
+            <a:r>
+              <a:rPr lang="en-US" altLang="ko-KR" dirty="0">
+                <a:solidFill>
+                  <a:schemeClr val="tx1"/>
+                </a:solidFill>
+              </a:rPr>
+              <a:t>, … rest</a:t>
+            </a:r>
+            <a:endParaRPr lang="ko-KR" altLang="en-US" dirty="0">
+              <a:solidFill>
+                <a:schemeClr val="tx1"/>
+              </a:solidFill>
+            </a:endParaRPr>
+          </a:p>
+        </p:txBody>
+      </p:sp>
+      <p:sp>
+        <p:nvSpPr>
+          <p:cNvPr id="16" name="직사각형 15">
+            <a:extLst>
+              <a:ext uri="{FF2B5EF4-FFF2-40B4-BE49-F238E27FC236}">
+                <a16:creationId xmlns:a16="http://schemas.microsoft.com/office/drawing/2014/main" id="{C5631802-F83F-E7AD-C8D5-7E9400AFA289}"/>
+              </a:ext>
+            </a:extLst>
+          </p:cNvPr>
+          <p:cNvSpPr/>
+          <p:nvPr/>
+        </p:nvSpPr>
+        <p:spPr>
+          <a:xfrm>
+            <a:off x="8753781" y="2692762"/>
+            <a:ext cx="2865905" cy="736238"/>
+          </a:xfrm>
+          <a:prstGeom prst="rect">
+            <a:avLst/>
+          </a:prstGeom>
+          <a:solidFill>
+            <a:srgbClr val="7030A0">
+              <a:alpha val="34000"/>
+            </a:srgbClr>
+          </a:solidFill>
+          <a:ln w="38100">
+            <a:noFill/>
+          </a:ln>
+        </p:spPr>
+        <p:style>
+          <a:lnRef idx="2">
+            <a:schemeClr val="accent1">
+              <a:shade val="50000"/>
+            </a:schemeClr>
+          </a:lnRef>
+          <a:fillRef idx="1">
+            <a:schemeClr val="accent1"/>
+          </a:fillRef>
+          <a:effectRef idx="0">
+            <a:schemeClr val="accent1"/>
+          </a:effectRef>
+          <a:fontRef idx="minor">
+            <a:schemeClr val="lt1"/>
+          </a:fontRef>
+        </p:style>
+        <p:txBody>
+          <a:bodyPr rtlCol="0" anchor="ctr"/>
+          <a:lstStyle/>
+          <a:p>
+            <a:pPr algn="ctr"/>
+            <a:r>
+              <a:rPr lang="ko-KR" altLang="en-US" dirty="0">
+                <a:solidFill>
+                  <a:schemeClr val="tx1"/>
+                </a:solidFill>
+              </a:rPr>
+              <a:t>화살표 함수 내부에서만</a:t>
+            </a:r>
+          </a:p>
+        </p:txBody>
+      </p:sp>
+    </p:spTree>
+    <p:extLst>
+      <p:ext uri="{BB962C8B-B14F-4D97-AF65-F5344CB8AC3E}">
+        <p14:creationId xmlns:p14="http://schemas.microsoft.com/office/powerpoint/2010/main" val="3726966117"/>
+      </p:ext>
+    </p:extLst>
+  </p:cSld>
+  <p:clrMapOvr>
+    <a:masterClrMapping/>
+  </p:clrMapOvr>
+</p:sld>
+</file>
+
+<file path=ppt/slides/slide39.xml><?xml version="1.0" encoding="utf-8"?>
+<p:sld xmlns:a="http://schemas.openxmlformats.org/drawingml/2006/main" xmlns:r="http://schemas.openxmlformats.org/officeDocument/2006/relationships" xmlns:p="http://schemas.openxmlformats.org/presentationml/2006/main">
+  <p:cSld>
+    <p:spTree>
+      <p:nvGrpSpPr>
+        <p:cNvPr id="1" name=""/>
+        <p:cNvGrpSpPr/>
+        <p:nvPr/>
+      </p:nvGrpSpPr>
+      <p:grpSpPr>
+        <a:xfrm>
+          <a:off x="0" y="0"/>
+          <a:ext cx="0" cy="0"/>
+          <a:chOff x="0" y="0"/>
+          <a:chExt cx="0" cy="0"/>
+        </a:xfrm>
+      </p:grpSpPr>
+      <p:sp>
+        <p:nvSpPr>
+          <p:cNvPr id="4" name="직사각형 3">
+            <a:extLst>
+              <a:ext uri="{FF2B5EF4-FFF2-40B4-BE49-F238E27FC236}">
+                <a16:creationId xmlns:a16="http://schemas.microsoft.com/office/drawing/2014/main" id="{1CC7EC03-6E51-4459-871F-43FB3942AADA}"/>
+              </a:ext>
+            </a:extLst>
+          </p:cNvPr>
+          <p:cNvSpPr/>
+          <p:nvPr/>
+        </p:nvSpPr>
+        <p:spPr>
+          <a:xfrm>
+            <a:off x="3129382" y="2556598"/>
+            <a:ext cx="5933236" cy="1744803"/>
+          </a:xfrm>
+          <a:prstGeom prst="rect">
+            <a:avLst/>
+          </a:prstGeom>
+          <a:solidFill>
+            <a:srgbClr val="00B0F0">
+              <a:alpha val="34000"/>
+            </a:srgbClr>
+          </a:solidFill>
+          <a:ln w="38100">
+            <a:noFill/>
+          </a:ln>
+        </p:spPr>
+        <p:style>
+          <a:lnRef idx="2">
+            <a:schemeClr val="accent1">
+              <a:shade val="50000"/>
+            </a:schemeClr>
+          </a:lnRef>
+          <a:fillRef idx="1">
+            <a:schemeClr val="accent1"/>
+          </a:fillRef>
+          <a:effectRef idx="0">
+            <a:schemeClr val="accent1"/>
+          </a:effectRef>
+          <a:fontRef idx="minor">
+            <a:schemeClr val="lt1"/>
+          </a:fontRef>
+        </p:style>
+        <p:txBody>
+          <a:bodyPr rtlCol="0" anchor="ctr"/>
+          <a:lstStyle/>
+          <a:p>
+            <a:pPr algn="ctr"/>
+            <a:r>
+              <a:rPr lang="ko-KR" altLang="en-US" dirty="0">
+                <a:solidFill>
+                  <a:schemeClr val="tx1"/>
+                </a:solidFill>
+              </a:rPr>
+              <a:t>위에서 언급했듯</a:t>
+            </a:r>
+            <a:r>
+              <a:rPr lang="en-US" altLang="ko-KR" dirty="0">
+                <a:solidFill>
+                  <a:schemeClr val="tx1"/>
+                </a:solidFill>
+              </a:rPr>
+              <a:t>, </a:t>
+            </a:r>
+            <a:r>
+              <a:rPr lang="ko-KR" altLang="en-US" dirty="0">
+                <a:solidFill>
+                  <a:schemeClr val="tx1"/>
+                </a:solidFill>
+              </a:rPr>
+              <a:t>화살표 함수는 익명함수이다</a:t>
+            </a:r>
+            <a:r>
+              <a:rPr lang="en-US" altLang="ko-KR" dirty="0">
+                <a:solidFill>
+                  <a:schemeClr val="tx1"/>
+                </a:solidFill>
+              </a:rPr>
+              <a:t>.</a:t>
+            </a:r>
+          </a:p>
+          <a:p>
+            <a:pPr algn="ctr"/>
+            <a:r>
+              <a:rPr lang="ko-KR" altLang="en-US" dirty="0">
+                <a:solidFill>
+                  <a:schemeClr val="tx1"/>
+                </a:solidFill>
+              </a:rPr>
+              <a:t>화살표 함수는 </a:t>
+            </a:r>
+            <a:r>
+              <a:rPr lang="en-US" altLang="ko-KR" dirty="0">
+                <a:solidFill>
+                  <a:schemeClr val="tx1"/>
+                </a:solidFill>
+              </a:rPr>
+              <a:t>Constructor</a:t>
+            </a:r>
+            <a:r>
+              <a:rPr lang="ko-KR" altLang="en-US" dirty="0">
+                <a:solidFill>
+                  <a:schemeClr val="tx1"/>
+                </a:solidFill>
+              </a:rPr>
+              <a:t>를 갖지 못한다</a:t>
+            </a:r>
+            <a:r>
+              <a:rPr lang="en-US" altLang="ko-KR" dirty="0">
+                <a:solidFill>
+                  <a:schemeClr val="tx1"/>
+                </a:solidFill>
+              </a:rPr>
+              <a:t>.</a:t>
+            </a:r>
+          </a:p>
+          <a:p>
+            <a:pPr algn="ctr"/>
+            <a:r>
+              <a:rPr lang="ko-KR" altLang="en-US" dirty="0">
+                <a:solidFill>
+                  <a:schemeClr val="tx1"/>
+                </a:solidFill>
+              </a:rPr>
+              <a:t>자기 자신을 찾지 못하니 화살표 함수에서의 </a:t>
+            </a:r>
+            <a:r>
+              <a:rPr lang="en-US" altLang="ko-KR" dirty="0">
+                <a:solidFill>
+                  <a:schemeClr val="tx1"/>
+                </a:solidFill>
+              </a:rPr>
+              <a:t>this</a:t>
+            </a:r>
+            <a:r>
+              <a:rPr lang="ko-KR" altLang="en-US" dirty="0">
+                <a:solidFill>
+                  <a:schemeClr val="tx1"/>
+                </a:solidFill>
+              </a:rPr>
+              <a:t>는 자신을 가리키지 않고</a:t>
+            </a:r>
+            <a:r>
+              <a:rPr lang="en-US" altLang="ko-KR" dirty="0">
+                <a:solidFill>
+                  <a:schemeClr val="tx1"/>
+                </a:solidFill>
+              </a:rPr>
+              <a:t>, </a:t>
+            </a:r>
+            <a:r>
+              <a:rPr lang="ko-KR" altLang="en-US" dirty="0">
+                <a:solidFill>
+                  <a:schemeClr val="tx1"/>
+                </a:solidFill>
+              </a:rPr>
+              <a:t>상위 객체를 가리킨다</a:t>
+            </a:r>
+            <a:r>
+              <a:rPr lang="en-US" altLang="ko-KR" dirty="0">
+                <a:solidFill>
+                  <a:schemeClr val="tx1"/>
+                </a:solidFill>
+              </a:rPr>
+              <a:t>.</a:t>
+            </a:r>
+          </a:p>
+          <a:p>
+            <a:pPr algn="ctr"/>
+            <a:r>
+              <a:rPr lang="ko-KR" altLang="en-US" dirty="0">
+                <a:solidFill>
+                  <a:schemeClr val="tx1"/>
+                </a:solidFill>
+              </a:rPr>
+              <a:t>보통은 </a:t>
+            </a:r>
+            <a:r>
+              <a:rPr lang="en-US" altLang="ko-KR" dirty="0">
+                <a:solidFill>
+                  <a:schemeClr val="tx1"/>
+                </a:solidFill>
+              </a:rPr>
+              <a:t>Window</a:t>
+            </a:r>
+            <a:r>
+              <a:rPr lang="ko-KR" altLang="en-US" dirty="0">
+                <a:solidFill>
+                  <a:schemeClr val="tx1"/>
+                </a:solidFill>
+              </a:rPr>
+              <a:t>를 가리킨다</a:t>
+            </a:r>
+            <a:r>
+              <a:rPr lang="en-US" altLang="ko-KR" dirty="0">
+                <a:solidFill>
+                  <a:schemeClr val="tx1"/>
+                </a:solidFill>
+              </a:rPr>
+              <a:t>.</a:t>
+            </a:r>
+          </a:p>
+          <a:p>
+            <a:pPr algn="ctr"/>
+            <a:r>
+              <a:rPr lang="ko-KR" altLang="en-US" dirty="0">
+                <a:solidFill>
+                  <a:schemeClr val="tx1"/>
+                </a:solidFill>
+              </a:rPr>
+              <a:t>이를 </a:t>
+            </a:r>
+            <a:r>
+              <a:rPr lang="en-US" altLang="ko-KR" dirty="0">
+                <a:solidFill>
+                  <a:schemeClr val="tx1"/>
+                </a:solidFill>
+              </a:rPr>
+              <a:t>lexical this</a:t>
+            </a:r>
+            <a:r>
+              <a:rPr lang="ko-KR" altLang="en-US" dirty="0">
+                <a:solidFill>
+                  <a:schemeClr val="tx1"/>
+                </a:solidFill>
+              </a:rPr>
+              <a:t>라고 한다</a:t>
+            </a:r>
+            <a:r>
+              <a:rPr lang="en-US" altLang="ko-KR" dirty="0">
+                <a:solidFill>
+                  <a:schemeClr val="tx1"/>
+                </a:solidFill>
+              </a:rPr>
+              <a:t>.</a:t>
+            </a:r>
+            <a:endParaRPr lang="ko-KR" altLang="en-US" dirty="0">
+              <a:solidFill>
+                <a:schemeClr val="tx1"/>
+              </a:solidFill>
+            </a:endParaRPr>
+          </a:p>
+        </p:txBody>
+      </p:sp>
+      <p:pic>
+        <p:nvPicPr>
+          <p:cNvPr id="6" name="그림 5" descr="텍스트, 클립아트이(가) 표시된 사진&#10;&#10;자동 생성된 설명">
+            <a:extLst>
+              <a:ext uri="{FF2B5EF4-FFF2-40B4-BE49-F238E27FC236}">
+                <a16:creationId xmlns:a16="http://schemas.microsoft.com/office/drawing/2014/main" id="{67B7E5E4-7D2C-6722-2C8D-5F79165AD78B}"/>
+              </a:ext>
+            </a:extLst>
+          </p:cNvPr>
+          <p:cNvPicPr>
+            <a:picLocks noChangeAspect="1"/>
+          </p:cNvPicPr>
+          <p:nvPr/>
+        </p:nvPicPr>
+        <p:blipFill>
+          <a:blip r:embed="rId2">
+            <a:extLst>
+              <a:ext uri="{28A0092B-C50C-407E-A947-70E740481C1C}">
+                <a14:useLocalDpi xmlns:a14="http://schemas.microsoft.com/office/drawing/2010/main" val="0"/>
+              </a:ext>
+            </a:extLst>
+          </a:blip>
+          <a:stretch>
+            <a:fillRect/>
+          </a:stretch>
+        </p:blipFill>
+        <p:spPr>
+          <a:xfrm>
+            <a:off x="972259" y="4659007"/>
+            <a:ext cx="2247900" cy="1685925"/>
+          </a:xfrm>
+          <a:prstGeom prst="rect">
+            <a:avLst/>
+          </a:prstGeom>
+        </p:spPr>
+      </p:pic>
+    </p:spTree>
+    <p:extLst>
+      <p:ext uri="{BB962C8B-B14F-4D97-AF65-F5344CB8AC3E}">
+        <p14:creationId xmlns:p14="http://schemas.microsoft.com/office/powerpoint/2010/main" val="1178127004"/>
       </p:ext>
     </p:extLst>
   </p:cSld>
@@ -7652,7 +10601,7 @@
           <a:p>
             <a:pPr algn="ctr"/>
             <a:r>
-              <a:rPr lang="en-US" altLang="ko-KR" sz="1600" dirty="0" smtClean="0">
+              <a:rPr lang="en-US" altLang="ko-KR" sz="1600" dirty="0">
                 <a:solidFill>
                   <a:schemeClr val="tx1"/>
                 </a:solidFill>
@@ -7660,18 +10609,53 @@
               <a:t>__init__ </a:t>
             </a:r>
             <a:r>
-              <a:rPr lang="ko-KR" altLang="en-US" sz="1600" dirty="0" smtClean="0">
-                <a:solidFill>
-                  <a:schemeClr val="tx1"/>
-                </a:solidFill>
-              </a:rPr>
-              <a:t>는 생성자가 아니다</a:t>
-            </a:r>
-            <a:endParaRPr lang="en-US" altLang="ko-KR" sz="1600" dirty="0" smtClean="0">
-              <a:solidFill>
-                <a:schemeClr val="tx1"/>
-              </a:solidFill>
-            </a:endParaRPr>
+              <a:rPr lang="ko-KR" altLang="en-US" sz="1600" dirty="0">
+                <a:solidFill>
+                  <a:schemeClr val="tx1"/>
+                </a:solidFill>
+              </a:rPr>
+              <a:t>는 </a:t>
+            </a:r>
+            <a:r>
+              <a:rPr lang="en-US" altLang="ko-KR" sz="1600" dirty="0">
+                <a:solidFill>
+                  <a:schemeClr val="tx1"/>
+                </a:solidFill>
+              </a:rPr>
+              <a:t>constructor</a:t>
+            </a:r>
+            <a:r>
+              <a:rPr lang="ko-KR" altLang="en-US" sz="1600" dirty="0">
+                <a:solidFill>
+                  <a:schemeClr val="tx1"/>
+                </a:solidFill>
+              </a:rPr>
+              <a:t>에 해당한다 보면 된다</a:t>
+            </a:r>
+            <a:r>
+              <a:rPr lang="en-US" altLang="ko-KR" sz="1600" dirty="0">
+                <a:solidFill>
+                  <a:schemeClr val="tx1"/>
+                </a:solidFill>
+              </a:rPr>
+              <a:t>. </a:t>
+            </a:r>
+            <a:r>
+              <a:rPr lang="ko-KR" altLang="en-US" sz="1600" dirty="0">
+                <a:solidFill>
+                  <a:schemeClr val="tx1"/>
+                </a:solidFill>
+              </a:rPr>
+              <a:t>함수를 초기화한다</a:t>
+            </a:r>
+            <a:r>
+              <a:rPr lang="en-US" altLang="ko-KR" sz="1600" dirty="0">
+                <a:solidFill>
+                  <a:schemeClr val="tx1"/>
+                </a:solidFill>
+              </a:rPr>
+              <a:t>.</a:t>
+            </a:r>
           </a:p>
         </p:txBody>
       </p:sp>
@@ -7720,31 +10704,15 @@
           <a:p>
             <a:pPr algn="ctr"/>
             <a:r>
-              <a:rPr lang="en-US" altLang="ko-KR" sz="1600" dirty="0" smtClean="0">
-                <a:solidFill>
-                  <a:schemeClr val="tx1"/>
-                </a:solidFill>
-              </a:rPr>
-              <a:t>__</a:t>
-            </a:r>
-            <a:r>
-              <a:rPr lang="en-US" altLang="ko-KR" sz="1600" dirty="0" smtClean="0">
-                <a:solidFill>
-                  <a:schemeClr val="tx1"/>
-                </a:solidFill>
-              </a:rPr>
-              <a:t>del</a:t>
-            </a:r>
-            <a:r>
-              <a:rPr lang="en-US" altLang="ko-KR" sz="1600" dirty="0" smtClean="0">
-                <a:solidFill>
-                  <a:schemeClr val="tx1"/>
-                </a:solidFill>
-              </a:rPr>
-              <a:t>__  </a:t>
-            </a:r>
-            <a:r>
-              <a:rPr lang="ko-KR" altLang="en-US" sz="1600" dirty="0" smtClean="0">
+              <a:rPr lang="en-US" altLang="ko-KR" sz="1600" dirty="0">
+                <a:solidFill>
+                  <a:schemeClr val="tx1"/>
+                </a:solidFill>
+              </a:rPr>
+              <a:t>__del__  </a:t>
+            </a:r>
+            <a:r>
+              <a:rPr lang="ko-KR" altLang="en-US" sz="1600" dirty="0">
                 <a:solidFill>
                   <a:schemeClr val="tx1"/>
                 </a:solidFill>
@@ -7752,29 +10720,13 @@
               <a:t>클래스를 지운다</a:t>
             </a:r>
             <a:r>
-              <a:rPr lang="en-US" altLang="ko-KR" sz="1600" dirty="0" smtClean="0">
+              <a:rPr lang="en-US" altLang="ko-KR" sz="1600" dirty="0">
                 <a:solidFill>
                   <a:schemeClr val="tx1"/>
                 </a:solidFill>
               </a:rPr>
               <a:t>!</a:t>
             </a:r>
-          </a:p>
-          <a:p>
-            <a:pPr algn="ctr"/>
-            <a:r>
-              <a:rPr lang="ko-KR" altLang="en-US" sz="1600" dirty="0" smtClean="0">
-                <a:solidFill>
-                  <a:schemeClr val="tx1"/>
-                </a:solidFill>
-              </a:rPr>
-              <a:t>인스턴스를 삭제할 때 호출됨</a:t>
-            </a:r>
-            <a:endParaRPr lang="ko-KR" altLang="en-US" sz="1600" dirty="0">
-              <a:solidFill>
-                <a:schemeClr val="tx1"/>
-              </a:solidFill>
-            </a:endParaRPr>
           </a:p>
         </p:txBody>
       </p:sp>
@@ -7823,7 +10775,7 @@
           <a:p>
             <a:pPr algn="ctr"/>
             <a:r>
-              <a:rPr lang="en-US" altLang="ko-KR" sz="1600" dirty="0" smtClean="0">
+              <a:rPr lang="en-US" altLang="ko-KR" sz="1600" dirty="0">
                 <a:solidFill>
                   <a:schemeClr val="tx1"/>
                 </a:solidFill>
@@ -7839,7 +10791,7 @@
               <a:t> </a:t>
             </a:r>
             <a:r>
-              <a:rPr lang="en-US" altLang="ko-KR" sz="1600" dirty="0" smtClean="0">
+              <a:rPr lang="en-US" altLang="ko-KR" sz="1600" dirty="0">
                 <a:solidFill>
                   <a:schemeClr val="tx1"/>
                 </a:solidFill>
@@ -7847,7 +10799,7 @@
               <a:t>__init__</a:t>
             </a:r>
             <a:r>
-              <a:rPr lang="ko-KR" altLang="en-US" sz="1600" dirty="0" smtClean="0">
+              <a:rPr lang="ko-KR" altLang="en-US" sz="1600" dirty="0">
                 <a:solidFill>
                   <a:schemeClr val="tx1"/>
                 </a:solidFill>
@@ -7855,7 +10807,7 @@
               <a:t>을 호출하며</a:t>
             </a:r>
             <a:r>
-              <a:rPr lang="en-US" altLang="ko-KR" sz="1600" dirty="0" smtClean="0">
+              <a:rPr lang="en-US" altLang="ko-KR" sz="1600" dirty="0">
                 <a:solidFill>
                   <a:schemeClr val="tx1"/>
                 </a:solidFill>
@@ -7863,7 +10815,7 @@
               <a:t>, </a:t>
             </a:r>
             <a:r>
-              <a:rPr lang="ko-KR" altLang="en-US" sz="1600" dirty="0" smtClean="0">
+              <a:rPr lang="ko-KR" altLang="en-US" sz="1600" dirty="0">
                 <a:solidFill>
                   <a:schemeClr val="tx1"/>
                 </a:solidFill>
@@ -7871,7 +10823,7 @@
               <a:t>클래스를 초기화한다</a:t>
             </a:r>
             <a:r>
-              <a:rPr lang="en-US" altLang="ko-KR" sz="1600" dirty="0" smtClean="0">
+              <a:rPr lang="en-US" altLang="ko-KR" sz="1600" dirty="0">
                 <a:solidFill>
                   <a:schemeClr val="tx1"/>
                 </a:solidFill>
@@ -7882,7 +10834,7 @@
           <a:p>
             <a:pPr algn="ctr"/>
             <a:r>
-              <a:rPr lang="ko-KR" altLang="en-US" sz="1600" dirty="0" smtClean="0">
+              <a:rPr lang="ko-KR" altLang="en-US" sz="1600" dirty="0">
                 <a:solidFill>
                   <a:schemeClr val="tx1"/>
                 </a:solidFill>
@@ -7890,7 +10842,7 @@
               <a:t>생략 가능</a:t>
             </a:r>
             <a:r>
-              <a:rPr lang="en-US" altLang="ko-KR" sz="1600" dirty="0" smtClean="0">
+              <a:rPr lang="en-US" altLang="ko-KR" sz="1600" dirty="0">
                 <a:solidFill>
                   <a:schemeClr val="tx1"/>
                 </a:solidFill>
@@ -7909,6 +10861,431 @@
     <p:extLst>
       <p:ext uri="{BB962C8B-B14F-4D97-AF65-F5344CB8AC3E}">
         <p14:creationId xmlns:p14="http://schemas.microsoft.com/office/powerpoint/2010/main" val="985618340"/>
+      </p:ext>
+    </p:extLst>
+  </p:cSld>
+  <p:clrMapOvr>
+    <a:masterClrMapping/>
+  </p:clrMapOvr>
+</p:sld>
+</file>
+
+<file path=ppt/slides/slide40.xml><?xml version="1.0" encoding="utf-8"?>
+<p:sld xmlns:a="http://schemas.openxmlformats.org/drawingml/2006/main" xmlns:r="http://schemas.openxmlformats.org/officeDocument/2006/relationships" xmlns:p="http://schemas.openxmlformats.org/presentationml/2006/main">
+  <p:cSld>
+    <p:spTree>
+      <p:nvGrpSpPr>
+        <p:cNvPr id="1" name=""/>
+        <p:cNvGrpSpPr/>
+        <p:nvPr/>
+      </p:nvGrpSpPr>
+      <p:grpSpPr>
+        <a:xfrm>
+          <a:off x="0" y="0"/>
+          <a:ext cx="0" cy="0"/>
+          <a:chOff x="0" y="0"/>
+          <a:chExt cx="0" cy="0"/>
+        </a:xfrm>
+      </p:grpSpPr>
+      <p:sp>
+        <p:nvSpPr>
+          <p:cNvPr id="4" name="직사각형 3"/>
+          <p:cNvSpPr/>
+          <p:nvPr/>
+        </p:nvSpPr>
+        <p:spPr>
+          <a:xfrm>
+            <a:off x="4663046" y="3097394"/>
+            <a:ext cx="2865905" cy="736238"/>
+          </a:xfrm>
+          <a:prstGeom prst="rect">
+            <a:avLst/>
+          </a:prstGeom>
+          <a:solidFill>
+            <a:srgbClr val="00B0F0">
+              <a:alpha val="34000"/>
+            </a:srgbClr>
+          </a:solidFill>
+          <a:ln w="38100">
+            <a:noFill/>
+          </a:ln>
+        </p:spPr>
+        <p:style>
+          <a:lnRef idx="2">
+            <a:schemeClr val="accent1">
+              <a:shade val="50000"/>
+            </a:schemeClr>
+          </a:lnRef>
+          <a:fillRef idx="1">
+            <a:schemeClr val="accent1"/>
+          </a:fillRef>
+          <a:effectRef idx="0">
+            <a:schemeClr val="accent1"/>
+          </a:effectRef>
+          <a:fontRef idx="minor">
+            <a:schemeClr val="lt1"/>
+          </a:fontRef>
+        </p:style>
+        <p:txBody>
+          <a:bodyPr rtlCol="0" anchor="ctr"/>
+          <a:lstStyle/>
+          <a:p>
+            <a:pPr algn="ctr"/>
+            <a:r>
+              <a:rPr lang="en-US" altLang="ko-KR" dirty="0">
+                <a:solidFill>
+                  <a:schemeClr val="tx1"/>
+                </a:solidFill>
+              </a:rPr>
+              <a:t>Default parameter</a:t>
+            </a:r>
+            <a:endParaRPr lang="ko-KR" altLang="en-US" dirty="0">
+              <a:solidFill>
+                <a:schemeClr val="tx1"/>
+              </a:solidFill>
+            </a:endParaRPr>
+          </a:p>
+        </p:txBody>
+      </p:sp>
+    </p:spTree>
+    <p:extLst>
+      <p:ext uri="{BB962C8B-B14F-4D97-AF65-F5344CB8AC3E}">
+        <p14:creationId xmlns:p14="http://schemas.microsoft.com/office/powerpoint/2010/main" val="402305420"/>
+      </p:ext>
+    </p:extLst>
+  </p:cSld>
+  <p:clrMapOvr>
+    <a:masterClrMapping/>
+  </p:clrMapOvr>
+</p:sld>
+</file>
+
+<file path=ppt/slides/slide41.xml><?xml version="1.0" encoding="utf-8"?>
+<p:sld xmlns:a="http://schemas.openxmlformats.org/drawingml/2006/main" xmlns:r="http://schemas.openxmlformats.org/officeDocument/2006/relationships" xmlns:p="http://schemas.openxmlformats.org/presentationml/2006/main">
+  <p:cSld>
+    <p:spTree>
+      <p:nvGrpSpPr>
+        <p:cNvPr id="1" name=""/>
+        <p:cNvGrpSpPr/>
+        <p:nvPr/>
+      </p:nvGrpSpPr>
+      <p:grpSpPr>
+        <a:xfrm>
+          <a:off x="0" y="0"/>
+          <a:ext cx="0" cy="0"/>
+          <a:chOff x="0" y="0"/>
+          <a:chExt cx="0" cy="0"/>
+        </a:xfrm>
+      </p:grpSpPr>
+      <p:pic>
+        <p:nvPicPr>
+          <p:cNvPr id="4" name="그림 3"/>
+          <p:cNvPicPr>
+            <a:picLocks noChangeAspect="1"/>
+          </p:cNvPicPr>
+          <p:nvPr/>
+        </p:nvPicPr>
+        <p:blipFill>
+          <a:blip r:embed="rId2"/>
+          <a:stretch>
+            <a:fillRect/>
+          </a:stretch>
+        </p:blipFill>
+        <p:spPr>
+          <a:xfrm>
+            <a:off x="1337315" y="2404919"/>
+            <a:ext cx="3648584" cy="2048161"/>
+          </a:xfrm>
+          <a:prstGeom prst="rect">
+            <a:avLst/>
+          </a:prstGeom>
+        </p:spPr>
+      </p:pic>
+      <p:pic>
+        <p:nvPicPr>
+          <p:cNvPr id="5" name="그림 4"/>
+          <p:cNvPicPr>
+            <a:picLocks noChangeAspect="1"/>
+          </p:cNvPicPr>
+          <p:nvPr/>
+        </p:nvPicPr>
+        <p:blipFill>
+          <a:blip r:embed="rId3"/>
+          <a:stretch>
+            <a:fillRect/>
+          </a:stretch>
+        </p:blipFill>
+        <p:spPr>
+          <a:xfrm>
+            <a:off x="8111284" y="2928867"/>
+            <a:ext cx="1705213" cy="1000265"/>
+          </a:xfrm>
+          <a:prstGeom prst="rect">
+            <a:avLst/>
+          </a:prstGeom>
+        </p:spPr>
+      </p:pic>
+      <p:sp>
+        <p:nvSpPr>
+          <p:cNvPr id="6" name="직사각형 5"/>
+          <p:cNvSpPr/>
+          <p:nvPr/>
+        </p:nvSpPr>
+        <p:spPr>
+          <a:xfrm>
+            <a:off x="4663046" y="5283642"/>
+            <a:ext cx="2865905" cy="736238"/>
+          </a:xfrm>
+          <a:prstGeom prst="rect">
+            <a:avLst/>
+          </a:prstGeom>
+          <a:solidFill>
+            <a:srgbClr val="00B0F0">
+              <a:alpha val="34000"/>
+            </a:srgbClr>
+          </a:solidFill>
+          <a:ln w="38100">
+            <a:noFill/>
+          </a:ln>
+        </p:spPr>
+        <p:style>
+          <a:lnRef idx="2">
+            <a:schemeClr val="accent1">
+              <a:shade val="50000"/>
+            </a:schemeClr>
+          </a:lnRef>
+          <a:fillRef idx="1">
+            <a:schemeClr val="accent1"/>
+          </a:fillRef>
+          <a:effectRef idx="0">
+            <a:schemeClr val="accent1"/>
+          </a:effectRef>
+          <a:fontRef idx="minor">
+            <a:schemeClr val="lt1"/>
+          </a:fontRef>
+        </p:style>
+        <p:txBody>
+          <a:bodyPr rtlCol="0" anchor="ctr"/>
+          <a:lstStyle/>
+          <a:p>
+            <a:pPr algn="ctr"/>
+            <a:r>
+              <a:rPr lang="en-US" altLang="ko-KR" sz="1600" dirty="0">
+                <a:solidFill>
+                  <a:schemeClr val="tx1"/>
+                </a:solidFill>
+              </a:rPr>
+              <a:t>...rest </a:t>
+            </a:r>
+            <a:r>
+              <a:rPr lang="ko-KR" altLang="en-US" sz="1600" dirty="0">
+                <a:solidFill>
+                  <a:schemeClr val="tx1"/>
+                </a:solidFill>
+              </a:rPr>
+              <a:t>로 인자를 넘기면 얼마만큼 인자가 들어가도 다 배열 형태로 받는다</a:t>
+            </a:r>
+            <a:r>
+              <a:rPr lang="en-US" altLang="ko-KR" sz="1600" dirty="0">
+                <a:solidFill>
+                  <a:schemeClr val="tx1"/>
+                </a:solidFill>
+              </a:rPr>
+              <a:t>.</a:t>
+            </a:r>
+            <a:endParaRPr lang="ko-KR" altLang="en-US" sz="1600" dirty="0">
+              <a:solidFill>
+                <a:schemeClr val="tx1"/>
+              </a:solidFill>
+            </a:endParaRPr>
+          </a:p>
+        </p:txBody>
+      </p:sp>
+    </p:spTree>
+    <p:extLst>
+      <p:ext uri="{BB962C8B-B14F-4D97-AF65-F5344CB8AC3E}">
+        <p14:creationId xmlns:p14="http://schemas.microsoft.com/office/powerpoint/2010/main" val="1360910884"/>
+      </p:ext>
+    </p:extLst>
+  </p:cSld>
+  <p:clrMapOvr>
+    <a:masterClrMapping/>
+  </p:clrMapOvr>
+</p:sld>
+</file>
+
+<file path=ppt/slides/slide42.xml><?xml version="1.0" encoding="utf-8"?>
+<p:sld xmlns:a="http://schemas.openxmlformats.org/drawingml/2006/main" xmlns:r="http://schemas.openxmlformats.org/officeDocument/2006/relationships" xmlns:p="http://schemas.openxmlformats.org/presentationml/2006/main">
+  <p:cSld>
+    <p:spTree>
+      <p:nvGrpSpPr>
+        <p:cNvPr id="1" name=""/>
+        <p:cNvGrpSpPr/>
+        <p:nvPr/>
+      </p:nvGrpSpPr>
+      <p:grpSpPr>
+        <a:xfrm>
+          <a:off x="0" y="0"/>
+          <a:ext cx="0" cy="0"/>
+          <a:chOff x="0" y="0"/>
+          <a:chExt cx="0" cy="0"/>
+        </a:xfrm>
+      </p:grpSpPr>
+      <p:pic>
+        <p:nvPicPr>
+          <p:cNvPr id="4" name="그림 3"/>
+          <p:cNvPicPr>
+            <a:picLocks noChangeAspect="1"/>
+          </p:cNvPicPr>
+          <p:nvPr/>
+        </p:nvPicPr>
+        <p:blipFill>
+          <a:blip r:embed="rId2"/>
+          <a:stretch>
+            <a:fillRect/>
+          </a:stretch>
+        </p:blipFill>
+        <p:spPr>
+          <a:xfrm>
+            <a:off x="7196132" y="1867757"/>
+            <a:ext cx="2787454" cy="3122484"/>
+          </a:xfrm>
+          <a:prstGeom prst="rect">
+            <a:avLst/>
+          </a:prstGeom>
+        </p:spPr>
+      </p:pic>
+      <p:pic>
+        <p:nvPicPr>
+          <p:cNvPr id="5" name="그림 4"/>
+          <p:cNvPicPr>
+            <a:picLocks noChangeAspect="1"/>
+          </p:cNvPicPr>
+          <p:nvPr/>
+        </p:nvPicPr>
+        <p:blipFill>
+          <a:blip r:embed="rId3"/>
+          <a:stretch>
+            <a:fillRect/>
+          </a:stretch>
+        </p:blipFill>
+        <p:spPr>
+          <a:xfrm>
+            <a:off x="1337315" y="2404919"/>
+            <a:ext cx="3648584" cy="2048161"/>
+          </a:xfrm>
+          <a:prstGeom prst="rect">
+            <a:avLst/>
+          </a:prstGeom>
+        </p:spPr>
+      </p:pic>
+      <p:sp>
+        <p:nvSpPr>
+          <p:cNvPr id="6" name="직사각형 5"/>
+          <p:cNvSpPr/>
+          <p:nvPr/>
+        </p:nvSpPr>
+        <p:spPr>
+          <a:xfrm>
+            <a:off x="4519160" y="5804033"/>
+            <a:ext cx="2865905" cy="736238"/>
+          </a:xfrm>
+          <a:prstGeom prst="rect">
+            <a:avLst/>
+          </a:prstGeom>
+          <a:solidFill>
+            <a:srgbClr val="00B0F0">
+              <a:alpha val="34000"/>
+            </a:srgbClr>
+          </a:solidFill>
+          <a:ln w="38100">
+            <a:noFill/>
+          </a:ln>
+        </p:spPr>
+        <p:style>
+          <a:lnRef idx="2">
+            <a:schemeClr val="accent1">
+              <a:shade val="50000"/>
+            </a:schemeClr>
+          </a:lnRef>
+          <a:fillRef idx="1">
+            <a:schemeClr val="accent1"/>
+          </a:fillRef>
+          <a:effectRef idx="0">
+            <a:schemeClr val="accent1"/>
+          </a:effectRef>
+          <a:fontRef idx="minor">
+            <a:schemeClr val="lt1"/>
+          </a:fontRef>
+        </p:style>
+        <p:txBody>
+          <a:bodyPr rtlCol="0" anchor="ctr"/>
+          <a:lstStyle/>
+          <a:p>
+            <a:pPr algn="ctr"/>
+            <a:r>
+              <a:rPr lang="en-US" altLang="ko-KR" dirty="0">
+                <a:solidFill>
+                  <a:schemeClr val="tx1"/>
+                </a:solidFill>
+              </a:rPr>
+              <a:t>JS</a:t>
+            </a:r>
+            <a:r>
+              <a:rPr lang="ko-KR" altLang="en-US" dirty="0">
+                <a:solidFill>
+                  <a:schemeClr val="tx1"/>
+                </a:solidFill>
+              </a:rPr>
+              <a:t>에는 </a:t>
+            </a:r>
+            <a:r>
+              <a:rPr lang="en-US" altLang="ko-KR" dirty="0">
+                <a:solidFill>
+                  <a:schemeClr val="tx1"/>
+                </a:solidFill>
+              </a:rPr>
+              <a:t>...rest</a:t>
+            </a:r>
+          </a:p>
+          <a:p>
+            <a:pPr algn="ctr"/>
+            <a:r>
+              <a:rPr lang="en-US" altLang="ko-KR" dirty="0">
+                <a:solidFill>
+                  <a:schemeClr val="tx1"/>
+                </a:solidFill>
+              </a:rPr>
+              <a:t>Py</a:t>
+            </a:r>
+            <a:r>
+              <a:rPr lang="ko-KR" altLang="en-US" dirty="0">
+                <a:solidFill>
+                  <a:schemeClr val="tx1"/>
+                </a:solidFill>
+              </a:rPr>
+              <a:t>에는 </a:t>
+            </a:r>
+            <a:r>
+              <a:rPr lang="en-US" altLang="ko-KR" dirty="0">
+                <a:solidFill>
+                  <a:schemeClr val="tx1"/>
+                </a:solidFill>
+              </a:rPr>
+              <a:t>*</a:t>
+            </a:r>
+            <a:endParaRPr lang="ko-KR" altLang="en-US" dirty="0">
+              <a:solidFill>
+                <a:schemeClr val="tx1"/>
+              </a:solidFill>
+            </a:endParaRPr>
+          </a:p>
+        </p:txBody>
+      </p:sp>
+    </p:spTree>
+    <p:extLst>
+      <p:ext uri="{BB962C8B-B14F-4D97-AF65-F5344CB8AC3E}">
+        <p14:creationId xmlns:p14="http://schemas.microsoft.com/office/powerpoint/2010/main" val="2103193998"/>
       </p:ext>
     </p:extLst>
   </p:cSld>
@@ -7980,7 +11357,7 @@
           <a:p>
             <a:pPr algn="ctr"/>
             <a:r>
-              <a:rPr lang="ko-KR" altLang="en-US" sz="1600" dirty="0" err="1" smtClean="0">
+              <a:rPr lang="ko-KR" altLang="en-US" sz="1600" dirty="0" err="1">
                 <a:solidFill>
                   <a:schemeClr val="tx1"/>
                 </a:solidFill>
@@ -7988,18 +11365,13 @@
               <a:t>파이썬에서의</a:t>
             </a:r>
             <a:r>
-              <a:rPr lang="ko-KR" altLang="en-US" sz="1600" dirty="0" smtClean="0">
+              <a:rPr lang="ko-KR" altLang="en-US" sz="1600" dirty="0">
                 <a:solidFill>
                   <a:schemeClr val="tx1"/>
                 </a:solidFill>
               </a:rPr>
               <a:t> 메서드</a:t>
             </a:r>
-            <a:endParaRPr lang="ko-KR" altLang="en-US" sz="1600" dirty="0">
-              <a:solidFill>
-                <a:schemeClr val="tx1"/>
-              </a:solidFill>
-            </a:endParaRPr>
           </a:p>
         </p:txBody>
       </p:sp>
@@ -8048,7 +11420,7 @@
           <a:p>
             <a:pPr algn="ctr"/>
             <a:r>
-              <a:rPr lang="ko-KR" altLang="en-US" sz="1600" dirty="0" err="1" smtClean="0">
+              <a:rPr lang="ko-KR" altLang="en-US" sz="1600" dirty="0" err="1">
                 <a:solidFill>
                   <a:schemeClr val="tx1"/>
                 </a:solidFill>
@@ -8056,14 +11428,14 @@
               <a:t>스테틱</a:t>
             </a:r>
             <a:r>
-              <a:rPr lang="ko-KR" altLang="en-US" sz="1600" dirty="0" smtClean="0">
+              <a:rPr lang="ko-KR" altLang="en-US" sz="1600" dirty="0">
                 <a:solidFill>
                   <a:schemeClr val="tx1"/>
                 </a:solidFill>
               </a:rPr>
               <a:t> 메서드</a:t>
             </a:r>
-            <a:endParaRPr lang="en-US" altLang="ko-KR" sz="1600" dirty="0" smtClean="0">
+            <a:endParaRPr lang="en-US" altLang="ko-KR" sz="1600" dirty="0">
               <a:solidFill>
                 <a:schemeClr val="tx1"/>
               </a:solidFill>
@@ -8116,14 +11488,14 @@
           <a:p>
             <a:pPr algn="ctr"/>
             <a:r>
-              <a:rPr lang="ko-KR" altLang="en-US" sz="1600" dirty="0" smtClean="0">
+              <a:rPr lang="ko-KR" altLang="en-US" sz="1600" dirty="0">
                 <a:solidFill>
                   <a:schemeClr val="tx1"/>
                 </a:solidFill>
               </a:rPr>
               <a:t>클래스 메서드</a:t>
             </a:r>
-            <a:endParaRPr lang="en-US" altLang="ko-KR" sz="1600" dirty="0" smtClean="0">
+            <a:endParaRPr lang="en-US" altLang="ko-KR" sz="1600" dirty="0">
               <a:solidFill>
                 <a:schemeClr val="tx1"/>
               </a:solidFill>
@@ -8176,18 +11548,13 @@
           <a:p>
             <a:pPr algn="ctr"/>
             <a:r>
-              <a:rPr lang="ko-KR" altLang="en-US" sz="1600" dirty="0" smtClean="0">
+              <a:rPr lang="ko-KR" altLang="en-US" sz="1600" dirty="0">
                 <a:solidFill>
                   <a:schemeClr val="tx1"/>
                 </a:solidFill>
               </a:rPr>
               <a:t>인스턴스 객체 생성 안해도 바로 가져다 쓸 수 있음</a:t>
             </a:r>
-            <a:endParaRPr lang="ko-KR" altLang="en-US" sz="1600" dirty="0">
-              <a:solidFill>
-                <a:schemeClr val="tx1"/>
-              </a:solidFill>
-            </a:endParaRPr>
           </a:p>
         </p:txBody>
       </p:sp>
@@ -8236,15 +11603,23 @@
           <a:p>
             <a:pPr algn="ctr"/>
             <a:r>
-              <a:rPr lang="en-US" altLang="ko-KR" sz="1200" dirty="0" smtClean="0">
-                <a:solidFill>
-                  <a:schemeClr val="tx1"/>
-                </a:solidFill>
-              </a:rPr>
-              <a:t>Cls</a:t>
-            </a:r>
-            <a:r>
-              <a:rPr lang="ko-KR" altLang="en-US" sz="1200" dirty="0" err="1" smtClean="0">
+              <a:rPr lang="en-US" altLang="ko-KR" sz="1200" dirty="0">
+                <a:solidFill>
+                  <a:schemeClr val="tx1"/>
+                </a:solidFill>
+              </a:rPr>
+              <a:t>‘</a:t>
+            </a:r>
+            <a:r>
+              <a:rPr lang="en-US" altLang="ko-KR" sz="1200" dirty="0" err="1">
+                <a:solidFill>
+                  <a:schemeClr val="tx1"/>
+                </a:solidFill>
+              </a:rPr>
+              <a:t>cls</a:t>
+            </a:r>
+            <a:r>
+              <a:rPr lang="ko-KR" altLang="en-US" sz="1200" dirty="0" err="1">
                 <a:solidFill>
                   <a:schemeClr val="tx1"/>
                 </a:solidFill>
@@ -8252,7 +11627,7 @@
               <a:t>를</a:t>
             </a:r>
             <a:r>
-              <a:rPr lang="ko-KR" altLang="en-US" sz="1200" dirty="0" smtClean="0">
+              <a:rPr lang="ko-KR" altLang="en-US" sz="1200" dirty="0">
                 <a:solidFill>
                   <a:schemeClr val="tx1"/>
                 </a:solidFill>
@@ -8260,7 +11635,7 @@
               <a:t> 인자로 받아야 값을 가져다 쓸 수 있음</a:t>
             </a:r>
             <a:r>
-              <a:rPr lang="en-US" altLang="ko-KR" sz="1200" dirty="0" smtClean="0">
+              <a:rPr lang="en-US" altLang="ko-KR" sz="1200" dirty="0">
                 <a:solidFill>
                   <a:schemeClr val="tx1"/>
                 </a:solidFill>
@@ -8268,7 +11643,7 @@
               <a:t>. </a:t>
             </a:r>
             <a:r>
-              <a:rPr lang="ko-KR" altLang="en-US" sz="1200" dirty="0" smtClean="0">
+              <a:rPr lang="ko-KR" altLang="en-US" sz="1200" dirty="0">
                 <a:solidFill>
                   <a:schemeClr val="tx1"/>
                 </a:solidFill>
@@ -8276,7 +11651,7 @@
               <a:t>클래스에서 받아다 쓰는 것</a:t>
             </a:r>
             <a:r>
-              <a:rPr lang="en-US" altLang="ko-KR" sz="1200" dirty="0" smtClean="0">
+              <a:rPr lang="en-US" altLang="ko-KR" sz="1200" dirty="0">
                 <a:solidFill>
                   <a:schemeClr val="tx1"/>
                 </a:solidFill>
@@ -8336,7 +11711,7 @@
           <a:p>
             <a:pPr algn="ctr"/>
             <a:r>
-              <a:rPr lang="en-US" altLang="ko-KR" sz="1600" dirty="0" smtClean="0">
+              <a:rPr lang="en-US" altLang="ko-KR" sz="1600" dirty="0">
                 <a:solidFill>
                   <a:schemeClr val="tx1"/>
                 </a:solidFill>
@@ -8344,7 +11719,7 @@
               <a:t>Self</a:t>
             </a:r>
             <a:r>
-              <a:rPr lang="ko-KR" altLang="en-US" sz="1600" dirty="0" err="1" smtClean="0">
+              <a:rPr lang="ko-KR" altLang="en-US" sz="1600" dirty="0" err="1">
                 <a:solidFill>
                   <a:schemeClr val="tx1"/>
                 </a:solidFill>
@@ -8352,18 +11727,13 @@
               <a:t>를</a:t>
             </a:r>
             <a:r>
-              <a:rPr lang="ko-KR" altLang="en-US" sz="1600" dirty="0" smtClean="0">
+              <a:rPr lang="ko-KR" altLang="en-US" sz="1600" dirty="0">
                 <a:solidFill>
                   <a:schemeClr val="tx1"/>
                 </a:solidFill>
               </a:rPr>
               <a:t> 통한 필드 접근 불가</a:t>
             </a:r>
-            <a:endParaRPr lang="ko-KR" altLang="en-US" sz="1600" dirty="0">
-              <a:solidFill>
-                <a:schemeClr val="tx1"/>
-              </a:solidFill>
-            </a:endParaRPr>
           </a:p>
         </p:txBody>
       </p:sp>
@@ -8412,14 +11782,14 @@
           <a:p>
             <a:pPr algn="ctr"/>
             <a:r>
-              <a:rPr lang="ko-KR" altLang="en-US" sz="1200" dirty="0" smtClean="0">
+              <a:rPr lang="ko-KR" altLang="en-US" sz="1200" dirty="0">
                 <a:solidFill>
                   <a:schemeClr val="tx1"/>
                 </a:solidFill>
               </a:rPr>
               <a:t>인스턴스 내부에서만 가져다 쓸 수 있음</a:t>
             </a:r>
-            <a:endParaRPr lang="en-US" altLang="ko-KR" sz="1200" dirty="0" smtClean="0">
+            <a:endParaRPr lang="en-US" altLang="ko-KR" sz="1200" dirty="0">
               <a:solidFill>
                 <a:schemeClr val="tx1"/>
               </a:solidFill>
@@ -8428,7 +11798,7 @@
           <a:p>
             <a:pPr algn="ctr"/>
             <a:r>
-              <a:rPr lang="en-US" altLang="ko-KR" sz="1200" dirty="0" smtClean="0">
+              <a:rPr lang="en-US" altLang="ko-KR" sz="1200" dirty="0">
                 <a:solidFill>
                   <a:schemeClr val="tx1"/>
                 </a:solidFill>
@@ -8436,31 +11806,15 @@
               <a:t>(</a:t>
             </a:r>
             <a:r>
-              <a:rPr lang="ko-KR" altLang="en-US" sz="1200" dirty="0" smtClean="0">
-                <a:solidFill>
-                  <a:schemeClr val="tx1"/>
-                </a:solidFill>
-              </a:rPr>
-              <a:t>내부에서 </a:t>
-            </a:r>
-            <a:r>
-              <a:rPr lang="ko-KR" altLang="en-US" sz="1200" dirty="0" err="1" smtClean="0">
-                <a:solidFill>
-                  <a:schemeClr val="tx1"/>
-                </a:solidFill>
-              </a:rPr>
-              <a:t>못찾으면</a:t>
-            </a:r>
-            <a:r>
-              <a:rPr lang="ko-KR" altLang="en-US" sz="1200" dirty="0" smtClean="0">
-                <a:solidFill>
-                  <a:schemeClr val="tx1"/>
-                </a:solidFill>
-              </a:rPr>
-              <a:t> 위로 올라가서 찾음</a:t>
-            </a:r>
-            <a:r>
-              <a:rPr lang="en-US" altLang="ko-KR" sz="1200" dirty="0" smtClean="0">
+              <a:rPr lang="ko-KR" altLang="en-US" sz="1200" dirty="0">
+                <a:solidFill>
+                  <a:schemeClr val="tx1"/>
+                </a:solidFill>
+              </a:rPr>
+              <a:t>내부에서 못 찾으면 위로 올라가서 찾음</a:t>
+            </a:r>
+            <a:r>
+              <a:rPr lang="en-US" altLang="ko-KR" sz="1200" dirty="0">
                 <a:solidFill>
                   <a:schemeClr val="tx1"/>
                 </a:solidFill>
@@ -8598,7 +11952,7 @@
           <a:p>
             <a:pPr algn="ctr"/>
             <a:r>
-              <a:rPr lang="en-US" altLang="ko-KR" sz="1600" dirty="0" smtClean="0">
+              <a:rPr lang="en-US" altLang="ko-KR" sz="1600" dirty="0">
                 <a:solidFill>
                   <a:schemeClr val="tx1"/>
                 </a:solidFill>
@@ -8606,7 +11960,7 @@
               <a:t>Class</a:t>
             </a:r>
             <a:r>
-              <a:rPr lang="ko-KR" altLang="en-US" sz="1600" dirty="0" smtClean="0">
+              <a:rPr lang="ko-KR" altLang="en-US" sz="1600" dirty="0">
                 <a:solidFill>
                   <a:schemeClr val="tx1"/>
                 </a:solidFill>
@@ -8614,7 +11968,7 @@
               <a:t>의 경우 객체 밑의 속성 정보들을 불러오는 걸 볼 수 있다</a:t>
             </a:r>
             <a:r>
-              <a:rPr lang="en-US" altLang="ko-KR" sz="1600" dirty="0" smtClean="0">
+              <a:rPr lang="en-US" altLang="ko-KR" sz="1600" dirty="0">
                 <a:solidFill>
                   <a:schemeClr val="tx1"/>
                 </a:solidFill>
@@ -8625,7 +11979,7 @@
           <a:p>
             <a:pPr algn="ctr"/>
             <a:r>
-              <a:rPr lang="en-US" altLang="ko-KR" sz="1600" dirty="0" smtClean="0">
+              <a:rPr lang="en-US" altLang="ko-KR" sz="1600" dirty="0">
                 <a:solidFill>
                   <a:schemeClr val="tx1"/>
                 </a:solidFill>
@@ -8633,7 +11987,7 @@
               <a:t>Function call </a:t>
             </a:r>
             <a:r>
-              <a:rPr lang="ko-KR" altLang="en-US" sz="1600" dirty="0" smtClean="0">
+              <a:rPr lang="ko-KR" altLang="en-US" sz="1600" dirty="0">
                 <a:solidFill>
                   <a:schemeClr val="tx1"/>
                 </a:solidFill>
@@ -8641,7 +11995,7 @@
               <a:t>밑의 </a:t>
             </a:r>
             <a:r>
-              <a:rPr lang="en-US" altLang="ko-KR" sz="1600" dirty="0" smtClean="0">
+              <a:rPr lang="en-US" altLang="ko-KR" sz="1600" dirty="0">
                 <a:solidFill>
                   <a:schemeClr val="tx1"/>
                 </a:solidFill>
@@ -8649,7 +12003,7 @@
               <a:t>none</a:t>
             </a:r>
             <a:r>
-              <a:rPr lang="ko-KR" altLang="en-US" sz="1600" dirty="0" smtClean="0">
+              <a:rPr lang="ko-KR" altLang="en-US" sz="1600" dirty="0">
                 <a:solidFill>
                   <a:schemeClr val="tx1"/>
                 </a:solidFill>
@@ -8657,7 +12011,7 @@
               <a:t>은 무시하기</a:t>
             </a:r>
             <a:r>
-              <a:rPr lang="en-US" altLang="ko-KR" sz="1600" dirty="0" smtClean="0">
+              <a:rPr lang="en-US" altLang="ko-KR" sz="1600" dirty="0">
                 <a:solidFill>
                   <a:schemeClr val="tx1"/>
                 </a:solidFill>
@@ -8771,7 +12125,7 @@
           <a:p>
             <a:pPr algn="ctr"/>
             <a:r>
-              <a:rPr lang="ko-KR" altLang="en-US" sz="1600" smtClean="0">
+              <a:rPr lang="ko-KR" altLang="en-US" sz="1600">
                 <a:solidFill>
                   <a:schemeClr val="tx1"/>
                 </a:solidFill>
@@ -8831,14 +12185,14 @@
           <a:p>
             <a:pPr algn="ctr"/>
             <a:r>
-              <a:rPr lang="ko-KR" altLang="en-US" sz="1600" dirty="0" smtClean="0">
+              <a:rPr lang="ko-KR" altLang="en-US" sz="1600" dirty="0">
                 <a:solidFill>
                   <a:schemeClr val="tx1"/>
                 </a:solidFill>
               </a:rPr>
               <a:t>클래스 속성</a:t>
             </a:r>
-            <a:endParaRPr lang="en-US" altLang="ko-KR" sz="1600" dirty="0" smtClean="0">
+            <a:endParaRPr lang="en-US" altLang="ko-KR" sz="1600" dirty="0">
               <a:solidFill>
                 <a:schemeClr val="tx1"/>
               </a:solidFill>
@@ -8891,14 +12245,14 @@
           <a:p>
             <a:pPr algn="ctr"/>
             <a:r>
-              <a:rPr lang="ko-KR" altLang="en-US" sz="1600" dirty="0" smtClean="0">
+              <a:rPr lang="ko-KR" altLang="en-US" sz="1600" dirty="0">
                 <a:solidFill>
                   <a:schemeClr val="tx1"/>
                 </a:solidFill>
               </a:rPr>
               <a:t>인스턴스 속성</a:t>
             </a:r>
-            <a:endParaRPr lang="en-US" altLang="ko-KR" sz="1600" dirty="0" smtClean="0">
+            <a:endParaRPr lang="en-US" altLang="ko-KR" sz="1600" dirty="0">
               <a:solidFill>
                 <a:schemeClr val="tx1"/>
               </a:solidFill>
@@ -8951,12 +12305,44 @@
           <a:p>
             <a:pPr algn="ctr"/>
             <a:r>
-              <a:rPr lang="ko-KR" altLang="en-US" sz="1600" dirty="0" smtClean="0">
+              <a:rPr lang="ko-KR" altLang="en-US" sz="1600" dirty="0">
                 <a:solidFill>
                   <a:schemeClr val="tx1"/>
                 </a:solidFill>
               </a:rPr>
               <a:t>클래스 내부의 값을 전부 가져다 쓸 수 있음</a:t>
+            </a:r>
+            <a:endParaRPr lang="en-US" altLang="ko-KR" sz="1600" dirty="0">
+              <a:solidFill>
+                <a:schemeClr val="tx1"/>
+              </a:solidFill>
+            </a:endParaRPr>
+          </a:p>
+          <a:p>
+            <a:pPr algn="ctr"/>
+            <a:r>
+              <a:rPr lang="en-US" altLang="ko-KR" sz="1600" dirty="0">
+                <a:solidFill>
+                  <a:schemeClr val="tx1"/>
+                </a:solidFill>
+              </a:rPr>
+              <a:t>(</a:t>
+            </a:r>
+            <a:r>
+              <a:rPr lang="ko-KR" altLang="en-US" sz="1600" dirty="0">
+                <a:solidFill>
+                  <a:schemeClr val="tx1"/>
+                </a:solidFill>
+              </a:rPr>
+              <a:t>대충 자바의 </a:t>
+            </a:r>
+            <a:r>
+              <a:rPr lang="en-US" altLang="ko-KR" sz="1600" dirty="0">
+                <a:solidFill>
+                  <a:schemeClr val="tx1"/>
+                </a:solidFill>
+              </a:rPr>
+              <a:t>static)</a:t>
             </a:r>
             <a:endParaRPr lang="ko-KR" altLang="en-US" sz="1600" dirty="0">
               <a:solidFill>
@@ -8974,7 +12360,7 @@
         </p:nvSpPr>
         <p:spPr>
           <a:xfrm>
-            <a:off x="6433657" y="4184650"/>
+            <a:off x="6417036" y="4184650"/>
             <a:ext cx="3009601" cy="736238"/>
           </a:xfrm>
           <a:prstGeom prst="rect">
@@ -9011,14 +12397,46 @@
           <a:p>
             <a:pPr algn="ctr"/>
             <a:r>
-              <a:rPr lang="ko-KR" altLang="en-US" sz="1200" dirty="0" smtClean="0">
-                <a:solidFill>
-                  <a:schemeClr val="tx1"/>
-                </a:solidFill>
-              </a:rPr>
-              <a:t>인스턴스 내부에서만 가져다 쓸 수 있음</a:t>
-            </a:r>
-            <a:endParaRPr lang="en-US" altLang="ko-KR" sz="1200" dirty="0" smtClean="0">
+              <a:rPr lang="ko-KR" altLang="en-US" sz="1200" dirty="0" err="1">
+                <a:solidFill>
+                  <a:schemeClr val="tx1"/>
+                </a:solidFill>
+              </a:rPr>
+              <a:t>인스턴스끼리는</a:t>
+            </a:r>
+            <a:r>
+              <a:rPr lang="ko-KR" altLang="en-US" sz="1200" dirty="0">
+                <a:solidFill>
+                  <a:schemeClr val="tx1"/>
+                </a:solidFill>
+              </a:rPr>
+              <a:t> </a:t>
+            </a:r>
+            <a:r>
+              <a:rPr lang="ko-KR" altLang="en-US" sz="1200" dirty="0" err="1">
+                <a:solidFill>
+                  <a:schemeClr val="tx1"/>
+                </a:solidFill>
+              </a:rPr>
+              <a:t>독립되어있다</a:t>
+            </a:r>
+            <a:r>
+              <a:rPr lang="en-US" altLang="ko-KR" sz="1200" dirty="0">
+                <a:solidFill>
+                  <a:schemeClr val="tx1"/>
+                </a:solidFill>
+              </a:rPr>
+              <a:t>.</a:t>
+            </a:r>
+            <a:r>
+              <a:rPr lang="ko-KR" altLang="en-US" sz="1200" dirty="0">
+                <a:solidFill>
+                  <a:schemeClr val="tx1"/>
+                </a:solidFill>
+              </a:rPr>
+              <a:t> 서로 영향을 끼치지 못함</a:t>
+            </a:r>
+            <a:endParaRPr lang="en-US" altLang="ko-KR" sz="1200" dirty="0">
               <a:solidFill>
                 <a:schemeClr val="tx1"/>
               </a:solidFill>
@@ -9027,7 +12445,7 @@
           <a:p>
             <a:pPr algn="ctr"/>
             <a:r>
-              <a:rPr lang="en-US" altLang="ko-KR" sz="1200" dirty="0" smtClean="0">
+              <a:rPr lang="en-US" altLang="ko-KR" sz="1200" dirty="0">
                 <a:solidFill>
                   <a:schemeClr val="tx1"/>
                 </a:solidFill>
@@ -9035,38 +12453,136 @@
               <a:t>(</a:t>
             </a:r>
             <a:r>
-              <a:rPr lang="ko-KR" altLang="en-US" sz="1200" dirty="0" smtClean="0">
-                <a:solidFill>
-                  <a:schemeClr val="tx1"/>
-                </a:solidFill>
-              </a:rPr>
-              <a:t>내부에서 </a:t>
-            </a:r>
-            <a:r>
-              <a:rPr lang="ko-KR" altLang="en-US" sz="1200" dirty="0" err="1" smtClean="0">
-                <a:solidFill>
-                  <a:schemeClr val="tx1"/>
-                </a:solidFill>
-              </a:rPr>
-              <a:t>못찾으면</a:t>
-            </a:r>
-            <a:r>
-              <a:rPr lang="ko-KR" altLang="en-US" sz="1200" dirty="0" smtClean="0">
-                <a:solidFill>
-                  <a:schemeClr val="tx1"/>
-                </a:solidFill>
-              </a:rPr>
-              <a:t> 위로 올라가서 찾음</a:t>
-            </a:r>
-            <a:r>
-              <a:rPr lang="en-US" altLang="ko-KR" sz="1200" dirty="0" smtClean="0">
-                <a:solidFill>
-                  <a:schemeClr val="tx1"/>
-                </a:solidFill>
-              </a:rPr>
-              <a:t>)</a:t>
+              <a:rPr lang="ko-KR" altLang="en-US" sz="1200" dirty="0">
+                <a:solidFill>
+                  <a:schemeClr val="tx1"/>
+                </a:solidFill>
+              </a:rPr>
+              <a:t>대충 자바의 </a:t>
+            </a:r>
+            <a:r>
+              <a:rPr lang="en-US" altLang="ko-KR" sz="1200" dirty="0">
+                <a:solidFill>
+                  <a:schemeClr val="tx1"/>
+                </a:solidFill>
+              </a:rPr>
+              <a:t>void)</a:t>
             </a:r>
             <a:endParaRPr lang="ko-KR" altLang="en-US" sz="1200" dirty="0">
+              <a:solidFill>
+                <a:schemeClr val="tx1"/>
+              </a:solidFill>
+            </a:endParaRPr>
+          </a:p>
+        </p:txBody>
+      </p:sp>
+      <p:sp>
+        <p:nvSpPr>
+          <p:cNvPr id="2" name="직사각형 1">
+            <a:extLst>
+              <a:ext uri="{FF2B5EF4-FFF2-40B4-BE49-F238E27FC236}">
+                <a16:creationId xmlns:a16="http://schemas.microsoft.com/office/drawing/2014/main" id="{4AEAB493-1C79-A6D5-6686-DF2E70140B5F}"/>
+              </a:ext>
+            </a:extLst>
+          </p:cNvPr>
+          <p:cNvSpPr/>
+          <p:nvPr/>
+        </p:nvSpPr>
+        <p:spPr>
+          <a:xfrm>
+            <a:off x="6417036" y="5344931"/>
+            <a:ext cx="3009601" cy="736238"/>
+          </a:xfrm>
+          <a:prstGeom prst="rect">
+            <a:avLst/>
+          </a:prstGeom>
+          <a:solidFill>
+            <a:srgbClr val="00B0F0">
+              <a:alpha val="34000"/>
+            </a:srgbClr>
+          </a:solidFill>
+          <a:ln w="38100">
+            <a:noFill/>
+          </a:ln>
+        </p:spPr>
+        <p:style>
+          <a:lnRef idx="2">
+            <a:schemeClr val="accent1">
+              <a:shade val="50000"/>
+            </a:schemeClr>
+          </a:lnRef>
+          <a:fillRef idx="1">
+            <a:schemeClr val="accent1"/>
+          </a:fillRef>
+          <a:effectRef idx="0">
+            <a:schemeClr val="accent1"/>
+          </a:effectRef>
+          <a:fontRef idx="minor">
+            <a:schemeClr val="lt1"/>
+          </a:fontRef>
+        </p:style>
+        <p:txBody>
+          <a:bodyPr rtlCol="0" anchor="ctr"/>
+          <a:lstStyle/>
+          <a:p>
+            <a:pPr algn="ctr"/>
+            <a:r>
+              <a:rPr lang="ko-KR" altLang="en-US" sz="1200" i="1" dirty="0">
+                <a:solidFill>
+                  <a:schemeClr val="tx1"/>
+                </a:solidFill>
+              </a:rPr>
+              <a:t>기본적인 동작은 </a:t>
+            </a:r>
+            <a:r>
+              <a:rPr lang="ko-KR" altLang="en-US" sz="1200" i="1" dirty="0" err="1">
+                <a:solidFill>
+                  <a:schemeClr val="tx1"/>
+                </a:solidFill>
+              </a:rPr>
+              <a:t>스태틱</a:t>
+            </a:r>
+            <a:r>
+              <a:rPr lang="ko-KR" altLang="en-US" sz="1200" i="1" dirty="0">
+                <a:solidFill>
+                  <a:schemeClr val="tx1"/>
+                </a:solidFill>
+              </a:rPr>
+              <a:t> </a:t>
+            </a:r>
+            <a:r>
+              <a:rPr lang="ko-KR" altLang="en-US" sz="1200" i="1" dirty="0" err="1">
+                <a:solidFill>
+                  <a:schemeClr val="tx1"/>
+                </a:solidFill>
+              </a:rPr>
+              <a:t>메시드와</a:t>
+            </a:r>
+            <a:r>
+              <a:rPr lang="ko-KR" altLang="en-US" sz="1200" i="1" dirty="0">
+                <a:solidFill>
+                  <a:schemeClr val="tx1"/>
+                </a:solidFill>
+              </a:rPr>
+              <a:t> 동일합니다 인스턴스 객체 생성 </a:t>
+            </a:r>
+            <a:r>
+              <a:rPr lang="ko-KR" altLang="en-US" sz="1200" i="1" dirty="0" err="1">
+                <a:solidFill>
+                  <a:schemeClr val="tx1"/>
+                </a:solidFill>
+              </a:rPr>
+              <a:t>안해도</a:t>
+            </a:r>
+            <a:r>
+              <a:rPr lang="ko-KR" altLang="en-US" sz="1200" i="1" dirty="0">
+                <a:solidFill>
+                  <a:schemeClr val="tx1"/>
+                </a:solidFill>
+              </a:rPr>
+              <a:t> 가져다 쓸 수 있어요</a:t>
+            </a:r>
+            <a:endParaRPr lang="en-US" altLang="ko-KR" sz="1200" i="1" dirty="0">
               <a:solidFill>
                 <a:schemeClr val="tx1"/>
               </a:solidFill>
@@ -9221,7 +12737,7 @@
           <a:p>
             <a:pPr algn="ctr"/>
             <a:r>
-              <a:rPr lang="en-US" altLang="ko-KR" sz="1600" dirty="0" smtClean="0">
+              <a:rPr lang="en-US" altLang="ko-KR" sz="1600" dirty="0">
                 <a:solidFill>
                   <a:schemeClr val="tx1"/>
                 </a:solidFill>
@@ -9229,7 +12745,7 @@
               <a:t>‘put_bag1</a:t>
             </a:r>
             <a:r>
-              <a:rPr lang="ko-KR" altLang="en-US" sz="1600" dirty="0" smtClean="0">
+              <a:rPr lang="ko-KR" altLang="en-US" sz="1600" dirty="0">
                 <a:solidFill>
                   <a:schemeClr val="tx1"/>
                 </a:solidFill>
@@ -9237,7 +12753,7 @@
               <a:t>은 클래스로 들어갔고</a:t>
             </a:r>
             <a:r>
-              <a:rPr lang="en-US" altLang="ko-KR" sz="1600" dirty="0" smtClean="0">
+              <a:rPr lang="en-US" altLang="ko-KR" sz="1600" dirty="0">
                 <a:solidFill>
                   <a:schemeClr val="tx1"/>
                 </a:solidFill>
@@ -9248,7 +12764,7 @@
           <a:p>
             <a:pPr algn="ctr"/>
             <a:r>
-              <a:rPr lang="en-US" altLang="ko-KR" sz="1600" dirty="0" smtClean="0">
+              <a:rPr lang="en-US" altLang="ko-KR" sz="1600" dirty="0">
                 <a:solidFill>
                   <a:schemeClr val="tx1"/>
                 </a:solidFill>
@@ -9256,7 +12772,7 @@
               <a:t>‘put_bag2</a:t>
             </a:r>
             <a:r>
-              <a:rPr lang="ko-KR" altLang="en-US" sz="1600" dirty="0" smtClean="0">
+              <a:rPr lang="ko-KR" altLang="en-US" sz="1600" dirty="0">
                 <a:solidFill>
                   <a:schemeClr val="tx1"/>
                 </a:solidFill>
@@ -9264,7 +12780,7 @@
               <a:t>는 인스턴스로 들어감</a:t>
             </a:r>
             <a:r>
-              <a:rPr lang="en-US" altLang="ko-KR" sz="1600" dirty="0" smtClean="0">
+              <a:rPr lang="en-US" altLang="ko-KR" sz="1600" dirty="0">
                 <a:solidFill>
                   <a:schemeClr val="tx1"/>
                 </a:solidFill>
@@ -9319,7 +12835,7 @@
           <a:p>
             <a:pPr algn="ctr"/>
             <a:r>
-              <a:rPr lang="ko-KR" altLang="en-US" sz="1600" dirty="0" smtClean="0">
+              <a:rPr lang="ko-KR" altLang="en-US" sz="1600" dirty="0">
                 <a:solidFill>
                   <a:schemeClr val="tx1"/>
                 </a:solidFill>
@@ -9327,7 +12843,7 @@
               <a:t>한 클래스에서 공유하는 값이니 책</a:t>
             </a:r>
             <a:r>
-              <a:rPr lang="en-US" altLang="ko-KR" sz="1600" dirty="0" smtClean="0">
+              <a:rPr lang="en-US" altLang="ko-KR" sz="1600" dirty="0">
                 <a:solidFill>
                   <a:schemeClr val="tx1"/>
                 </a:solidFill>
@@ -9335,7 +12851,7 @@
               <a:t>, </a:t>
             </a:r>
             <a:r>
-              <a:rPr lang="ko-KR" altLang="en-US" sz="1600" dirty="0" smtClean="0">
+              <a:rPr lang="ko-KR" altLang="en-US" sz="1600" dirty="0">
                 <a:solidFill>
                   <a:schemeClr val="tx1"/>
                 </a:solidFill>
@@ -9343,7 +12859,7 @@
               <a:t>열쇠는 공통으로 갖지만</a:t>
             </a:r>
             <a:r>
-              <a:rPr lang="en-US" altLang="ko-KR" sz="1600" dirty="0" smtClean="0">
+              <a:rPr lang="en-US" altLang="ko-KR" sz="1600" dirty="0">
                 <a:solidFill>
                   <a:schemeClr val="tx1"/>
                 </a:solidFill>
@@ -9398,7 +12914,7 @@
           <a:p>
             <a:pPr algn="ctr"/>
             <a:r>
-              <a:rPr lang="ko-KR" altLang="en-US" sz="1600" dirty="0" smtClean="0">
+              <a:rPr lang="ko-KR" altLang="en-US" sz="1600" dirty="0">
                 <a:solidFill>
                   <a:schemeClr val="tx1"/>
                 </a:solidFill>
@@ -9406,7 +12922,7 @@
               <a:t>인스턴스에서 선언한 자</a:t>
             </a:r>
             <a:r>
-              <a:rPr lang="en-US" altLang="ko-KR" sz="1600" dirty="0" smtClean="0">
+              <a:rPr lang="en-US" altLang="ko-KR" sz="1600" dirty="0">
                 <a:solidFill>
                   <a:schemeClr val="tx1"/>
                 </a:solidFill>
@@ -9414,7 +12930,7 @@
               <a:t>, </a:t>
             </a:r>
             <a:r>
-              <a:rPr lang="ko-KR" altLang="en-US" sz="1600" dirty="0" smtClean="0">
+              <a:rPr lang="ko-KR" altLang="en-US" sz="1600" dirty="0">
                 <a:solidFill>
                   <a:schemeClr val="tx1"/>
                 </a:solidFill>
@@ -9422,7 +12938,7 @@
               <a:t>집은 각각 프린트하게 되는 것</a:t>
             </a:r>
             <a:r>
-              <a:rPr lang="en-US" altLang="ko-KR" sz="1600" dirty="0" smtClean="0">
+              <a:rPr lang="en-US" altLang="ko-KR" sz="1600" dirty="0">
                 <a:solidFill>
                   <a:schemeClr val="tx1"/>
                 </a:solidFill>
@@ -9507,7 +13023,7 @@
           <a:p>
             <a:pPr algn="ctr"/>
             <a:r>
-              <a:rPr lang="en-US" altLang="ko-KR" sz="1600" dirty="0" smtClean="0">
+              <a:rPr lang="en-US" altLang="ko-KR" sz="1600" dirty="0">
                 <a:solidFill>
                   <a:schemeClr val="tx1"/>
                 </a:solidFill>
@@ -9562,18 +13078,13 @@
           <a:p>
             <a:pPr algn="ctr"/>
             <a:r>
-              <a:rPr lang="en-US" altLang="ko-KR" sz="1600" dirty="0" smtClean="0">
+              <a:rPr lang="en-US" altLang="ko-KR" sz="1600" dirty="0">
                 <a:solidFill>
                   <a:schemeClr val="tx1"/>
                 </a:solidFill>
               </a:rPr>
               <a:t>putbag1</a:t>
             </a:r>
-            <a:endParaRPr lang="en-US" altLang="ko-KR" sz="1600" dirty="0" smtClean="0">
-              <a:solidFill>
-                <a:schemeClr val="tx1"/>
-              </a:solidFill>
-            </a:endParaRPr>
           </a:p>
         </p:txBody>
       </p:sp>
@@ -9622,18 +13133,13 @@
           <a:p>
             <a:pPr algn="ctr"/>
             <a:r>
-              <a:rPr lang="en-US" altLang="ko-KR" sz="1600" dirty="0" smtClean="0">
+              <a:rPr lang="en-US" altLang="ko-KR" sz="1600" dirty="0">
                 <a:solidFill>
                   <a:schemeClr val="tx1"/>
                 </a:solidFill>
               </a:rPr>
               <a:t>putbag2</a:t>
             </a:r>
-            <a:endParaRPr lang="en-US" altLang="ko-KR" sz="1600" dirty="0" smtClean="0">
-              <a:solidFill>
-                <a:schemeClr val="tx1"/>
-              </a:solidFill>
-            </a:endParaRPr>
           </a:p>
         </p:txBody>
       </p:sp>
@@ -9682,7 +13188,7 @@
           <a:p>
             <a:pPr algn="ctr"/>
             <a:r>
-              <a:rPr lang="ko-KR" altLang="en-US" sz="1600" dirty="0" smtClean="0">
+              <a:rPr lang="ko-KR" altLang="en-US" sz="1600" dirty="0">
                 <a:solidFill>
                   <a:schemeClr val="tx1"/>
                 </a:solidFill>
@@ -9690,7 +13196,7 @@
               <a:t>책</a:t>
             </a:r>
             <a:r>
-              <a:rPr lang="en-US" altLang="ko-KR" sz="1600" dirty="0" smtClean="0">
+              <a:rPr lang="en-US" altLang="ko-KR" sz="1600" dirty="0">
                 <a:solidFill>
                   <a:schemeClr val="tx1"/>
                 </a:solidFill>
@@ -9698,18 +13204,37 @@
               <a:t>,</a:t>
             </a:r>
             <a:r>
-              <a:rPr lang="ko-KR" altLang="en-US" sz="1600" dirty="0" smtClean="0">
+              <a:rPr lang="ko-KR" altLang="en-US" sz="1600" dirty="0">
                 <a:solidFill>
                   <a:schemeClr val="tx1"/>
                 </a:solidFill>
               </a:rPr>
               <a:t> 열쇠</a:t>
             </a:r>
-            <a:endParaRPr lang="en-US" altLang="ko-KR" sz="1600" dirty="0" smtClean="0">
-              <a:solidFill>
-                <a:schemeClr val="tx1"/>
-              </a:solidFill>
-            </a:endParaRPr>
+            <a:r>
+              <a:rPr lang="en-US" altLang="ko-KR" sz="1600" dirty="0">
+                <a:solidFill>
+                  <a:schemeClr val="tx1"/>
+                </a:solidFill>
+              </a:rPr>
+              <a:t>(</a:t>
+            </a:r>
+            <a:r>
+              <a:rPr lang="ko-KR" altLang="en-US" sz="1600" dirty="0">
+                <a:solidFill>
+                  <a:schemeClr val="tx1"/>
+                </a:solidFill>
+              </a:rPr>
+              <a:t>클래스 공통</a:t>
+            </a:r>
+            <a:r>
+              <a:rPr lang="en-US" altLang="ko-KR" sz="1600" dirty="0">
+                <a:solidFill>
+                  <a:schemeClr val="tx1"/>
+                </a:solidFill>
+              </a:rPr>
+              <a:t>)</a:t>
+            </a:r>
           </a:p>
         </p:txBody>
       </p:sp>
@@ -9758,14 +13283,14 @@
           <a:p>
             <a:pPr algn="ctr"/>
             <a:r>
-              <a:rPr lang="ko-KR" altLang="en-US" sz="1600" dirty="0" smtClean="0">
+              <a:rPr lang="ko-KR" altLang="en-US" sz="1600" dirty="0">
                 <a:solidFill>
                   <a:schemeClr val="tx1"/>
                 </a:solidFill>
               </a:rPr>
               <a:t>자</a:t>
             </a:r>
-            <a:endParaRPr lang="en-US" altLang="ko-KR" sz="1600" dirty="0" smtClean="0">
+            <a:endParaRPr lang="en-US" altLang="ko-KR" sz="1600" dirty="0">
               <a:solidFill>
                 <a:schemeClr val="tx1"/>
               </a:solidFill>
@@ -9818,14 +13343,14 @@
           <a:p>
             <a:pPr algn="ctr"/>
             <a:r>
-              <a:rPr lang="ko-KR" altLang="en-US" sz="1600" dirty="0" smtClean="0">
+              <a:rPr lang="ko-KR" altLang="en-US" sz="1600" dirty="0">
                 <a:solidFill>
                   <a:schemeClr val="tx1"/>
                 </a:solidFill>
               </a:rPr>
               <a:t>집</a:t>
             </a:r>
-            <a:endParaRPr lang="en-US" altLang="ko-KR" sz="1600" dirty="0" smtClean="0">
+            <a:endParaRPr lang="en-US" altLang="ko-KR" sz="1600" dirty="0">
               <a:solidFill>
                 <a:schemeClr val="tx1"/>
               </a:solidFill>
@@ -9878,14 +13403,14 @@
           <a:p>
             <a:pPr algn="ctr"/>
             <a:r>
-              <a:rPr lang="ko-KR" altLang="en-US" sz="1400" dirty="0" smtClean="0">
+              <a:rPr lang="ko-KR" altLang="en-US" sz="1400" dirty="0">
                 <a:solidFill>
                   <a:schemeClr val="tx1"/>
                 </a:solidFill>
               </a:rPr>
               <a:t>해당 인스턴스 안에서만 도는 값들</a:t>
             </a:r>
-            <a:endParaRPr lang="en-US" altLang="ko-KR" sz="1400" dirty="0" smtClean="0">
+            <a:endParaRPr lang="en-US" altLang="ko-KR" sz="1400" dirty="0">
               <a:solidFill>
                 <a:schemeClr val="tx1"/>
               </a:solidFill>
@@ -9938,14 +13463,14 @@
           <a:p>
             <a:pPr algn="ctr"/>
             <a:r>
-              <a:rPr lang="ko-KR" altLang="en-US" sz="1400" dirty="0" smtClean="0">
+              <a:rPr lang="ko-KR" altLang="en-US" sz="1400" dirty="0">
                 <a:solidFill>
                   <a:schemeClr val="tx1"/>
                 </a:solidFill>
               </a:rPr>
               <a:t>인스턴스</a:t>
             </a:r>
-            <a:endParaRPr lang="en-US" altLang="ko-KR" sz="1400" dirty="0" smtClean="0">
+            <a:endParaRPr lang="en-US" altLang="ko-KR" sz="1400" dirty="0">
               <a:solidFill>
                 <a:schemeClr val="tx1"/>
               </a:solidFill>
@@ -9998,14 +13523,14 @@
           <a:p>
             <a:pPr algn="ctr"/>
             <a:r>
-              <a:rPr lang="ko-KR" altLang="en-US" sz="1400" dirty="0" smtClean="0">
+              <a:rPr lang="ko-KR" altLang="en-US" sz="1400" dirty="0">
                 <a:solidFill>
                   <a:schemeClr val="tx1"/>
                 </a:solidFill>
               </a:rPr>
               <a:t>클래스에서 공통으로 가지는 값들</a:t>
             </a:r>
-            <a:endParaRPr lang="en-US" altLang="ko-KR" sz="1400" dirty="0" smtClean="0">
+            <a:endParaRPr lang="en-US" altLang="ko-KR" sz="1400" dirty="0">
               <a:solidFill>
                 <a:schemeClr val="tx1"/>
               </a:solidFill>
@@ -10058,14 +13583,14 @@
           <a:p>
             <a:pPr algn="ctr"/>
             <a:r>
-              <a:rPr lang="ko-KR" altLang="en-US" sz="1400" dirty="0" smtClean="0">
+              <a:rPr lang="ko-KR" altLang="en-US" sz="1400" dirty="0">
                 <a:solidFill>
                   <a:schemeClr val="tx1"/>
                 </a:solidFill>
               </a:rPr>
               <a:t>클래스</a:t>
             </a:r>
-            <a:endParaRPr lang="en-US" altLang="ko-KR" sz="1400" dirty="0" smtClean="0">
+            <a:endParaRPr lang="en-US" altLang="ko-KR" sz="1400" dirty="0">
               <a:solidFill>
                 <a:schemeClr val="tx1"/>
               </a:solidFill>
@@ -10117,7 +13642,7 @@
           <a:lstStyle/>
           <a:p>
             <a:pPr algn="ctr"/>
-            <a:endParaRPr lang="en-US" altLang="ko-KR" sz="1600" dirty="0" smtClean="0">
+            <a:endParaRPr lang="en-US" altLang="ko-KR" sz="1600" dirty="0">
               <a:solidFill>
                 <a:schemeClr val="tx1"/>
               </a:solidFill>
@@ -10169,7 +13694,7 @@
           <a:lstStyle/>
           <a:p>
             <a:pPr algn="ctr"/>
-            <a:endParaRPr lang="en-US" altLang="ko-KR" sz="1600" dirty="0" smtClean="0">
+            <a:endParaRPr lang="en-US" altLang="ko-KR" sz="1600" dirty="0">
               <a:solidFill>
                 <a:schemeClr val="tx1"/>
               </a:solidFill>
@@ -10221,7 +13746,7 @@
           <a:lstStyle/>
           <a:p>
             <a:pPr algn="ctr"/>
-            <a:endParaRPr lang="en-US" altLang="ko-KR" sz="1600" dirty="0" smtClean="0">
+            <a:endParaRPr lang="en-US" altLang="ko-KR" sz="1600" dirty="0">
               <a:solidFill>
                 <a:schemeClr val="tx1"/>
               </a:solidFill>
